--- a/documentation/Phase2.pptx
+++ b/documentation/Phase2.pptx
@@ -110,6 +110,22 @@
       </a:defRPr>
     </a:lvl9pPr>
   </p:defaultTextStyle>
+  <p:extLst>
+    <p:ext uri="{EFAFB233-063F-42B5-8137-9DF3F51BA10A}">
+      <p15:sldGuideLst xmlns:p15="http://schemas.microsoft.com/office/powerpoint/2012/main">
+        <p15:guide id="1" orient="horz" pos="2160">
+          <p15:clr>
+            <a:srgbClr val="A4A3A4"/>
+          </p15:clr>
+        </p15:guide>
+        <p15:guide id="2" pos="2880">
+          <p15:clr>
+            <a:srgbClr val="A4A3A4"/>
+          </p15:clr>
+        </p15:guide>
+      </p15:sldGuideLst>
+    </p:ext>
+  </p:extLst>
 </p:presentation>
 </file>
 
@@ -4638,20 +4654,20 @@
             <p:ph type="subTitle" idx="1"/>
           </p:nvPr>
         </p:nvSpPr>
-        <p:spPr/>
+        <p:spPr>
+          <a:xfrm>
+            <a:off x="-3492896" y="1844824"/>
+            <a:ext cx="7772400" cy="1199704"/>
+          </a:xfrm>
+        </p:spPr>
         <p:txBody>
           <a:bodyPr/>
           <a:lstStyle/>
           <a:p>
             <a:r>
               <a:rPr lang="en-NZ" dirty="0" smtClean="0"/>
-              <a:t>Group </a:t>
-            </a:r>
-            <a:r>
-              <a:rPr lang="en-NZ" dirty="0" smtClean="0"/>
-              <a:t>4</a:t>
-            </a:r>
-            <a:endParaRPr lang="en-NZ" dirty="0" smtClean="0"/>
+              <a:t>Group 4</a:t>
+            </a:r>
           </a:p>
         </p:txBody>
       </p:sp>
@@ -4753,12 +4769,12 @@
       </p:grpSpPr>
       <p:sp>
         <p:nvSpPr>
-          <p:cNvPr id="2" name="Content Placeholder 1"/>
-          <p:cNvSpPr>
-            <a:spLocks noGrp="1"/>
-          </p:cNvSpPr>
-          <p:nvPr>
-            <p:ph idx="1"/>
+          <p:cNvPr id="3" name="Title 2"/>
+          <p:cNvSpPr>
+            <a:spLocks noGrp="1"/>
+          </p:cNvSpPr>
+          <p:nvPr>
+            <p:ph type="title"/>
           </p:nvPr>
         </p:nvSpPr>
         <p:spPr/>
@@ -4768,39 +4784,101 @@
           <a:p>
             <a:r>
               <a:rPr lang="en-NZ" dirty="0" smtClean="0"/>
-              <a:t>*insert simulation results here*</a:t>
+              <a:t>Simulation Results</a:t>
             </a:r>
             <a:endParaRPr lang="en-NZ" dirty="0"/>
           </a:p>
         </p:txBody>
       </p:sp>
-      <p:sp>
-        <p:nvSpPr>
-          <p:cNvPr id="3" name="Title 2"/>
-          <p:cNvSpPr>
-            <a:spLocks noGrp="1"/>
-          </p:cNvSpPr>
-          <p:nvPr>
-            <p:ph type="title"/>
-          </p:nvPr>
-        </p:nvSpPr>
-        <p:spPr/>
-        <p:txBody>
-          <a:bodyPr/>
-          <a:lstStyle/>
-          <a:p>
-            <a:r>
-              <a:rPr lang="en-NZ" dirty="0" smtClean="0"/>
-              <a:t>Simulation </a:t>
-            </a:r>
-            <a:r>
-              <a:rPr lang="en-NZ" dirty="0" smtClean="0"/>
-              <a:t>Results</a:t>
-            </a:r>
-            <a:endParaRPr lang="en-NZ" dirty="0"/>
-          </a:p>
-        </p:txBody>
-      </p:sp>
+      <p:pic>
+        <p:nvPicPr>
+          <p:cNvPr id="5" name="Content Placeholder 4"/>
+          <p:cNvPicPr>
+            <a:picLocks noGrp="1" noChangeAspect="1"/>
+          </p:cNvPicPr>
+          <p:nvPr>
+            <p:ph idx="1"/>
+          </p:nvPr>
+        </p:nvPicPr>
+        <p:blipFill>
+          <a:blip r:embed="rId2">
+            <a:extLst>
+              <a:ext uri="{28A0092B-C50C-407E-A947-70E740481C1C}">
+                <a14:useLocalDpi xmlns:a14="http://schemas.microsoft.com/office/drawing/2010/main" val="0"/>
+              </a:ext>
+            </a:extLst>
+          </a:blip>
+          <a:stretch>
+            <a:fillRect/>
+          </a:stretch>
+        </p:blipFill>
+        <p:spPr>
+          <a:xfrm>
+            <a:off x="440113" y="1417638"/>
+            <a:ext cx="8229600" cy="797767"/>
+          </a:xfrm>
+        </p:spPr>
+      </p:pic>
+      <p:pic>
+        <p:nvPicPr>
+          <p:cNvPr id="6" name="Picture 5"/>
+          <p:cNvPicPr>
+            <a:picLocks noChangeAspect="1"/>
+          </p:cNvPicPr>
+          <p:nvPr/>
+        </p:nvPicPr>
+        <p:blipFill>
+          <a:blip r:embed="rId3">
+            <a:extLst>
+              <a:ext uri="{28A0092B-C50C-407E-A947-70E740481C1C}">
+                <a14:useLocalDpi xmlns:a14="http://schemas.microsoft.com/office/drawing/2010/main" val="0"/>
+              </a:ext>
+            </a:extLst>
+          </a:blip>
+          <a:stretch>
+            <a:fillRect/>
+          </a:stretch>
+        </p:blipFill>
+        <p:spPr>
+          <a:xfrm>
+            <a:off x="117216" y="2560638"/>
+            <a:ext cx="8875393" cy="1148061"/>
+          </a:xfrm>
+          <a:prstGeom prst="rect">
+            <a:avLst/>
+          </a:prstGeom>
+        </p:spPr>
+      </p:pic>
+      <p:pic>
+        <p:nvPicPr>
+          <p:cNvPr id="7" name="Picture 6"/>
+          <p:cNvPicPr>
+            <a:picLocks noChangeAspect="1"/>
+          </p:cNvPicPr>
+          <p:nvPr/>
+        </p:nvPicPr>
+        <p:blipFill>
+          <a:blip r:embed="rId4">
+            <a:extLst>
+              <a:ext uri="{28A0092B-C50C-407E-A947-70E740481C1C}">
+                <a14:useLocalDpi xmlns:a14="http://schemas.microsoft.com/office/drawing/2010/main" val="0"/>
+              </a:ext>
+            </a:extLst>
+          </a:blip>
+          <a:stretch>
+            <a:fillRect/>
+          </a:stretch>
+        </p:blipFill>
+        <p:spPr>
+          <a:xfrm>
+            <a:off x="72000" y="4053932"/>
+            <a:ext cx="9000000" cy="830652"/>
+          </a:xfrm>
+          <a:prstGeom prst="rect">
+            <a:avLst/>
+          </a:prstGeom>
+        </p:spPr>
+      </p:pic>
     </p:spTree>
   </p:cSld>
   <p:clrMapOvr>
@@ -4866,11 +4944,7 @@
           <a:p>
             <a:r>
               <a:rPr lang="en-NZ" dirty="0" smtClean="0"/>
-              <a:t>Performance </a:t>
-            </a:r>
-            <a:r>
-              <a:rPr lang="en-NZ" dirty="0" smtClean="0"/>
-              <a:t>Comparison</a:t>
+              <a:t>Performance Comparison</a:t>
             </a:r>
             <a:endParaRPr lang="en-NZ" dirty="0"/>
           </a:p>
@@ -4939,7 +5013,6 @@
               <a:rPr lang="en-NZ" dirty="0" smtClean="0"/>
               <a:t>FPGA responds with a single pixel value</a:t>
             </a:r>
-            <a:endParaRPr lang="en-NZ" dirty="0" smtClean="0"/>
           </a:p>
           <a:p>
             <a:endParaRPr lang="en-NZ" dirty="0" smtClean="0"/>

--- a/documentation/Phase2.pptx
+++ b/documentation/Phase2.pptx
@@ -11,7 +11,7 @@
     <p:sldId id="258" r:id="rId5"/>
     <p:sldId id="260" r:id="rId6"/>
     <p:sldId id="259" r:id="rId7"/>
-    <p:sldId id="262" r:id="rId8"/>
+    <p:sldId id="263" r:id="rId8"/>
   </p:sldIdLst>
   <p:sldSz cx="9144000" cy="6858000" type="screen4x3"/>
   <p:notesSz cx="6858000" cy="9144000"/>
@@ -129,6 +129,10 @@
 </p:presentation>
 </file>
 
+<file path=ppt/revisionInfo.xml><?xml version="1.0" encoding="utf-8"?>
+<p1510:revInfo xmlns:a="http://schemas.openxmlformats.org/drawingml/2006/main" xmlns:r="http://schemas.openxmlformats.org/officeDocument/2006/relationships" xmlns:p1510="http://schemas.microsoft.com/office/powerpoint/2015/10/main"/>
+</file>
+
 <file path=ppt/slideLayouts/slideLayout1.xml><?xml version="1.0" encoding="utf-8"?>
 <p:sldLayout xmlns:a="http://schemas.openxmlformats.org/drawingml/2006/main" xmlns:r="http://schemas.openxmlformats.org/officeDocument/2006/relationships" xmlns:p="http://schemas.openxmlformats.org/presentationml/2006/main" showMasterSp="0" type="title" preserve="1">
   <p:cSld name="Title Slide">
@@ -209,9 +213,7 @@
         </p:style>
         <p:txBody>
           <a:bodyPr anchor="ctr"/>
-          <a:lstStyle>
-            <a:extLst/>
-          </a:lstStyle>
+          <a:lstStyle/>
           <a:p>
             <a:pPr algn="ctr" eaLnBrk="1" latinLnBrk="0" hangingPunct="1"/>
             <a:endParaRPr kumimoji="0" lang="en-US"/>
@@ -264,10 +266,9 @@
           </a:lstStyle>
           <a:p>
             <a:r>
-              <a:rPr kumimoji="0" lang="en-US" smtClean="0"/>
+              <a:rPr kumimoji="0" lang="en-US"/>
               <a:t>Click to edit Master title style</a:t>
             </a:r>
-            <a:endParaRPr kumimoji="0" lang="en-US"/>
           </a:p>
         </p:txBody>
       </p:sp>
@@ -326,10 +327,9 @@
           </a:lstStyle>
           <a:p>
             <a:r>
-              <a:rPr kumimoji="0" lang="en-US" smtClean="0"/>
+              <a:rPr kumimoji="0" lang="en-US"/>
               <a:t>Click to edit Master subtitle style</a:t>
             </a:r>
-            <a:endParaRPr kumimoji="0" lang="en-US"/>
           </a:p>
         </p:txBody>
       </p:sp>
@@ -424,9 +424,7 @@
           </p:spPr>
           <p:txBody>
             <a:bodyPr vert="horz" wrap="square" lIns="91440" tIns="45720" rIns="91440" bIns="45720" anchor="t" compatLnSpc="1"/>
-            <a:lstStyle>
-              <a:extLst/>
-            </a:lstStyle>
+            <a:lstStyle/>
             <a:p>
               <a:endParaRPr kumimoji="0" lang="en-US"/>
             </a:p>
@@ -506,9 +504,7 @@
           </p:spPr>
           <p:txBody>
             <a:bodyPr vert="horz" wrap="square" lIns="91440" tIns="45720" rIns="91440" bIns="45720" anchor="t" compatLnSpc="1"/>
-            <a:lstStyle>
-              <a:extLst/>
-            </a:lstStyle>
+            <a:lstStyle/>
             <a:p>
               <a:endParaRPr kumimoji="0" lang="en-US"/>
             </a:p>
@@ -665,9 +661,7 @@
           </p:style>
           <p:txBody>
             <a:bodyPr vert="horz" wrap="square" lIns="91440" tIns="45720" rIns="91440" bIns="45720" anchor="ctr" compatLnSpc="1"/>
-            <a:lstStyle>
-              <a:extLst/>
-            </a:lstStyle>
+            <a:lstStyle/>
             <a:p>
               <a:pPr algn="ctr" eaLnBrk="1" latinLnBrk="0" hangingPunct="1"/>
               <a:endParaRPr kumimoji="0" lang="en-US"/>
@@ -860,15 +854,12 @@
         <p:spPr/>
         <p:txBody>
           <a:bodyPr/>
-          <a:lstStyle>
-            <a:extLst/>
-          </a:lstStyle>
-          <a:p>
-            <a:r>
-              <a:rPr kumimoji="0" lang="en-US" smtClean="0"/>
+          <a:lstStyle/>
+          <a:p>
+            <a:r>
+              <a:rPr kumimoji="0" lang="en-US"/>
               <a:t>Click to edit Master title style</a:t>
             </a:r>
-            <a:endParaRPr kumimoji="0" lang="en-US"/>
           </a:p>
         </p:txBody>
       </p:sp>
@@ -890,41 +881,39 @@
         </p:spPr>
         <p:txBody>
           <a:bodyPr vert="eaVert"/>
-          <a:lstStyle>
-            <a:extLst/>
-          </a:lstStyle>
+          <a:lstStyle/>
           <a:p>
             <a:pPr lvl="0" eaLnBrk="1" latinLnBrk="0" hangingPunct="1"/>
             <a:r>
-              <a:rPr lang="en-US" smtClean="0"/>
+              <a:rPr lang="en-US"/>
               <a:t>Click to edit Master text styles</a:t>
             </a:r>
           </a:p>
           <a:p>
             <a:pPr lvl="1" eaLnBrk="1" latinLnBrk="0" hangingPunct="1"/>
             <a:r>
-              <a:rPr lang="en-US" smtClean="0"/>
+              <a:rPr lang="en-US"/>
               <a:t>Second level</a:t>
             </a:r>
           </a:p>
           <a:p>
             <a:pPr lvl="2" eaLnBrk="1" latinLnBrk="0" hangingPunct="1"/>
             <a:r>
-              <a:rPr lang="en-US" smtClean="0"/>
+              <a:rPr lang="en-US"/>
               <a:t>Third level</a:t>
             </a:r>
           </a:p>
           <a:p>
             <a:pPr lvl="3" eaLnBrk="1" latinLnBrk="0" hangingPunct="1"/>
             <a:r>
-              <a:rPr lang="en-US" smtClean="0"/>
+              <a:rPr lang="en-US"/>
               <a:t>Fourth level</a:t>
             </a:r>
           </a:p>
           <a:p>
             <a:pPr lvl="4" eaLnBrk="1" latinLnBrk="0" hangingPunct="1"/>
             <a:r>
-              <a:rPr lang="en-US" smtClean="0"/>
+              <a:rPr lang="en-US"/>
               <a:t>Fifth level</a:t>
             </a:r>
             <a:endParaRPr kumimoji="0" lang="en-US"/>
@@ -944,9 +933,7 @@
         <p:spPr/>
         <p:txBody>
           <a:bodyPr/>
-          <a:lstStyle>
-            <a:extLst/>
-          </a:lstStyle>
+          <a:lstStyle/>
           <a:p>
             <a:fld id="{D5B6FE0E-E995-460A-817B-0AD9FDC1D6FC}" type="datetimeFigureOut">
               <a:rPr lang="en-NZ" smtClean="0"/>
@@ -969,9 +956,7 @@
         <p:spPr/>
         <p:txBody>
           <a:bodyPr/>
-          <a:lstStyle>
-            <a:extLst/>
-          </a:lstStyle>
+          <a:lstStyle/>
           <a:p>
             <a:endParaRPr lang="en-NZ"/>
           </a:p>
@@ -990,9 +975,7 @@
         <p:spPr/>
         <p:txBody>
           <a:bodyPr/>
-          <a:lstStyle>
-            <a:extLst/>
-          </a:lstStyle>
+          <a:lstStyle/>
           <a:p>
             <a:fld id="{14A224D7-A1DF-4177-BF39-2D791CA88609}" type="slidenum">
               <a:rPr lang="en-NZ" smtClean="0"/>
@@ -1045,15 +1028,12 @@
         </p:spPr>
         <p:txBody>
           <a:bodyPr vert="eaVert"/>
-          <a:lstStyle>
-            <a:extLst/>
-          </a:lstStyle>
-          <a:p>
-            <a:r>
-              <a:rPr kumimoji="0" lang="en-US" smtClean="0"/>
+          <a:lstStyle/>
+          <a:p>
+            <a:r>
+              <a:rPr kumimoji="0" lang="en-US"/>
               <a:t>Click to edit Master title style</a:t>
             </a:r>
-            <a:endParaRPr kumimoji="0" lang="en-US"/>
           </a:p>
         </p:txBody>
       </p:sp>
@@ -1075,41 +1055,39 @@
         </p:spPr>
         <p:txBody>
           <a:bodyPr vert="eaVert"/>
-          <a:lstStyle>
-            <a:extLst/>
-          </a:lstStyle>
+          <a:lstStyle/>
           <a:p>
             <a:pPr lvl="0" eaLnBrk="1" latinLnBrk="0" hangingPunct="1"/>
             <a:r>
-              <a:rPr lang="en-US" smtClean="0"/>
+              <a:rPr lang="en-US"/>
               <a:t>Click to edit Master text styles</a:t>
             </a:r>
           </a:p>
           <a:p>
             <a:pPr lvl="1" eaLnBrk="1" latinLnBrk="0" hangingPunct="1"/>
             <a:r>
-              <a:rPr lang="en-US" smtClean="0"/>
+              <a:rPr lang="en-US"/>
               <a:t>Second level</a:t>
             </a:r>
           </a:p>
           <a:p>
             <a:pPr lvl="2" eaLnBrk="1" latinLnBrk="0" hangingPunct="1"/>
             <a:r>
-              <a:rPr lang="en-US" smtClean="0"/>
+              <a:rPr lang="en-US"/>
               <a:t>Third level</a:t>
             </a:r>
           </a:p>
           <a:p>
             <a:pPr lvl="3" eaLnBrk="1" latinLnBrk="0" hangingPunct="1"/>
             <a:r>
-              <a:rPr lang="en-US" smtClean="0"/>
+              <a:rPr lang="en-US"/>
               <a:t>Fourth level</a:t>
             </a:r>
           </a:p>
           <a:p>
             <a:pPr lvl="4" eaLnBrk="1" latinLnBrk="0" hangingPunct="1"/>
             <a:r>
-              <a:rPr lang="en-US" smtClean="0"/>
+              <a:rPr lang="en-US"/>
               <a:t>Fifth level</a:t>
             </a:r>
             <a:endParaRPr kumimoji="0" lang="en-US"/>
@@ -1129,9 +1107,7 @@
         <p:spPr/>
         <p:txBody>
           <a:bodyPr/>
-          <a:lstStyle>
-            <a:extLst/>
-          </a:lstStyle>
+          <a:lstStyle/>
           <a:p>
             <a:fld id="{D5B6FE0E-E995-460A-817B-0AD9FDC1D6FC}" type="datetimeFigureOut">
               <a:rPr lang="en-NZ" smtClean="0"/>
@@ -1154,9 +1130,7 @@
         <p:spPr/>
         <p:txBody>
           <a:bodyPr/>
-          <a:lstStyle>
-            <a:extLst/>
-          </a:lstStyle>
+          <a:lstStyle/>
           <a:p>
             <a:endParaRPr lang="en-NZ"/>
           </a:p>
@@ -1175,9 +1149,7 @@
         <p:spPr/>
         <p:txBody>
           <a:bodyPr/>
-          <a:lstStyle>
-            <a:extLst/>
-          </a:lstStyle>
+          <a:lstStyle/>
           <a:p>
             <a:fld id="{14A224D7-A1DF-4177-BF39-2D791CA88609}" type="slidenum">
               <a:rPr lang="en-NZ" smtClean="0"/>
@@ -1225,41 +1197,39 @@
         <p:spPr/>
         <p:txBody>
           <a:bodyPr/>
-          <a:lstStyle>
-            <a:extLst/>
-          </a:lstStyle>
+          <a:lstStyle/>
           <a:p>
             <a:pPr lvl="0" eaLnBrk="1" latinLnBrk="0" hangingPunct="1"/>
             <a:r>
-              <a:rPr lang="en-US" smtClean="0"/>
+              <a:rPr lang="en-US"/>
               <a:t>Click to edit Master text styles</a:t>
             </a:r>
           </a:p>
           <a:p>
             <a:pPr lvl="1" eaLnBrk="1" latinLnBrk="0" hangingPunct="1"/>
             <a:r>
-              <a:rPr lang="en-US" smtClean="0"/>
+              <a:rPr lang="en-US"/>
               <a:t>Second level</a:t>
             </a:r>
           </a:p>
           <a:p>
             <a:pPr lvl="2" eaLnBrk="1" latinLnBrk="0" hangingPunct="1"/>
             <a:r>
-              <a:rPr lang="en-US" smtClean="0"/>
+              <a:rPr lang="en-US"/>
               <a:t>Third level</a:t>
             </a:r>
           </a:p>
           <a:p>
             <a:pPr lvl="3" eaLnBrk="1" latinLnBrk="0" hangingPunct="1"/>
             <a:r>
-              <a:rPr lang="en-US" smtClean="0"/>
+              <a:rPr lang="en-US"/>
               <a:t>Fourth level</a:t>
             </a:r>
           </a:p>
           <a:p>
             <a:pPr lvl="4" eaLnBrk="1" latinLnBrk="0" hangingPunct="1"/>
             <a:r>
-              <a:rPr lang="en-US" smtClean="0"/>
+              <a:rPr lang="en-US"/>
               <a:t>Fifth level</a:t>
             </a:r>
             <a:endParaRPr kumimoji="0" lang="en-US"/>
@@ -1279,9 +1249,7 @@
         <p:spPr/>
         <p:txBody>
           <a:bodyPr/>
-          <a:lstStyle>
-            <a:extLst/>
-          </a:lstStyle>
+          <a:lstStyle/>
           <a:p>
             <a:fld id="{D5B6FE0E-E995-460A-817B-0AD9FDC1D6FC}" type="datetimeFigureOut">
               <a:rPr lang="en-NZ" smtClean="0"/>
@@ -1304,9 +1272,7 @@
         <p:spPr/>
         <p:txBody>
           <a:bodyPr/>
-          <a:lstStyle>
-            <a:extLst/>
-          </a:lstStyle>
+          <a:lstStyle/>
           <a:p>
             <a:endParaRPr lang="en-NZ"/>
           </a:p>
@@ -1325,9 +1291,7 @@
         <p:spPr/>
         <p:txBody>
           <a:bodyPr/>
-          <a:lstStyle>
-            <a:extLst/>
-          </a:lstStyle>
+          <a:lstStyle/>
           <a:p>
             <a:fld id="{14A224D7-A1DF-4177-BF39-2D791CA88609}" type="slidenum">
               <a:rPr lang="en-NZ" smtClean="0"/>
@@ -1350,15 +1314,12 @@
         <p:spPr/>
         <p:txBody>
           <a:bodyPr rtlCol="0"/>
-          <a:lstStyle>
-            <a:extLst/>
-          </a:lstStyle>
-          <a:p>
-            <a:r>
-              <a:rPr kumimoji="0" lang="en-US" smtClean="0"/>
+          <a:lstStyle/>
+          <a:p>
+            <a:r>
+              <a:rPr kumimoji="0" lang="en-US"/>
               <a:t>Click to edit Master title style</a:t>
             </a:r>
-            <a:endParaRPr kumimoji="0" lang="en-US"/>
           </a:p>
         </p:txBody>
       </p:sp>
@@ -1436,10 +1397,9 @@
           </a:lstStyle>
           <a:p>
             <a:r>
-              <a:rPr kumimoji="0" lang="en-US" smtClean="0"/>
+              <a:rPr kumimoji="0" lang="en-US"/>
               <a:t>Click to edit Master title style</a:t>
             </a:r>
-            <a:endParaRPr kumimoji="0" lang="en-US"/>
           </a:p>
         </p:txBody>
       </p:sp>
@@ -1515,7 +1475,7 @@
           <a:p>
             <a:pPr lvl="0" eaLnBrk="1" latinLnBrk="0" hangingPunct="1"/>
             <a:r>
-              <a:rPr kumimoji="0" lang="en-US" smtClean="0"/>
+              <a:rPr kumimoji="0" lang="en-US"/>
               <a:t>Click to edit Master text styles</a:t>
             </a:r>
           </a:p>
@@ -1534,9 +1494,7 @@
         <p:spPr/>
         <p:txBody>
           <a:bodyPr/>
-          <a:lstStyle>
-            <a:extLst/>
-          </a:lstStyle>
+          <a:lstStyle/>
           <a:p>
             <a:fld id="{D5B6FE0E-E995-460A-817B-0AD9FDC1D6FC}" type="datetimeFigureOut">
               <a:rPr lang="en-NZ" smtClean="0"/>
@@ -1559,9 +1517,7 @@
         <p:spPr/>
         <p:txBody>
           <a:bodyPr/>
-          <a:lstStyle>
-            <a:extLst/>
-          </a:lstStyle>
+          <a:lstStyle/>
           <a:p>
             <a:endParaRPr lang="en-NZ"/>
           </a:p>
@@ -1580,9 +1536,7 @@
         <p:spPr/>
         <p:txBody>
           <a:bodyPr/>
-          <a:lstStyle>
-            <a:extLst/>
-          </a:lstStyle>
+          <a:lstStyle/>
           <a:p>
             <a:fld id="{14A224D7-A1DF-4177-BF39-2D791CA88609}" type="slidenum">
               <a:rPr lang="en-NZ" smtClean="0"/>
@@ -1663,9 +1617,7 @@
         </p:style>
         <p:txBody>
           <a:bodyPr anchor="ctr"/>
-          <a:lstStyle>
-            <a:extLst/>
-          </a:lstStyle>
+          <a:lstStyle/>
           <a:p>
             <a:pPr algn="l" eaLnBrk="1" latinLnBrk="0" hangingPunct="1"/>
             <a:endParaRPr kumimoji="0" lang="en-US"/>
@@ -1743,9 +1695,7 @@
         </p:style>
         <p:txBody>
           <a:bodyPr anchor="ctr"/>
-          <a:lstStyle>
-            <a:extLst/>
-          </a:lstStyle>
+          <a:lstStyle/>
           <a:p>
             <a:pPr algn="l" eaLnBrk="1" latinLnBrk="0" hangingPunct="1"/>
             <a:endParaRPr kumimoji="0" lang="en-US"/>
@@ -1821,35 +1771,35 @@
           <a:p>
             <a:pPr lvl="0" eaLnBrk="1" latinLnBrk="0" hangingPunct="1"/>
             <a:r>
-              <a:rPr lang="en-US" smtClean="0"/>
+              <a:rPr lang="en-US"/>
               <a:t>Click to edit Master text styles</a:t>
             </a:r>
           </a:p>
           <a:p>
             <a:pPr lvl="1" eaLnBrk="1" latinLnBrk="0" hangingPunct="1"/>
             <a:r>
-              <a:rPr lang="en-US" smtClean="0"/>
+              <a:rPr lang="en-US"/>
               <a:t>Second level</a:t>
             </a:r>
           </a:p>
           <a:p>
             <a:pPr lvl="2" eaLnBrk="1" latinLnBrk="0" hangingPunct="1"/>
             <a:r>
-              <a:rPr lang="en-US" smtClean="0"/>
+              <a:rPr lang="en-US"/>
               <a:t>Third level</a:t>
             </a:r>
           </a:p>
           <a:p>
             <a:pPr lvl="3" eaLnBrk="1" latinLnBrk="0" hangingPunct="1"/>
             <a:r>
-              <a:rPr lang="en-US" smtClean="0"/>
+              <a:rPr lang="en-US"/>
               <a:t>Fourth level</a:t>
             </a:r>
           </a:p>
           <a:p>
             <a:pPr lvl="4" eaLnBrk="1" latinLnBrk="0" hangingPunct="1"/>
             <a:r>
-              <a:rPr lang="en-US" smtClean="0"/>
+              <a:rPr lang="en-US"/>
               <a:t>Fifth level</a:t>
             </a:r>
             <a:endParaRPr kumimoji="0" lang="en-US"/>
@@ -1895,35 +1845,35 @@
           <a:p>
             <a:pPr lvl="0" eaLnBrk="1" latinLnBrk="0" hangingPunct="1"/>
             <a:r>
-              <a:rPr lang="en-US" smtClean="0"/>
+              <a:rPr lang="en-US"/>
               <a:t>Click to edit Master text styles</a:t>
             </a:r>
           </a:p>
           <a:p>
             <a:pPr lvl="1" eaLnBrk="1" latinLnBrk="0" hangingPunct="1"/>
             <a:r>
-              <a:rPr lang="en-US" smtClean="0"/>
+              <a:rPr lang="en-US"/>
               <a:t>Second level</a:t>
             </a:r>
           </a:p>
           <a:p>
             <a:pPr lvl="2" eaLnBrk="1" latinLnBrk="0" hangingPunct="1"/>
             <a:r>
-              <a:rPr lang="en-US" smtClean="0"/>
+              <a:rPr lang="en-US"/>
               <a:t>Third level</a:t>
             </a:r>
           </a:p>
           <a:p>
             <a:pPr lvl="3" eaLnBrk="1" latinLnBrk="0" hangingPunct="1"/>
             <a:r>
-              <a:rPr lang="en-US" smtClean="0"/>
+              <a:rPr lang="en-US"/>
               <a:t>Fourth level</a:t>
             </a:r>
           </a:p>
           <a:p>
             <a:pPr lvl="4" eaLnBrk="1" latinLnBrk="0" hangingPunct="1"/>
             <a:r>
-              <a:rPr lang="en-US" smtClean="0"/>
+              <a:rPr lang="en-US"/>
               <a:t>Fifth level</a:t>
             </a:r>
             <a:endParaRPr kumimoji="0" lang="en-US"/>
@@ -1943,9 +1893,7 @@
         <p:spPr/>
         <p:txBody>
           <a:bodyPr/>
-          <a:lstStyle>
-            <a:extLst/>
-          </a:lstStyle>
+          <a:lstStyle/>
           <a:p>
             <a:fld id="{D5B6FE0E-E995-460A-817B-0AD9FDC1D6FC}" type="datetimeFigureOut">
               <a:rPr lang="en-NZ" smtClean="0"/>
@@ -1968,9 +1916,7 @@
         <p:spPr/>
         <p:txBody>
           <a:bodyPr/>
-          <a:lstStyle>
-            <a:extLst/>
-          </a:lstStyle>
+          <a:lstStyle/>
           <a:p>
             <a:endParaRPr lang="en-NZ"/>
           </a:p>
@@ -1989,9 +1935,7 @@
         <p:spPr/>
         <p:txBody>
           <a:bodyPr/>
-          <a:lstStyle>
-            <a:extLst/>
-          </a:lstStyle>
+          <a:lstStyle/>
           <a:p>
             <a:fld id="{14A224D7-A1DF-4177-BF39-2D791CA88609}" type="slidenum">
               <a:rPr lang="en-NZ" smtClean="0"/>
@@ -2014,15 +1958,12 @@
         <p:spPr/>
         <p:txBody>
           <a:bodyPr rtlCol="0"/>
-          <a:lstStyle>
-            <a:extLst/>
-          </a:lstStyle>
-          <a:p>
-            <a:r>
-              <a:rPr kumimoji="0" lang="en-US" smtClean="0"/>
+          <a:lstStyle/>
+          <a:p>
+            <a:r>
+              <a:rPr kumimoji="0" lang="en-US"/>
               <a:t>Click to edit Master title style</a:t>
             </a:r>
-            <a:endParaRPr kumimoji="0" lang="en-US"/>
           </a:p>
         </p:txBody>
       </p:sp>
@@ -2082,10 +2023,9 @@
           </a:lstStyle>
           <a:p>
             <a:r>
-              <a:rPr kumimoji="0" lang="en-US" smtClean="0"/>
+              <a:rPr kumimoji="0" lang="en-US"/>
               <a:t>Click to edit Master title style</a:t>
             </a:r>
-            <a:endParaRPr kumimoji="0" lang="en-US"/>
           </a:p>
         </p:txBody>
       </p:sp>
@@ -2146,7 +2086,7 @@
           <a:p>
             <a:pPr lvl="0" eaLnBrk="1" latinLnBrk="0" hangingPunct="1"/>
             <a:r>
-              <a:rPr kumimoji="0" lang="en-US" smtClean="0"/>
+              <a:rPr kumimoji="0" lang="en-US"/>
               <a:t>Click to edit Master text styles</a:t>
             </a:r>
           </a:p>
@@ -2209,7 +2149,7 @@
           <a:p>
             <a:pPr lvl="0" eaLnBrk="1" latinLnBrk="0" hangingPunct="1"/>
             <a:r>
-              <a:rPr kumimoji="0" lang="en-US" smtClean="0"/>
+              <a:rPr kumimoji="0" lang="en-US"/>
               <a:t>Click to edit Master text styles</a:t>
             </a:r>
           </a:p>
@@ -2259,35 +2199,35 @@
           <a:p>
             <a:pPr lvl="0" eaLnBrk="1" latinLnBrk="0" hangingPunct="1"/>
             <a:r>
-              <a:rPr lang="en-US" smtClean="0"/>
+              <a:rPr lang="en-US"/>
               <a:t>Click to edit Master text styles</a:t>
             </a:r>
           </a:p>
           <a:p>
             <a:pPr lvl="1" eaLnBrk="1" latinLnBrk="0" hangingPunct="1"/>
             <a:r>
-              <a:rPr lang="en-US" smtClean="0"/>
+              <a:rPr lang="en-US"/>
               <a:t>Second level</a:t>
             </a:r>
           </a:p>
           <a:p>
             <a:pPr lvl="2" eaLnBrk="1" latinLnBrk="0" hangingPunct="1"/>
             <a:r>
-              <a:rPr lang="en-US" smtClean="0"/>
+              <a:rPr lang="en-US"/>
               <a:t>Third level</a:t>
             </a:r>
           </a:p>
           <a:p>
             <a:pPr lvl="3" eaLnBrk="1" latinLnBrk="0" hangingPunct="1"/>
             <a:r>
-              <a:rPr lang="en-US" smtClean="0"/>
+              <a:rPr lang="en-US"/>
               <a:t>Fourth level</a:t>
             </a:r>
           </a:p>
           <a:p>
             <a:pPr lvl="4" eaLnBrk="1" latinLnBrk="0" hangingPunct="1"/>
             <a:r>
-              <a:rPr lang="en-US" smtClean="0"/>
+              <a:rPr lang="en-US"/>
               <a:t>Fifth level</a:t>
             </a:r>
             <a:endParaRPr kumimoji="0" lang="en-US"/>
@@ -2341,35 +2281,35 @@
           <a:p>
             <a:pPr lvl="0" eaLnBrk="1" latinLnBrk="0" hangingPunct="1"/>
             <a:r>
-              <a:rPr lang="en-US" smtClean="0"/>
+              <a:rPr lang="en-US"/>
               <a:t>Click to edit Master text styles</a:t>
             </a:r>
           </a:p>
           <a:p>
             <a:pPr lvl="1" eaLnBrk="1" latinLnBrk="0" hangingPunct="1"/>
             <a:r>
-              <a:rPr lang="en-US" smtClean="0"/>
+              <a:rPr lang="en-US"/>
               <a:t>Second level</a:t>
             </a:r>
           </a:p>
           <a:p>
             <a:pPr lvl="2" eaLnBrk="1" latinLnBrk="0" hangingPunct="1"/>
             <a:r>
-              <a:rPr lang="en-US" smtClean="0"/>
+              <a:rPr lang="en-US"/>
               <a:t>Third level</a:t>
             </a:r>
           </a:p>
           <a:p>
             <a:pPr lvl="3" eaLnBrk="1" latinLnBrk="0" hangingPunct="1"/>
             <a:r>
-              <a:rPr lang="en-US" smtClean="0"/>
+              <a:rPr lang="en-US"/>
               <a:t>Fourth level</a:t>
             </a:r>
           </a:p>
           <a:p>
             <a:pPr lvl="4" eaLnBrk="1" latinLnBrk="0" hangingPunct="1"/>
             <a:r>
-              <a:rPr lang="en-US" smtClean="0"/>
+              <a:rPr lang="en-US"/>
               <a:t>Fifth level</a:t>
             </a:r>
             <a:endParaRPr kumimoji="0" lang="en-US"/>
@@ -2389,9 +2329,7 @@
         <p:spPr/>
         <p:txBody>
           <a:bodyPr/>
-          <a:lstStyle>
-            <a:extLst/>
-          </a:lstStyle>
+          <a:lstStyle/>
           <a:p>
             <a:fld id="{D5B6FE0E-E995-460A-817B-0AD9FDC1D6FC}" type="datetimeFigureOut">
               <a:rPr lang="en-NZ" smtClean="0"/>
@@ -2414,9 +2352,7 @@
         <p:spPr/>
         <p:txBody>
           <a:bodyPr/>
-          <a:lstStyle>
-            <a:extLst/>
-          </a:lstStyle>
+          <a:lstStyle/>
           <a:p>
             <a:endParaRPr lang="en-NZ"/>
           </a:p>
@@ -2435,9 +2371,7 @@
         <p:spPr/>
         <p:txBody>
           <a:bodyPr/>
-          <a:lstStyle>
-            <a:extLst/>
-          </a:lstStyle>
+          <a:lstStyle/>
           <a:p>
             <a:fld id="{14A224D7-A1DF-4177-BF39-2D791CA88609}" type="slidenum">
               <a:rPr lang="en-NZ" smtClean="0"/>
@@ -2490,9 +2424,7 @@
         <p:spPr/>
         <p:txBody>
           <a:bodyPr/>
-          <a:lstStyle>
-            <a:extLst/>
-          </a:lstStyle>
+          <a:lstStyle/>
           <a:p>
             <a:fld id="{D5B6FE0E-E995-460A-817B-0AD9FDC1D6FC}" type="datetimeFigureOut">
               <a:rPr lang="en-NZ" smtClean="0"/>
@@ -2515,9 +2447,7 @@
         <p:spPr/>
         <p:txBody>
           <a:bodyPr/>
-          <a:lstStyle>
-            <a:extLst/>
-          </a:lstStyle>
+          <a:lstStyle/>
           <a:p>
             <a:endParaRPr lang="en-NZ"/>
           </a:p>
@@ -2536,9 +2466,7 @@
         <p:spPr/>
         <p:txBody>
           <a:bodyPr/>
-          <a:lstStyle>
-            <a:extLst/>
-          </a:lstStyle>
+          <a:lstStyle/>
           <a:p>
             <a:fld id="{14A224D7-A1DF-4177-BF39-2D791CA88609}" type="slidenum">
               <a:rPr lang="en-NZ" smtClean="0"/>
@@ -2561,15 +2489,12 @@
         <p:spPr/>
         <p:txBody>
           <a:bodyPr rtlCol="0"/>
-          <a:lstStyle>
-            <a:extLst/>
-          </a:lstStyle>
-          <a:p>
-            <a:r>
-              <a:rPr kumimoji="0" lang="en-US" smtClean="0"/>
+          <a:lstStyle/>
+          <a:p>
+            <a:r>
+              <a:rPr kumimoji="0" lang="en-US"/>
               <a:t>Click to edit Master title style</a:t>
             </a:r>
-            <a:endParaRPr kumimoji="0" lang="en-US"/>
           </a:p>
         </p:txBody>
       </p:sp>
@@ -2611,9 +2536,7 @@
         <p:spPr/>
         <p:txBody>
           <a:bodyPr/>
-          <a:lstStyle>
-            <a:extLst/>
-          </a:lstStyle>
+          <a:lstStyle/>
           <a:p>
             <a:fld id="{D5B6FE0E-E995-460A-817B-0AD9FDC1D6FC}" type="datetimeFigureOut">
               <a:rPr lang="en-NZ" smtClean="0"/>
@@ -2636,9 +2559,7 @@
         <p:spPr/>
         <p:txBody>
           <a:bodyPr/>
-          <a:lstStyle>
-            <a:extLst/>
-          </a:lstStyle>
+          <a:lstStyle/>
           <a:p>
             <a:endParaRPr lang="en-NZ"/>
           </a:p>
@@ -2657,9 +2578,7 @@
         <p:spPr/>
         <p:txBody>
           <a:bodyPr/>
-          <a:lstStyle>
-            <a:extLst/>
-          </a:lstStyle>
+          <a:lstStyle/>
           <a:p>
             <a:fld id="{14A224D7-A1DF-4177-BF39-2D791CA88609}" type="slidenum">
               <a:rPr lang="en-NZ" smtClean="0"/>
@@ -2736,10 +2655,9 @@
           </a:lstStyle>
           <a:p>
             <a:r>
-              <a:rPr kumimoji="0" lang="en-US" smtClean="0"/>
+              <a:rPr kumimoji="0" lang="en-US"/>
               <a:t>Click to edit Master title style</a:t>
             </a:r>
-            <a:endParaRPr kumimoji="0" lang="en-US"/>
           </a:p>
         </p:txBody>
       </p:sp>
@@ -2787,7 +2705,7 @@
           <a:p>
             <a:pPr lvl="0" eaLnBrk="1" latinLnBrk="0" hangingPunct="1"/>
             <a:r>
-              <a:rPr kumimoji="0" lang="en-US" smtClean="0"/>
+              <a:rPr kumimoji="0" lang="en-US"/>
               <a:t>Click to edit Master text styles</a:t>
             </a:r>
           </a:p>
@@ -2832,35 +2750,35 @@
           <a:p>
             <a:pPr lvl="0" eaLnBrk="1" latinLnBrk="0" hangingPunct="1"/>
             <a:r>
-              <a:rPr lang="en-US" smtClean="0"/>
+              <a:rPr lang="en-US"/>
               <a:t>Click to edit Master text styles</a:t>
             </a:r>
           </a:p>
           <a:p>
             <a:pPr lvl="1" eaLnBrk="1" latinLnBrk="0" hangingPunct="1"/>
             <a:r>
-              <a:rPr lang="en-US" smtClean="0"/>
+              <a:rPr lang="en-US"/>
               <a:t>Second level</a:t>
             </a:r>
           </a:p>
           <a:p>
             <a:pPr lvl="2" eaLnBrk="1" latinLnBrk="0" hangingPunct="1"/>
             <a:r>
-              <a:rPr lang="en-US" smtClean="0"/>
+              <a:rPr lang="en-US"/>
               <a:t>Third level</a:t>
             </a:r>
           </a:p>
           <a:p>
             <a:pPr lvl="3" eaLnBrk="1" latinLnBrk="0" hangingPunct="1"/>
             <a:r>
-              <a:rPr lang="en-US" smtClean="0"/>
+              <a:rPr lang="en-US"/>
               <a:t>Fourth level</a:t>
             </a:r>
           </a:p>
           <a:p>
             <a:pPr lvl="4" eaLnBrk="1" latinLnBrk="0" hangingPunct="1"/>
             <a:r>
-              <a:rPr lang="en-US" smtClean="0"/>
+              <a:rPr lang="en-US"/>
               <a:t>Fifth level</a:t>
             </a:r>
             <a:endParaRPr kumimoji="0" lang="en-US"/>
@@ -2885,9 +2803,7 @@
         </p:spPr>
         <p:txBody>
           <a:bodyPr/>
-          <a:lstStyle>
-            <a:extLst/>
-          </a:lstStyle>
+          <a:lstStyle/>
           <a:p>
             <a:fld id="{D5B6FE0E-E995-460A-817B-0AD9FDC1D6FC}" type="datetimeFigureOut">
               <a:rPr lang="en-NZ" smtClean="0"/>
@@ -2910,9 +2826,7 @@
         <p:spPr/>
         <p:txBody>
           <a:bodyPr/>
-          <a:lstStyle>
-            <a:extLst/>
-          </a:lstStyle>
+          <a:lstStyle/>
           <a:p>
             <a:endParaRPr lang="en-NZ"/>
           </a:p>
@@ -2931,9 +2845,7 @@
         <p:spPr/>
         <p:txBody>
           <a:bodyPr/>
-          <a:lstStyle>
-            <a:extLst/>
-          </a:lstStyle>
+          <a:lstStyle/>
           <a:p>
             <a:fld id="{14A224D7-A1DF-4177-BF39-2D791CA88609}" type="slidenum">
               <a:rPr lang="en-NZ" smtClean="0"/>
@@ -3014,7 +2926,7 @@
           <a:p>
             <a:pPr lvl="0" eaLnBrk="1" latinLnBrk="0" hangingPunct="1"/>
             <a:r>
-              <a:rPr kumimoji="0" lang="en-US" smtClean="0"/>
+              <a:rPr kumimoji="0" lang="en-US"/>
               <a:t>Click to edit Master text styles</a:t>
             </a:r>
           </a:p>
@@ -3063,7 +2975,7 @@
           </a:lstStyle>
           <a:p>
             <a:r>
-              <a:rPr kumimoji="0" lang="en-US" smtClean="0"/>
+              <a:rPr kumimoji="0" lang="en-US"/>
               <a:t>Click icon to add picture</a:t>
             </a:r>
             <a:endParaRPr kumimoji="0" lang="en-US" dirty="0"/>
@@ -3208,10 +3120,9 @@
           </a:lstStyle>
           <a:p>
             <a:r>
-              <a:rPr kumimoji="0" lang="en-US" smtClean="0"/>
+              <a:rPr kumimoji="0" lang="en-US"/>
               <a:t>Click to edit Master title style</a:t>
             </a:r>
-            <a:endParaRPr kumimoji="0" lang="en-US"/>
           </a:p>
         </p:txBody>
       </p:sp>
@@ -3291,9 +3202,7 @@
         </p:spPr>
         <p:txBody>
           <a:bodyPr vert="horz" wrap="square" lIns="91440" tIns="45720" rIns="91440" bIns="45720" anchor="t" compatLnSpc="1"/>
-          <a:lstStyle>
-            <a:extLst/>
-          </a:lstStyle>
+          <a:lstStyle/>
           <a:p>
             <a:endParaRPr kumimoji="0" lang="en-US"/>
           </a:p>
@@ -3373,9 +3282,7 @@
         </p:spPr>
         <p:txBody>
           <a:bodyPr vert="horz" wrap="square" lIns="91440" tIns="45720" rIns="91440" bIns="45720" anchor="t" compatLnSpc="1"/>
-          <a:lstStyle>
-            <a:extLst/>
-          </a:lstStyle>
+          <a:lstStyle/>
           <a:p>
             <a:endParaRPr kumimoji="0" lang="en-US"/>
           </a:p>
@@ -3483,9 +3390,7 @@
         </p:style>
         <p:txBody>
           <a:bodyPr vert="horz" wrap="square" lIns="91440" tIns="45720" rIns="91440" bIns="45720" anchor="ctr" compatLnSpc="1"/>
-          <a:lstStyle>
-            <a:extLst/>
-          </a:lstStyle>
+          <a:lstStyle/>
           <a:p>
             <a:pPr algn="ctr" eaLnBrk="1" latinLnBrk="0" hangingPunct="1"/>
             <a:endParaRPr kumimoji="0" lang="en-US"/>
@@ -3616,9 +3521,7 @@
         </p:style>
         <p:txBody>
           <a:bodyPr anchor="ctr"/>
-          <a:lstStyle>
-            <a:extLst/>
-          </a:lstStyle>
+          <a:lstStyle/>
           <a:p>
             <a:pPr algn="l" eaLnBrk="1" latinLnBrk="0" hangingPunct="1"/>
             <a:endParaRPr kumimoji="0" lang="en-US"/>
@@ -3696,9 +3599,7 @@
         </p:style>
         <p:txBody>
           <a:bodyPr anchor="ctr"/>
-          <a:lstStyle>
-            <a:extLst/>
-          </a:lstStyle>
+          <a:lstStyle/>
           <a:p>
             <a:pPr algn="l" eaLnBrk="1" latinLnBrk="0" hangingPunct="1"/>
             <a:endParaRPr kumimoji="0" lang="en-US"/>
@@ -3811,9 +3712,7 @@
         </p:spPr>
         <p:txBody>
           <a:bodyPr vert="horz" wrap="square" lIns="91440" tIns="45720" rIns="91440" bIns="45720" anchor="t" compatLnSpc="1"/>
-          <a:lstStyle>
-            <a:extLst/>
-          </a:lstStyle>
+          <a:lstStyle/>
           <a:p>
             <a:endParaRPr kumimoji="0" lang="en-US"/>
           </a:p>
@@ -3893,9 +3792,7 @@
         </p:spPr>
         <p:txBody>
           <a:bodyPr vert="horz" wrap="square" lIns="91440" tIns="45720" rIns="91440" bIns="45720" anchor="t" compatLnSpc="1"/>
-          <a:lstStyle>
-            <a:extLst/>
-          </a:lstStyle>
+          <a:lstStyle/>
           <a:p>
             <a:endParaRPr kumimoji="0" lang="en-US"/>
           </a:p>
@@ -4003,9 +3900,7 @@
         </p:style>
         <p:txBody>
           <a:bodyPr vert="horz" wrap="square" lIns="91440" tIns="45720" rIns="91440" bIns="45720" anchor="ctr" compatLnSpc="1"/>
-          <a:lstStyle>
-            <a:extLst/>
-          </a:lstStyle>
+          <a:lstStyle/>
           <a:p>
             <a:pPr algn="ctr" eaLnBrk="1" latinLnBrk="0" hangingPunct="1"/>
             <a:endParaRPr kumimoji="0" lang="en-US"/>
@@ -4095,15 +3990,12 @@
               <a:bevelT w="25400" h="25400"/>
             </a:sp3d>
           </a:bodyPr>
-          <a:lstStyle>
-            <a:extLst/>
-          </a:lstStyle>
-          <a:p>
-            <a:r>
-              <a:rPr kumimoji="0" lang="en-US" smtClean="0"/>
+          <a:lstStyle/>
+          <a:p>
+            <a:r>
+              <a:rPr kumimoji="0" lang="en-US"/>
               <a:t>Click to edit Master title style</a:t>
             </a:r>
-            <a:endParaRPr kumimoji="0" lang="en-US"/>
           </a:p>
         </p:txBody>
       </p:sp>
@@ -4130,44 +4022,41 @@
           <a:bodyPr vert="horz">
             <a:normAutofit/>
           </a:bodyPr>
-          <a:lstStyle>
-            <a:extLst/>
-          </a:lstStyle>
+          <a:lstStyle/>
           <a:p>
             <a:pPr lvl="0" eaLnBrk="1" latinLnBrk="0" hangingPunct="1"/>
             <a:r>
-              <a:rPr kumimoji="0" lang="en-US" smtClean="0"/>
+              <a:rPr kumimoji="0" lang="en-US"/>
               <a:t>Click to edit Master text styles</a:t>
             </a:r>
           </a:p>
           <a:p>
             <a:pPr lvl="1" eaLnBrk="1" latinLnBrk="0" hangingPunct="1"/>
             <a:r>
-              <a:rPr kumimoji="0" lang="en-US" smtClean="0"/>
+              <a:rPr kumimoji="0" lang="en-US"/>
               <a:t>Second level</a:t>
             </a:r>
           </a:p>
           <a:p>
             <a:pPr lvl="2" eaLnBrk="1" latinLnBrk="0" hangingPunct="1"/>
             <a:r>
-              <a:rPr kumimoji="0" lang="en-US" smtClean="0"/>
+              <a:rPr kumimoji="0" lang="en-US"/>
               <a:t>Third level</a:t>
             </a:r>
           </a:p>
           <a:p>
             <a:pPr lvl="3" eaLnBrk="1" latinLnBrk="0" hangingPunct="1"/>
             <a:r>
-              <a:rPr kumimoji="0" lang="en-US" smtClean="0"/>
+              <a:rPr kumimoji="0" lang="en-US"/>
               <a:t>Fourth level</a:t>
             </a:r>
           </a:p>
           <a:p>
             <a:pPr lvl="4" eaLnBrk="1" latinLnBrk="0" hangingPunct="1"/>
             <a:r>
-              <a:rPr kumimoji="0" lang="en-US" smtClean="0"/>
+              <a:rPr kumimoji="0" lang="en-US"/>
               <a:t>Fifth level</a:t>
             </a:r>
-            <a:endParaRPr kumimoji="0" lang="en-US"/>
           </a:p>
         </p:txBody>
       </p:sp>
@@ -4630,15 +4519,15 @@
           <a:lstStyle/>
           <a:p>
             <a:r>
-              <a:rPr lang="en-NZ" dirty="0" smtClean="0"/>
+              <a:rPr lang="en-NZ" dirty="0"/>
               <a:t>Designing an Object Detection System</a:t>
             </a:r>
             <a:br>
-              <a:rPr lang="en-NZ" dirty="0" smtClean="0"/>
+              <a:rPr lang="en-NZ" dirty="0"/>
             </a:br>
             <a:r>
-              <a:rPr lang="en-NZ" sz="4400" dirty="0" smtClean="0"/>
-              <a:t>Phase 1</a:t>
+              <a:rPr lang="en-NZ" sz="4400" dirty="0"/>
+              <a:t>Phase 2</a:t>
             </a:r>
             <a:endParaRPr lang="en-NZ" dirty="0"/>
           </a:p>
@@ -4656,7 +4545,7 @@
         </p:nvSpPr>
         <p:spPr>
           <a:xfrm>
-            <a:off x="-3492896" y="1844824"/>
+            <a:off x="611560" y="3501008"/>
             <a:ext cx="7772400" cy="1199704"/>
           </a:xfrm>
         </p:spPr>
@@ -4665,7 +4554,7 @@
           <a:lstStyle/>
           <a:p>
             <a:r>
-              <a:rPr lang="en-NZ" dirty="0" smtClean="0"/>
+              <a:rPr lang="en-NZ" dirty="0"/>
               <a:t>Group 4</a:t>
             </a:r>
           </a:p>
@@ -4712,9 +4601,69 @@
           <a:lstStyle/>
           <a:p>
             <a:r>
-              <a:rPr lang="en-NZ" dirty="0" smtClean="0"/>
-              <a:t>*where are we at currently?*</a:t>
-            </a:r>
+              <a:rPr lang="en-NZ" dirty="0"/>
+              <a:t>Filters implemented in hardware:</a:t>
+            </a:r>
+          </a:p>
+          <a:p>
+            <a:pPr lvl="1"/>
+            <a:r>
+              <a:rPr lang="en-NZ" dirty="0"/>
+              <a:t>Sobel filter</a:t>
+            </a:r>
+          </a:p>
+          <a:p>
+            <a:pPr lvl="1"/>
+            <a:r>
+              <a:rPr lang="en-NZ" dirty="0"/>
+              <a:t>Convolution filter</a:t>
+            </a:r>
+          </a:p>
+          <a:p>
+            <a:pPr lvl="1"/>
+            <a:r>
+              <a:rPr lang="en-NZ" dirty="0"/>
+              <a:t>Median filter</a:t>
+            </a:r>
+          </a:p>
+          <a:p>
+            <a:pPr marL="393192" lvl="1" indent="0">
+              <a:buNone/>
+            </a:pPr>
+            <a:endParaRPr lang="en-NZ" dirty="0"/>
+          </a:p>
+          <a:p>
+            <a:r>
+              <a:rPr lang="en-NZ" dirty="0"/>
+              <a:t>Bi-directional HPS – FPGA interface</a:t>
+            </a:r>
+          </a:p>
+          <a:p>
+            <a:endParaRPr lang="en-NZ" dirty="0"/>
+          </a:p>
+          <a:p>
+            <a:r>
+              <a:rPr lang="en-NZ" dirty="0"/>
+              <a:t>C code in full control of filtering hardware</a:t>
+            </a:r>
+          </a:p>
+          <a:p>
+            <a:pPr lvl="1"/>
+            <a:r>
+              <a:rPr lang="en-NZ" dirty="0"/>
+              <a:t>No FSM required</a:t>
+            </a:r>
+          </a:p>
+          <a:p>
+            <a:endParaRPr lang="en-NZ" dirty="0"/>
+          </a:p>
+          <a:p>
+            <a:endParaRPr lang="en-NZ" dirty="0"/>
+          </a:p>
+          <a:p>
+            <a:endParaRPr lang="en-NZ" dirty="0"/>
+          </a:p>
+          <a:p>
             <a:endParaRPr lang="en-NZ" dirty="0"/>
           </a:p>
         </p:txBody>
@@ -4735,10 +4684,9 @@
           <a:lstStyle/>
           <a:p>
             <a:r>
-              <a:rPr lang="en-NZ" dirty="0" smtClean="0"/>
+              <a:rPr lang="en-NZ" dirty="0"/>
               <a:t>Implementation</a:t>
             </a:r>
-            <a:endParaRPr lang="en-NZ" dirty="0"/>
           </a:p>
         </p:txBody>
       </p:sp>
@@ -4783,10 +4731,9 @@
           <a:lstStyle/>
           <a:p>
             <a:r>
-              <a:rPr lang="en-NZ" dirty="0" smtClean="0"/>
-              <a:t>Simulation Results</a:t>
-            </a:r>
-            <a:endParaRPr lang="en-NZ" dirty="0"/>
+              <a:rPr lang="en-NZ" dirty="0"/>
+              <a:t>Simulation</a:t>
+            </a:r>
           </a:p>
         </p:txBody>
       </p:sp>
@@ -4920,10 +4867,9 @@
           <a:lstStyle/>
           <a:p>
             <a:r>
-              <a:rPr lang="en-NZ" dirty="0" smtClean="0"/>
+              <a:rPr lang="en-NZ" dirty="0"/>
               <a:t>*insert performance comparison here*</a:t>
             </a:r>
-            <a:endParaRPr lang="en-NZ" dirty="0"/>
           </a:p>
         </p:txBody>
       </p:sp>
@@ -4943,10 +4889,9 @@
           <a:lstStyle/>
           <a:p>
             <a:r>
-              <a:rPr lang="en-NZ" dirty="0" smtClean="0"/>
+              <a:rPr lang="en-NZ" dirty="0"/>
               <a:t>Performance Comparison</a:t>
             </a:r>
-            <a:endParaRPr lang="en-NZ" dirty="0"/>
           </a:p>
         </p:txBody>
       </p:sp>
@@ -4990,36 +4935,36 @@
           <a:bodyPr/>
           <a:lstStyle/>
           <a:p>
-            <a:endParaRPr lang="en-NZ" dirty="0" smtClean="0"/>
-          </a:p>
-          <a:p>
-            <a:r>
-              <a:rPr lang="en-NZ" dirty="0" smtClean="0"/>
+            <a:endParaRPr lang="en-NZ" dirty="0"/>
+          </a:p>
+          <a:p>
+            <a:r>
+              <a:rPr lang="en-NZ" dirty="0"/>
               <a:t>Windowing functionality remains the responsibility of the ARM core</a:t>
             </a:r>
           </a:p>
           <a:p>
-            <a:endParaRPr lang="en-NZ" dirty="0" smtClean="0"/>
-          </a:p>
-          <a:p>
-            <a:r>
-              <a:rPr lang="en-NZ" dirty="0" smtClean="0"/>
+            <a:endParaRPr lang="en-NZ" dirty="0"/>
+          </a:p>
+          <a:p>
+            <a:r>
+              <a:rPr lang="en-NZ" dirty="0"/>
               <a:t>Series of 3x3 pixels sent to FPGA</a:t>
             </a:r>
           </a:p>
           <a:p>
             <a:pPr lvl="1"/>
             <a:r>
-              <a:rPr lang="en-NZ" dirty="0" smtClean="0"/>
+              <a:rPr lang="en-NZ" dirty="0"/>
               <a:t>FPGA responds with a single pixel value</a:t>
             </a:r>
           </a:p>
           <a:p>
-            <a:endParaRPr lang="en-NZ" dirty="0" smtClean="0"/>
-          </a:p>
-          <a:p>
-            <a:r>
-              <a:rPr lang="en-NZ" dirty="0" smtClean="0"/>
+            <a:endParaRPr lang="en-NZ" dirty="0"/>
+          </a:p>
+          <a:p>
+            <a:r>
+              <a:rPr lang="en-NZ" dirty="0"/>
               <a:t>16-bit ID tags used to identify messages</a:t>
             </a:r>
           </a:p>
@@ -5043,10 +4988,9 @@
           <a:lstStyle/>
           <a:p>
             <a:r>
-              <a:rPr lang="en-NZ" dirty="0" smtClean="0"/>
-              <a:t>Hardware/Software Integration </a:t>
-            </a:r>
-            <a:endParaRPr lang="en-NZ" dirty="0"/>
+              <a:rPr lang="en-NZ" dirty="0"/>
+              <a:t>Integration </a:t>
+            </a:r>
           </a:p>
         </p:txBody>
       </p:sp>
@@ -5096,9 +5040,27 @@
                 <a:tableStyleId>{5940675A-B579-460E-94D1-54222C63F5DA}</a:tableStyleId>
               </a:tblPr>
               <a:tblGrid>
-                <a:gridCol w="725805"/>
-                <a:gridCol w="725805"/>
-                <a:gridCol w="725805"/>
+                <a:gridCol w="725805">
+                  <a:extLst>
+                    <a:ext uri="{9D8B030D-6E8A-4147-A177-3AD203B41FA5}">
+                      <a16:colId xmlns:a16="http://schemas.microsoft.com/office/drawing/2014/main" val="20000"/>
+                    </a:ext>
+                  </a:extLst>
+                </a:gridCol>
+                <a:gridCol w="725805">
+                  <a:extLst>
+                    <a:ext uri="{9D8B030D-6E8A-4147-A177-3AD203B41FA5}">
+                      <a16:colId xmlns:a16="http://schemas.microsoft.com/office/drawing/2014/main" val="20001"/>
+                    </a:ext>
+                  </a:extLst>
+                </a:gridCol>
+                <a:gridCol w="725805">
+                  <a:extLst>
+                    <a:ext uri="{9D8B030D-6E8A-4147-A177-3AD203B41FA5}">
+                      <a16:colId xmlns:a16="http://schemas.microsoft.com/office/drawing/2014/main" val="20002"/>
+                    </a:ext>
+                  </a:extLst>
+                </a:gridCol>
               </a:tblGrid>
               <a:tr h="442800">
                 <a:tc>
@@ -5107,38 +5069,7 @@
                     <a:lstStyle/>
                     <a:p>
                       <a:r>
-                        <a:rPr lang="en-NZ" sz="1400" dirty="0" smtClean="0"/>
-                        <a:t>8 bits</a:t>
-                      </a:r>
-                      <a:endParaRPr lang="en-NZ" sz="1400" dirty="0"/>
-                    </a:p>
-                  </a:txBody>
-                  <a:tcPr anchor="ctr"/>
-                </a:tc>
-                <a:tc>
-                  <a:txBody>
-                    <a:bodyPr/>
-                    <a:lstStyle/>
-                    <a:p>
-                      <a:pPr marL="0" marR="0" indent="0" algn="l" defTabSz="914400" rtl="0" eaLnBrk="1" fontAlgn="auto" latinLnBrk="0" hangingPunct="1">
-                        <a:lnSpc>
-                          <a:spcPct val="100000"/>
-                        </a:lnSpc>
-                        <a:spcBef>
-                          <a:spcPts val="0"/>
-                        </a:spcBef>
-                        <a:spcAft>
-                          <a:spcPts val="0"/>
-                        </a:spcAft>
-                        <a:buClrTx/>
-                        <a:buSzTx/>
-                        <a:buFontTx/>
-                        <a:buNone/>
-                        <a:tabLst/>
-                        <a:defRPr/>
-                      </a:pPr>
-                      <a:r>
-                        <a:rPr lang="en-NZ" sz="1400" dirty="0" smtClean="0"/>
+                        <a:rPr lang="en-NZ" sz="1400" dirty="0"/>
                         <a:t>8 bits</a:t>
                       </a:r>
                     </a:p>
@@ -5168,39 +5099,7 @@
                         <a:defRPr/>
                       </a:pPr>
                       <a:r>
-                        <a:rPr lang="en-NZ" sz="1400" dirty="0" smtClean="0"/>
-                        <a:t>8 bits</a:t>
-                      </a:r>
-                    </a:p>
-                  </a:txBody>
-                  <a:tcPr anchor="ctr"/>
-                </a:tc>
-              </a:tr>
-              <a:tr h="442800">
-                <a:tc>
-                  <a:txBody>
-                    <a:bodyPr/>
-                    <a:lstStyle/>
-                    <a:p>
-                      <a:pPr marL="0" marR="0" indent="0" algn="l" defTabSz="914400" rtl="0" eaLnBrk="1" fontAlgn="auto" latinLnBrk="0" hangingPunct="1">
-                        <a:lnSpc>
-                          <a:spcPct val="100000"/>
-                        </a:lnSpc>
-                        <a:spcBef>
-                          <a:spcPts val="0"/>
-                        </a:spcBef>
-                        <a:spcAft>
-                          <a:spcPts val="0"/>
-                        </a:spcAft>
-                        <a:buClrTx/>
-                        <a:buSzTx/>
-                        <a:buFontTx/>
-                        <a:buNone/>
-                        <a:tabLst/>
-                        <a:defRPr/>
-                      </a:pPr>
-                      <a:r>
-                        <a:rPr lang="en-NZ" sz="1400" dirty="0" smtClean="0"/>
+                        <a:rPr lang="en-NZ" sz="1400" dirty="0"/>
                         <a:t>8 bits</a:t>
                       </a:r>
                     </a:p>
@@ -5230,7 +5129,44 @@
                         <a:defRPr/>
                       </a:pPr>
                       <a:r>
-                        <a:rPr lang="en-NZ" sz="1400" dirty="0" smtClean="0"/>
+                        <a:rPr lang="en-NZ" sz="1400" dirty="0"/>
+                        <a:t>8 bits</a:t>
+                      </a:r>
+                    </a:p>
+                  </a:txBody>
+                  <a:tcPr anchor="ctr"/>
+                </a:tc>
+                <a:extLst>
+                  <a:ext uri="{0D108BD9-81ED-4DB2-BD59-A6C34878D82A}">
+                    <a16:rowId xmlns:a16="http://schemas.microsoft.com/office/drawing/2014/main" val="10000"/>
+                  </a:ext>
+                </a:extLst>
+              </a:tr>
+              <a:tr h="442800">
+                <a:tc>
+                  <a:txBody>
+                    <a:bodyPr/>
+                    <a:lstStyle/>
+                    <a:p>
+                      <a:pPr marL="0" marR="0" indent="0" algn="l" defTabSz="914400" rtl="0" eaLnBrk="1" fontAlgn="auto" latinLnBrk="0" hangingPunct="1">
+                        <a:lnSpc>
+                          <a:spcPct val="100000"/>
+                        </a:lnSpc>
+                        <a:spcBef>
+                          <a:spcPts val="0"/>
+                        </a:spcBef>
+                        <a:spcAft>
+                          <a:spcPts val="0"/>
+                        </a:spcAft>
+                        <a:buClrTx/>
+                        <a:buSzTx/>
+                        <a:buFontTx/>
+                        <a:buNone/>
+                        <a:tabLst/>
+                        <a:defRPr/>
+                      </a:pPr>
+                      <a:r>
+                        <a:rPr lang="en-NZ" sz="1400" dirty="0"/>
                         <a:t>8 bits</a:t>
                       </a:r>
                     </a:p>
@@ -5260,39 +5196,7 @@
                         <a:defRPr/>
                       </a:pPr>
                       <a:r>
-                        <a:rPr lang="en-NZ" sz="1400" dirty="0" smtClean="0"/>
-                        <a:t>8 bits</a:t>
-                      </a:r>
-                    </a:p>
-                  </a:txBody>
-                  <a:tcPr anchor="ctr"/>
-                </a:tc>
-              </a:tr>
-              <a:tr h="442800">
-                <a:tc>
-                  <a:txBody>
-                    <a:bodyPr/>
-                    <a:lstStyle/>
-                    <a:p>
-                      <a:pPr marL="0" marR="0" indent="0" algn="l" defTabSz="914400" rtl="0" eaLnBrk="1" fontAlgn="auto" latinLnBrk="0" hangingPunct="1">
-                        <a:lnSpc>
-                          <a:spcPct val="100000"/>
-                        </a:lnSpc>
-                        <a:spcBef>
-                          <a:spcPts val="0"/>
-                        </a:spcBef>
-                        <a:spcAft>
-                          <a:spcPts val="0"/>
-                        </a:spcAft>
-                        <a:buClrTx/>
-                        <a:buSzTx/>
-                        <a:buFontTx/>
-                        <a:buNone/>
-                        <a:tabLst/>
-                        <a:defRPr/>
-                      </a:pPr>
-                      <a:r>
-                        <a:rPr lang="en-NZ" sz="1400" dirty="0" smtClean="0"/>
+                        <a:rPr lang="en-NZ" sz="1400" dirty="0"/>
                         <a:t>8 bits</a:t>
                       </a:r>
                     </a:p>
@@ -5322,7 +5226,44 @@
                         <a:defRPr/>
                       </a:pPr>
                       <a:r>
-                        <a:rPr lang="en-NZ" sz="1400" dirty="0" smtClean="0"/>
+                        <a:rPr lang="en-NZ" sz="1400" dirty="0"/>
+                        <a:t>8 bits</a:t>
+                      </a:r>
+                    </a:p>
+                  </a:txBody>
+                  <a:tcPr anchor="ctr"/>
+                </a:tc>
+                <a:extLst>
+                  <a:ext uri="{0D108BD9-81ED-4DB2-BD59-A6C34878D82A}">
+                    <a16:rowId xmlns:a16="http://schemas.microsoft.com/office/drawing/2014/main" val="10001"/>
+                  </a:ext>
+                </a:extLst>
+              </a:tr>
+              <a:tr h="442800">
+                <a:tc>
+                  <a:txBody>
+                    <a:bodyPr/>
+                    <a:lstStyle/>
+                    <a:p>
+                      <a:pPr marL="0" marR="0" indent="0" algn="l" defTabSz="914400" rtl="0" eaLnBrk="1" fontAlgn="auto" latinLnBrk="0" hangingPunct="1">
+                        <a:lnSpc>
+                          <a:spcPct val="100000"/>
+                        </a:lnSpc>
+                        <a:spcBef>
+                          <a:spcPts val="0"/>
+                        </a:spcBef>
+                        <a:spcAft>
+                          <a:spcPts val="0"/>
+                        </a:spcAft>
+                        <a:buClrTx/>
+                        <a:buSzTx/>
+                        <a:buFontTx/>
+                        <a:buNone/>
+                        <a:tabLst/>
+                        <a:defRPr/>
+                      </a:pPr>
+                      <a:r>
+                        <a:rPr lang="en-NZ" sz="1400" dirty="0"/>
                         <a:t>8 bits</a:t>
                       </a:r>
                     </a:p>
@@ -5352,13 +5293,48 @@
                         <a:defRPr/>
                       </a:pPr>
                       <a:r>
-                        <a:rPr lang="en-NZ" sz="1400" dirty="0" smtClean="0"/>
+                        <a:rPr lang="en-NZ" sz="1400" dirty="0"/>
                         <a:t>8 bits</a:t>
                       </a:r>
                     </a:p>
                   </a:txBody>
                   <a:tcPr anchor="ctr"/>
                 </a:tc>
+                <a:tc>
+                  <a:txBody>
+                    <a:bodyPr/>
+                    <a:lstStyle/>
+                    <a:p>
+                      <a:pPr marL="0" marR="0" indent="0" algn="l" defTabSz="914400" rtl="0" eaLnBrk="1" fontAlgn="auto" latinLnBrk="0" hangingPunct="1">
+                        <a:lnSpc>
+                          <a:spcPct val="100000"/>
+                        </a:lnSpc>
+                        <a:spcBef>
+                          <a:spcPts val="0"/>
+                        </a:spcBef>
+                        <a:spcAft>
+                          <a:spcPts val="0"/>
+                        </a:spcAft>
+                        <a:buClrTx/>
+                        <a:buSzTx/>
+                        <a:buFontTx/>
+                        <a:buNone/>
+                        <a:tabLst/>
+                        <a:defRPr/>
+                      </a:pPr>
+                      <a:r>
+                        <a:rPr lang="en-NZ" sz="1400" dirty="0"/>
+                        <a:t>8 bits</a:t>
+                      </a:r>
+                    </a:p>
+                  </a:txBody>
+                  <a:tcPr anchor="ctr"/>
+                </a:tc>
+                <a:extLst>
+                  <a:ext uri="{0D108BD9-81ED-4DB2-BD59-A6C34878D82A}">
+                    <a16:rowId xmlns:a16="http://schemas.microsoft.com/office/drawing/2014/main" val="10002"/>
+                  </a:ext>
+                </a:extLst>
               </a:tr>
             </a:tbl>
           </a:graphicData>
@@ -5382,10 +5358,9 @@
           <a:lstStyle/>
           <a:p>
             <a:r>
-              <a:rPr lang="en-NZ" dirty="0" smtClean="0"/>
-              <a:t>Hardware Processing System</a:t>
-            </a:r>
-            <a:endParaRPr lang="en-NZ" dirty="0"/>
+              <a:rPr lang="en-NZ" dirty="0"/>
+              <a:t>Interface</a:t>
+            </a:r>
           </a:p>
         </p:txBody>
       </p:sp>
@@ -5509,10 +5484,9 @@
             <a:lstStyle/>
             <a:p>
               <a:r>
-                <a:rPr lang="en-NZ" sz="1400" dirty="0" smtClean="0"/>
+                <a:rPr lang="en-NZ" sz="1400" dirty="0"/>
                 <a:t>All loaded on PIO-0</a:t>
               </a:r>
-              <a:endParaRPr lang="en-NZ" sz="1400" dirty="0"/>
             </a:p>
           </p:txBody>
         </p:sp>
@@ -5637,10 +5611,9 @@
             <a:lstStyle/>
             <a:p>
               <a:r>
-                <a:rPr lang="en-NZ" sz="1400" dirty="0" smtClean="0"/>
+                <a:rPr lang="en-NZ" sz="1400" dirty="0"/>
                 <a:t>All loaded on PIO-1</a:t>
               </a:r>
-              <a:endParaRPr lang="en-NZ" sz="1400" dirty="0"/>
             </a:p>
           </p:txBody>
         </p:sp>
@@ -5765,10 +5738,9 @@
             <a:lstStyle/>
             <a:p>
               <a:r>
-                <a:rPr lang="en-NZ" sz="1400" dirty="0" smtClean="0"/>
+                <a:rPr lang="en-NZ" sz="1400" dirty="0"/>
                 <a:t>All loaded on PIO-2</a:t>
               </a:r>
-              <a:endParaRPr lang="en-NZ" sz="1400" dirty="0"/>
             </a:p>
           </p:txBody>
         </p:sp>
@@ -5823,18 +5795,13 @@
             <a:p>
               <a:pPr algn="ctr"/>
               <a:r>
-                <a:rPr lang="en-NZ" sz="1200" dirty="0" smtClean="0">
+                <a:rPr lang="en-NZ" sz="1200" dirty="0">
                   <a:solidFill>
                     <a:sysClr val="windowText" lastClr="000000"/>
                   </a:solidFill>
                 </a:rPr>
                 <a:t>ARM Core</a:t>
               </a:r>
-              <a:endParaRPr lang="en-NZ" sz="1200" dirty="0">
-                <a:solidFill>
-                  <a:sysClr val="windowText" lastClr="000000"/>
-                </a:solidFill>
-              </a:endParaRPr>
             </a:p>
           </p:txBody>
         </p:sp>
@@ -5874,18 +5841,13 @@
             <a:p>
               <a:pPr algn="ctr"/>
               <a:r>
-                <a:rPr lang="en-NZ" sz="1200" dirty="0" smtClean="0">
+                <a:rPr lang="en-NZ" sz="1200" dirty="0">
                   <a:solidFill>
                     <a:sysClr val="windowText" lastClr="000000"/>
                   </a:solidFill>
                 </a:rPr>
                 <a:t>Avalon Bus AXI</a:t>
               </a:r>
-              <a:endParaRPr lang="en-NZ" sz="1200" dirty="0">
-                <a:solidFill>
-                  <a:sysClr val="windowText" lastClr="000000"/>
-                </a:solidFill>
-              </a:endParaRPr>
             </a:p>
           </p:txBody>
         </p:sp>
@@ -5930,21 +5892,8 @@
                     <a:sysClr val="windowText" lastClr="000000"/>
                   </a:solidFill>
                 </a:rPr>
-                <a:t>f</a:t>
+                <a:t>filter_interface</a:t>
               </a:r>
-              <a:r>
-                <a:rPr lang="en-NZ" sz="1200" dirty="0" smtClean="0">
-                  <a:solidFill>
-                    <a:sysClr val="windowText" lastClr="000000"/>
-                  </a:solidFill>
-                </a:rPr>
-                <a:t>ilter_interface</a:t>
-              </a:r>
-              <a:endParaRPr lang="en-NZ" sz="1200" dirty="0">
-                <a:solidFill>
-                  <a:sysClr val="windowText" lastClr="000000"/>
-                </a:solidFill>
-              </a:endParaRPr>
             </a:p>
           </p:txBody>
         </p:sp>
@@ -5984,18 +5933,13 @@
             <a:p>
               <a:pPr algn="ctr"/>
               <a:r>
-                <a:rPr lang="en-NZ" sz="1200" dirty="0" smtClean="0">
+                <a:rPr lang="en-NZ" sz="1200" dirty="0">
                   <a:solidFill>
                     <a:sysClr val="windowText" lastClr="000000"/>
                   </a:solidFill>
                 </a:rPr>
                 <a:t>Convolution Filter</a:t>
               </a:r>
-              <a:endParaRPr lang="en-NZ" sz="1200" dirty="0">
-                <a:solidFill>
-                  <a:sysClr val="windowText" lastClr="000000"/>
-                </a:solidFill>
-              </a:endParaRPr>
             </a:p>
           </p:txBody>
         </p:sp>
@@ -6260,10 +6204,9 @@
             <a:lstStyle/>
             <a:p>
               <a:r>
-                <a:rPr lang="en-NZ" sz="1000" dirty="0" smtClean="0"/>
+                <a:rPr lang="en-NZ" sz="1000" dirty="0"/>
                 <a:t>PIO-0</a:t>
               </a:r>
-              <a:endParaRPr lang="en-NZ" sz="1000" dirty="0"/>
             </a:p>
           </p:txBody>
         </p:sp>
@@ -6290,10 +6233,9 @@
             <a:lstStyle/>
             <a:p>
               <a:r>
-                <a:rPr lang="en-NZ" sz="1000" dirty="0" smtClean="0"/>
+                <a:rPr lang="en-NZ" sz="1000" dirty="0"/>
                 <a:t>PIO-1</a:t>
               </a:r>
-              <a:endParaRPr lang="en-NZ" sz="1000" dirty="0"/>
             </a:p>
           </p:txBody>
         </p:sp>
@@ -6320,10 +6262,9 @@
             <a:lstStyle/>
             <a:p>
               <a:r>
-                <a:rPr lang="en-NZ" sz="1000" dirty="0" smtClean="0"/>
+                <a:rPr lang="en-NZ" sz="1000" dirty="0"/>
                 <a:t>PIO-2</a:t>
               </a:r>
-              <a:endParaRPr lang="en-NZ" sz="1000" dirty="0"/>
             </a:p>
           </p:txBody>
         </p:sp>
@@ -6350,10 +6291,9 @@
             <a:lstStyle/>
             <a:p>
               <a:r>
-                <a:rPr lang="en-NZ" sz="1000" dirty="0" smtClean="0"/>
+                <a:rPr lang="en-NZ" sz="1000" dirty="0"/>
                 <a:t>PIO-3</a:t>
               </a:r>
-              <a:endParaRPr lang="en-NZ" sz="1000" dirty="0"/>
             </a:p>
           </p:txBody>
         </p:sp>
@@ -6380,10 +6320,9 @@
             <a:lstStyle/>
             <a:p>
               <a:r>
-                <a:rPr lang="en-NZ" sz="1000" dirty="0" smtClean="0"/>
+                <a:rPr lang="en-NZ" sz="1000" dirty="0"/>
                 <a:t>PIO-4</a:t>
               </a:r>
-              <a:endParaRPr lang="en-NZ" sz="1000" dirty="0"/>
             </a:p>
           </p:txBody>
         </p:sp>
@@ -6410,10 +6349,9 @@
             <a:lstStyle/>
             <a:p>
               <a:r>
-                <a:rPr lang="en-NZ" sz="1000" dirty="0" smtClean="0"/>
+                <a:rPr lang="en-NZ" sz="1000" dirty="0"/>
                 <a:t>24</a:t>
               </a:r>
-              <a:endParaRPr lang="en-NZ" sz="1000" dirty="0"/>
             </a:p>
           </p:txBody>
         </p:sp>
@@ -6440,10 +6378,9 @@
             <a:lstStyle/>
             <a:p>
               <a:r>
-                <a:rPr lang="en-NZ" sz="1000" dirty="0" smtClean="0"/>
+                <a:rPr lang="en-NZ" sz="1000" dirty="0"/>
                 <a:t>24</a:t>
               </a:r>
-              <a:endParaRPr lang="en-NZ" sz="1000" dirty="0"/>
             </a:p>
           </p:txBody>
         </p:sp>
@@ -6470,10 +6407,9 @@
             <a:lstStyle/>
             <a:p>
               <a:r>
-                <a:rPr lang="en-NZ" sz="1000" dirty="0" smtClean="0"/>
+                <a:rPr lang="en-NZ" sz="1000" dirty="0"/>
                 <a:t>24</a:t>
               </a:r>
-              <a:endParaRPr lang="en-NZ" sz="1000" dirty="0"/>
             </a:p>
           </p:txBody>
         </p:sp>
@@ -6500,10 +6436,9 @@
             <a:lstStyle/>
             <a:p>
               <a:r>
-                <a:rPr lang="en-NZ" sz="1000" dirty="0" smtClean="0"/>
+                <a:rPr lang="en-NZ" sz="1000" dirty="0"/>
                 <a:t>16</a:t>
               </a:r>
-              <a:endParaRPr lang="en-NZ" sz="1000" dirty="0"/>
             </a:p>
           </p:txBody>
         </p:sp>
@@ -6530,7 +6465,7 @@
             <a:lstStyle/>
             <a:p>
               <a:r>
-                <a:rPr lang="en-NZ" sz="1000" dirty="0" smtClean="0"/>
+                <a:rPr lang="en-NZ" sz="1000" dirty="0"/>
                 <a:t>24</a:t>
               </a:r>
             </a:p>
@@ -6559,10 +6494,9 @@
             <a:lstStyle/>
             <a:p>
               <a:r>
-                <a:rPr lang="en-NZ" sz="1000" dirty="0" smtClean="0"/>
+                <a:rPr lang="en-NZ" sz="1000" dirty="0"/>
                 <a:t>clk_SD</a:t>
               </a:r>
-              <a:endParaRPr lang="en-NZ" sz="1000" dirty="0"/>
             </a:p>
           </p:txBody>
         </p:sp>
@@ -6594,7 +6528,13 @@
       </p:grpSpPr>
       <p:sp>
         <p:nvSpPr>
-          <p:cNvPr id="2" name="Content Placeholder 1"/>
+          <p:cNvPr id="2" name="Content Placeholder 1">
+            <a:extLst>
+              <a:ext uri="{FF2B5EF4-FFF2-40B4-BE49-F238E27FC236}">
+                <a16:creationId xmlns:a16="http://schemas.microsoft.com/office/drawing/2014/main" id="{98B83A58-84CA-4E02-82FA-25670C7FACD1}"/>
+              </a:ext>
+            </a:extLst>
+          </p:cNvPr>
           <p:cNvSpPr>
             <a:spLocks noGrp="1"/>
           </p:cNvSpPr>
@@ -6607,40 +6547,76 @@
           <a:bodyPr/>
           <a:lstStyle/>
           <a:p>
-            <a:endParaRPr lang="en-NZ" dirty="0" smtClean="0"/>
-          </a:p>
-          <a:p>
-            <a:r>
-              <a:rPr lang="en-NZ" dirty="0" smtClean="0"/>
+            <a:r>
+              <a:rPr lang="en-NZ" dirty="0"/>
+              <a:t>Filter type will be selectable by C code</a:t>
+            </a:r>
+          </a:p>
+          <a:p>
+            <a:pPr marL="109728" indent="0">
+              <a:buNone/>
+            </a:pPr>
+            <a:endParaRPr lang="en-NZ" dirty="0"/>
+          </a:p>
+          <a:p>
+            <a:r>
+              <a:rPr lang="en-NZ" dirty="0"/>
+              <a:t>Pipelined approach</a:t>
+            </a:r>
+          </a:p>
+          <a:p>
+            <a:pPr lvl="1"/>
+            <a:r>
+              <a:rPr lang="en-NZ" dirty="0"/>
+              <a:t>Multiple filter components</a:t>
+            </a:r>
+          </a:p>
+          <a:p>
+            <a:pPr lvl="1"/>
+            <a:r>
+              <a:rPr lang="en-NZ" dirty="0"/>
+              <a:t>Windows will be filtered concurrently as they are received by interface</a:t>
+            </a:r>
+          </a:p>
+          <a:p>
+            <a:endParaRPr lang="en-NZ" dirty="0"/>
+          </a:p>
+          <a:p>
+            <a:r>
+              <a:rPr lang="en-NZ" dirty="0"/>
+              <a:t>Optimising packet creation</a:t>
+            </a:r>
+          </a:p>
+          <a:p>
+            <a:endParaRPr lang="en-NZ" dirty="0"/>
+          </a:p>
+          <a:p>
+            <a:r>
+              <a:rPr lang="en-NZ" dirty="0"/>
               <a:t>Implementing object detection</a:t>
             </a:r>
           </a:p>
           <a:p>
-            <a:endParaRPr lang="en-NZ" dirty="0" smtClean="0"/>
-          </a:p>
-          <a:p>
-            <a:r>
-              <a:rPr lang="en-NZ" dirty="0" smtClean="0"/>
-              <a:t>Optimising packet creation</a:t>
-            </a:r>
-          </a:p>
-          <a:p>
-            <a:endParaRPr lang="en-NZ" dirty="0" smtClean="0"/>
-          </a:p>
-          <a:p>
-            <a:r>
-              <a:rPr lang="en-NZ" dirty="0" smtClean="0"/>
-              <a:t>Pipelining FPGA operations through VHDL</a:t>
-            </a:r>
-          </a:p>
-          <a:p>
-            <a:endParaRPr lang="en-NZ" dirty="0" smtClean="0"/>
-          </a:p>
-        </p:txBody>
-      </p:sp>
-      <p:sp>
-        <p:nvSpPr>
-          <p:cNvPr id="3" name="Title 2"/>
+            <a:pPr lvl="1"/>
+            <a:endParaRPr lang="en-NZ" dirty="0"/>
+          </a:p>
+          <a:p>
+            <a:pPr marL="393192" lvl="1" indent="0">
+              <a:buNone/>
+            </a:pPr>
+            <a:endParaRPr lang="en-NZ" dirty="0"/>
+          </a:p>
+        </p:txBody>
+      </p:sp>
+      <p:sp>
+        <p:nvSpPr>
+          <p:cNvPr id="3" name="Title 2">
+            <a:extLst>
+              <a:ext uri="{FF2B5EF4-FFF2-40B4-BE49-F238E27FC236}">
+                <a16:creationId xmlns:a16="http://schemas.microsoft.com/office/drawing/2014/main" id="{0A443042-959B-43C1-9BDC-92AF808F3459}"/>
+              </a:ext>
+            </a:extLst>
+          </p:cNvPr>
           <p:cNvSpPr>
             <a:spLocks noGrp="1"/>
           </p:cNvSpPr>
@@ -6654,14 +6630,18 @@
           <a:lstStyle/>
           <a:p>
             <a:r>
-              <a:rPr lang="en-NZ" dirty="0" smtClean="0"/>
-              <a:t>Current Outlook</a:t>
-            </a:r>
-            <a:endParaRPr lang="en-NZ" dirty="0"/>
+              <a:rPr lang="en-NZ" dirty="0"/>
+              <a:t>Extension</a:t>
+            </a:r>
           </a:p>
         </p:txBody>
       </p:sp>
     </p:spTree>
+    <p:extLst>
+      <p:ext uri="{BB962C8B-B14F-4D97-AF65-F5344CB8AC3E}">
+        <p14:creationId xmlns:p14="http://schemas.microsoft.com/office/powerpoint/2010/main" val="844473139"/>
+      </p:ext>
+    </p:extLst>
   </p:cSld>
   <p:clrMapOvr>
     <a:masterClrMapping/>

--- a/documentation/Phase2.pptx
+++ b/documentation/Phase2.pptx
@@ -5,13 +5,15 @@
     <p:sldMasterId id="2147483660" r:id="rId1"/>
   </p:sldMasterIdLst>
   <p:sldIdLst>
-    <p:sldId id="256" r:id="rId2"/>
-    <p:sldId id="261" r:id="rId3"/>
-    <p:sldId id="257" r:id="rId4"/>
-    <p:sldId id="258" r:id="rId5"/>
-    <p:sldId id="260" r:id="rId6"/>
-    <p:sldId id="259" r:id="rId7"/>
-    <p:sldId id="263" r:id="rId8"/>
+    <p:sldId id="264" r:id="rId2"/>
+    <p:sldId id="265" r:id="rId3"/>
+    <p:sldId id="256" r:id="rId4"/>
+    <p:sldId id="261" r:id="rId5"/>
+    <p:sldId id="257" r:id="rId6"/>
+    <p:sldId id="258" r:id="rId7"/>
+    <p:sldId id="260" r:id="rId8"/>
+    <p:sldId id="259" r:id="rId9"/>
+    <p:sldId id="263" r:id="rId10"/>
   </p:sldIdLst>
   <p:sldSz cx="9144000" cy="6858000" type="screen4x3"/>
   <p:notesSz cx="6858000" cy="9144000"/>
@@ -112,7 +114,7 @@
   </p:defaultTextStyle>
   <p:extLst>
     <p:ext uri="{EFAFB233-063F-42B5-8137-9DF3F51BA10A}">
-      <p15:sldGuideLst xmlns:p15="http://schemas.microsoft.com/office/powerpoint/2012/main">
+      <p15:sldGuideLst xmlns:p15="http://schemas.microsoft.com/office/powerpoint/2012/main" xmlns="">
         <p15:guide id="1" orient="horz" pos="2160">
           <p15:clr>
             <a:srgbClr val="A4A3A4"/>
@@ -748,6 +750,7 @@
           <a:p>
             <a:fld id="{D5B6FE0E-E995-460A-817B-0AD9FDC1D6FC}" type="datetimeFigureOut">
               <a:rPr lang="en-NZ" smtClean="0"/>
+              <a:pPr/>
               <a:t>9/05/2018</a:t>
             </a:fld>
             <a:endParaRPr lang="en-NZ"/>
@@ -810,6 +813,7 @@
           <a:p>
             <a:fld id="{14A224D7-A1DF-4177-BF39-2D791CA88609}" type="slidenum">
               <a:rPr lang="en-NZ" smtClean="0"/>
+              <a:pPr/>
               <a:t>‹#›</a:t>
             </a:fld>
             <a:endParaRPr lang="en-NZ"/>
@@ -937,6 +941,7 @@
           <a:p>
             <a:fld id="{D5B6FE0E-E995-460A-817B-0AD9FDC1D6FC}" type="datetimeFigureOut">
               <a:rPr lang="en-NZ" smtClean="0"/>
+              <a:pPr/>
               <a:t>9/05/2018</a:t>
             </a:fld>
             <a:endParaRPr lang="en-NZ"/>
@@ -979,6 +984,7 @@
           <a:p>
             <a:fld id="{14A224D7-A1DF-4177-BF39-2D791CA88609}" type="slidenum">
               <a:rPr lang="en-NZ" smtClean="0"/>
+              <a:pPr/>
               <a:t>‹#›</a:t>
             </a:fld>
             <a:endParaRPr lang="en-NZ"/>
@@ -1111,6 +1117,7 @@
           <a:p>
             <a:fld id="{D5B6FE0E-E995-460A-817B-0AD9FDC1D6FC}" type="datetimeFigureOut">
               <a:rPr lang="en-NZ" smtClean="0"/>
+              <a:pPr/>
               <a:t>9/05/2018</a:t>
             </a:fld>
             <a:endParaRPr lang="en-NZ"/>
@@ -1153,6 +1160,7 @@
           <a:p>
             <a:fld id="{14A224D7-A1DF-4177-BF39-2D791CA88609}" type="slidenum">
               <a:rPr lang="en-NZ" smtClean="0"/>
+              <a:pPr/>
               <a:t>‹#›</a:t>
             </a:fld>
             <a:endParaRPr lang="en-NZ"/>
@@ -1253,6 +1261,7 @@
           <a:p>
             <a:fld id="{D5B6FE0E-E995-460A-817B-0AD9FDC1D6FC}" type="datetimeFigureOut">
               <a:rPr lang="en-NZ" smtClean="0"/>
+              <a:pPr/>
               <a:t>9/05/2018</a:t>
             </a:fld>
             <a:endParaRPr lang="en-NZ"/>
@@ -1295,6 +1304,7 @@
           <a:p>
             <a:fld id="{14A224D7-A1DF-4177-BF39-2D791CA88609}" type="slidenum">
               <a:rPr lang="en-NZ" smtClean="0"/>
+              <a:pPr/>
               <a:t>‹#›</a:t>
             </a:fld>
             <a:endParaRPr lang="en-NZ"/>
@@ -1498,6 +1508,7 @@
           <a:p>
             <a:fld id="{D5B6FE0E-E995-460A-817B-0AD9FDC1D6FC}" type="datetimeFigureOut">
               <a:rPr lang="en-NZ" smtClean="0"/>
+              <a:pPr/>
               <a:t>9/05/2018</a:t>
             </a:fld>
             <a:endParaRPr lang="en-NZ"/>
@@ -1540,6 +1551,7 @@
           <a:p>
             <a:fld id="{14A224D7-A1DF-4177-BF39-2D791CA88609}" type="slidenum">
               <a:rPr lang="en-NZ" smtClean="0"/>
+              <a:pPr/>
               <a:t>‹#›</a:t>
             </a:fld>
             <a:endParaRPr lang="en-NZ"/>
@@ -1897,6 +1909,7 @@
           <a:p>
             <a:fld id="{D5B6FE0E-E995-460A-817B-0AD9FDC1D6FC}" type="datetimeFigureOut">
               <a:rPr lang="en-NZ" smtClean="0"/>
+              <a:pPr/>
               <a:t>9/05/2018</a:t>
             </a:fld>
             <a:endParaRPr lang="en-NZ"/>
@@ -1939,6 +1952,7 @@
           <a:p>
             <a:fld id="{14A224D7-A1DF-4177-BF39-2D791CA88609}" type="slidenum">
               <a:rPr lang="en-NZ" smtClean="0"/>
+              <a:pPr/>
               <a:t>‹#›</a:t>
             </a:fld>
             <a:endParaRPr lang="en-NZ"/>
@@ -2333,6 +2347,7 @@
           <a:p>
             <a:fld id="{D5B6FE0E-E995-460A-817B-0AD9FDC1D6FC}" type="datetimeFigureOut">
               <a:rPr lang="en-NZ" smtClean="0"/>
+              <a:pPr/>
               <a:t>9/05/2018</a:t>
             </a:fld>
             <a:endParaRPr lang="en-NZ"/>
@@ -2375,6 +2390,7 @@
           <a:p>
             <a:fld id="{14A224D7-A1DF-4177-BF39-2D791CA88609}" type="slidenum">
               <a:rPr lang="en-NZ" smtClean="0"/>
+              <a:pPr/>
               <a:t>‹#›</a:t>
             </a:fld>
             <a:endParaRPr lang="en-NZ"/>
@@ -2428,6 +2444,7 @@
           <a:p>
             <a:fld id="{D5B6FE0E-E995-460A-817B-0AD9FDC1D6FC}" type="datetimeFigureOut">
               <a:rPr lang="en-NZ" smtClean="0"/>
+              <a:pPr/>
               <a:t>9/05/2018</a:t>
             </a:fld>
             <a:endParaRPr lang="en-NZ"/>
@@ -2470,6 +2487,7 @@
           <a:p>
             <a:fld id="{14A224D7-A1DF-4177-BF39-2D791CA88609}" type="slidenum">
               <a:rPr lang="en-NZ" smtClean="0"/>
+              <a:pPr/>
               <a:t>‹#›</a:t>
             </a:fld>
             <a:endParaRPr lang="en-NZ"/>
@@ -2540,6 +2558,7 @@
           <a:p>
             <a:fld id="{D5B6FE0E-E995-460A-817B-0AD9FDC1D6FC}" type="datetimeFigureOut">
               <a:rPr lang="en-NZ" smtClean="0"/>
+              <a:pPr/>
               <a:t>9/05/2018</a:t>
             </a:fld>
             <a:endParaRPr lang="en-NZ"/>
@@ -2582,6 +2601,7 @@
           <a:p>
             <a:fld id="{14A224D7-A1DF-4177-BF39-2D791CA88609}" type="slidenum">
               <a:rPr lang="en-NZ" smtClean="0"/>
+              <a:pPr/>
               <a:t>‹#›</a:t>
             </a:fld>
             <a:endParaRPr lang="en-NZ"/>
@@ -2807,6 +2827,7 @@
           <a:p>
             <a:fld id="{D5B6FE0E-E995-460A-817B-0AD9FDC1D6FC}" type="datetimeFigureOut">
               <a:rPr lang="en-NZ" smtClean="0"/>
+              <a:pPr/>
               <a:t>9/05/2018</a:t>
             </a:fld>
             <a:endParaRPr lang="en-NZ"/>
@@ -2849,6 +2870,7 @@
           <a:p>
             <a:fld id="{14A224D7-A1DF-4177-BF39-2D791CA88609}" type="slidenum">
               <a:rPr lang="en-NZ" smtClean="0"/>
+              <a:pPr/>
               <a:t>‹#›</a:t>
             </a:fld>
             <a:endParaRPr lang="en-NZ"/>
@@ -3008,6 +3030,7 @@
           <a:p>
             <a:fld id="{D5B6FE0E-E995-460A-817B-0AD9FDC1D6FC}" type="datetimeFigureOut">
               <a:rPr lang="en-NZ" smtClean="0"/>
+              <a:pPr/>
               <a:t>9/05/2018</a:t>
             </a:fld>
             <a:endParaRPr lang="en-NZ"/>
@@ -3073,6 +3096,7 @@
           <a:p>
             <a:fld id="{14A224D7-A1DF-4177-BF39-2D791CA88609}" type="slidenum">
               <a:rPr lang="en-NZ" smtClean="0"/>
+              <a:pPr/>
               <a:t>‹#›</a:t>
             </a:fld>
             <a:endParaRPr lang="en-NZ"/>
@@ -4094,6 +4118,7 @@
           <a:p>
             <a:fld id="{D5B6FE0E-E995-460A-817B-0AD9FDC1D6FC}" type="datetimeFigureOut">
               <a:rPr lang="en-NZ" smtClean="0"/>
+              <a:pPr/>
               <a:t>9/05/2018</a:t>
             </a:fld>
             <a:endParaRPr lang="en-NZ"/>
@@ -4170,6 +4195,7 @@
           <a:p>
             <a:fld id="{14A224D7-A1DF-4177-BF39-2D791CA88609}" type="slidenum">
               <a:rPr lang="en-NZ" smtClean="0"/>
+              <a:pPr/>
               <a:t>‹#›</a:t>
             </a:fld>
             <a:endParaRPr lang="en-NZ"/>
@@ -4503,60 +4529,369 @@
       </p:grpSpPr>
       <p:sp>
         <p:nvSpPr>
-          <p:cNvPr id="2" name="Title 1"/>
-          <p:cNvSpPr>
-            <a:spLocks noGrp="1"/>
-          </p:cNvSpPr>
-          <p:nvPr>
-            <p:ph type="ctrTitle"/>
+          <p:cNvPr id="2" name="Content Placeholder 1"/>
+          <p:cNvSpPr>
+            <a:spLocks noGrp="1"/>
+          </p:cNvSpPr>
+          <p:nvPr>
+            <p:ph idx="1"/>
           </p:nvPr>
         </p:nvSpPr>
         <p:spPr/>
         <p:txBody>
           <a:bodyPr>
-            <a:normAutofit fontScale="90000"/>
+            <a:normAutofit/>
           </a:bodyPr>
           <a:lstStyle/>
           <a:p>
-            <a:r>
-              <a:rPr lang="en-NZ" dirty="0"/>
-              <a:t>Designing an Object Detection System</a:t>
-            </a:r>
-            <a:br>
-              <a:rPr lang="en-NZ" dirty="0"/>
-            </a:br>
-            <a:r>
-              <a:rPr lang="en-NZ" sz="4400" dirty="0"/>
-              <a:t>Phase 2</a:t>
-            </a:r>
-            <a:endParaRPr lang="en-NZ" dirty="0"/>
-          </a:p>
-        </p:txBody>
-      </p:sp>
-      <p:sp>
-        <p:nvSpPr>
-          <p:cNvPr id="3" name="Subtitle 2"/>
-          <p:cNvSpPr>
-            <a:spLocks noGrp="1"/>
-          </p:cNvSpPr>
-          <p:nvPr>
-            <p:ph type="subTitle" idx="1"/>
-          </p:nvPr>
-        </p:nvSpPr>
-        <p:spPr>
-          <a:xfrm>
-            <a:off x="611560" y="3501008"/>
-            <a:ext cx="7772400" cy="1199704"/>
-          </a:xfrm>
-        </p:spPr>
+            <a:pPr>
+              <a:buFont typeface="Wingdings" pitchFamily="2" charset="2"/>
+              <a:buChar char="q"/>
+            </a:pPr>
+            <a:r>
+              <a:rPr lang="en-NZ" sz="1200" dirty="0" smtClean="0"/>
+              <a:t>If </a:t>
+            </a:r>
+            <a:r>
+              <a:rPr lang="en-NZ" sz="1200" dirty="0" smtClean="0"/>
+              <a:t>we need </a:t>
+            </a:r>
+            <a:r>
+              <a:rPr lang="en-NZ" sz="1200" dirty="0" smtClean="0"/>
+              <a:t>to support both a single stage filter and a double stage filter, can </a:t>
+            </a:r>
+            <a:r>
+              <a:rPr lang="en-NZ" sz="1200" dirty="0" smtClean="0"/>
+              <a:t>we reuse </a:t>
+            </a:r>
+            <a:r>
+              <a:rPr lang="en-NZ" sz="1200" dirty="0" smtClean="0"/>
+              <a:t>the hardware from the second stage when you only need a single stage filter</a:t>
+            </a:r>
+            <a:r>
+              <a:rPr lang="en-NZ" sz="1200" dirty="0" smtClean="0"/>
+              <a:t>?</a:t>
+            </a:r>
+          </a:p>
+          <a:p>
+            <a:pPr>
+              <a:buFont typeface="Wingdings" pitchFamily="2" charset="2"/>
+              <a:buChar char="q"/>
+            </a:pPr>
+            <a:endParaRPr lang="en-NZ" sz="1200" dirty="0" smtClean="0"/>
+          </a:p>
+          <a:p>
+            <a:pPr>
+              <a:buFont typeface="Wingdings" pitchFamily="2" charset="2"/>
+              <a:buChar char="q"/>
+            </a:pPr>
+            <a:r>
+              <a:rPr lang="en-NZ" sz="1200" dirty="0" smtClean="0"/>
+              <a:t>How much control does the HPS have over the operations performed</a:t>
+            </a:r>
+            <a:r>
+              <a:rPr lang="en-NZ" sz="1200" dirty="0" smtClean="0"/>
+              <a:t>?</a:t>
+            </a:r>
+          </a:p>
+          <a:p>
+            <a:pPr>
+              <a:buFont typeface="Wingdings" pitchFamily="2" charset="2"/>
+              <a:buChar char="q"/>
+            </a:pPr>
+            <a:endParaRPr lang="en-NZ" sz="1200" dirty="0" smtClean="0"/>
+          </a:p>
+          <a:p>
+            <a:pPr>
+              <a:buFont typeface="Wingdings" pitchFamily="2" charset="2"/>
+              <a:buChar char="q"/>
+            </a:pPr>
+            <a:r>
+              <a:rPr lang="en-NZ" sz="1200" dirty="0" smtClean="0"/>
+              <a:t>Can </a:t>
+            </a:r>
+            <a:r>
+              <a:rPr lang="en-NZ" sz="1200" dirty="0" smtClean="0"/>
+              <a:t>we share </a:t>
+            </a:r>
+            <a:r>
+              <a:rPr lang="en-NZ" sz="1200" dirty="0" smtClean="0"/>
+              <a:t>data between adjacent windows to reduce the amount of loading required</a:t>
+            </a:r>
+            <a:r>
+              <a:rPr lang="en-NZ" sz="1200" dirty="0" smtClean="0"/>
+              <a:t>?</a:t>
+            </a:r>
+          </a:p>
+          <a:p>
+            <a:pPr>
+              <a:buFont typeface="Wingdings" pitchFamily="2" charset="2"/>
+              <a:buChar char="q"/>
+            </a:pPr>
+            <a:endParaRPr lang="en-NZ" sz="1200" dirty="0" smtClean="0"/>
+          </a:p>
+          <a:p>
+            <a:pPr>
+              <a:buFont typeface="Wingdings" pitchFamily="2" charset="2"/>
+              <a:buChar char="q"/>
+            </a:pPr>
+            <a:r>
+              <a:rPr lang="en-NZ" sz="1200" dirty="0" smtClean="0"/>
+              <a:t>How separable are </a:t>
+            </a:r>
+            <a:r>
+              <a:rPr lang="en-NZ" sz="1200" dirty="0" smtClean="0"/>
+              <a:t>our filters? </a:t>
+            </a:r>
+          </a:p>
+          <a:p>
+            <a:pPr lvl="1">
+              <a:buFont typeface="Wingdings" pitchFamily="2" charset="2"/>
+              <a:buChar char="q"/>
+            </a:pPr>
+            <a:r>
+              <a:rPr lang="en-NZ" sz="800" dirty="0" smtClean="0"/>
+              <a:t>Can we break </a:t>
+            </a:r>
+            <a:r>
+              <a:rPr lang="en-NZ" sz="800" dirty="0" smtClean="0"/>
+              <a:t>down </a:t>
+            </a:r>
+            <a:r>
+              <a:rPr lang="en-NZ" sz="800" dirty="0" smtClean="0"/>
+              <a:t>our </a:t>
+            </a:r>
+            <a:r>
+              <a:rPr lang="en-NZ" sz="800" dirty="0" smtClean="0"/>
+              <a:t>input to operate on multiple independent parts at </a:t>
+            </a:r>
+            <a:r>
+              <a:rPr lang="en-NZ" sz="800" dirty="0" smtClean="0"/>
+              <a:t>once?</a:t>
+            </a:r>
+          </a:p>
+          <a:p>
+            <a:pPr lvl="1">
+              <a:buFont typeface="Wingdings" pitchFamily="2" charset="2"/>
+              <a:buChar char="q"/>
+            </a:pPr>
+            <a:r>
+              <a:rPr lang="en-NZ" sz="800" dirty="0" smtClean="0"/>
+              <a:t>What about multiple adjacent parts at once</a:t>
+            </a:r>
+            <a:r>
+              <a:rPr lang="en-NZ" sz="800" dirty="0" smtClean="0"/>
+              <a:t>?</a:t>
+            </a:r>
+          </a:p>
+          <a:p>
+            <a:pPr>
+              <a:buFont typeface="Wingdings" pitchFamily="2" charset="2"/>
+              <a:buChar char="q"/>
+            </a:pPr>
+            <a:endParaRPr lang="en-NZ" sz="1200" dirty="0" smtClean="0"/>
+          </a:p>
+          <a:p>
+            <a:pPr>
+              <a:buFont typeface="Wingdings" pitchFamily="2" charset="2"/>
+              <a:buChar char="q"/>
+            </a:pPr>
+            <a:r>
+              <a:rPr lang="en-NZ" sz="1200" dirty="0" smtClean="0"/>
+              <a:t>How can </a:t>
+            </a:r>
+            <a:r>
+              <a:rPr lang="en-NZ" sz="1200" dirty="0" smtClean="0"/>
+              <a:t>the image data </a:t>
+            </a:r>
+            <a:r>
+              <a:rPr lang="en-NZ" sz="1200" dirty="0" smtClean="0"/>
+              <a:t>be </a:t>
+            </a:r>
+            <a:r>
+              <a:rPr lang="en-NZ" sz="1200" dirty="0" smtClean="0"/>
+              <a:t>used for the required processing</a:t>
+            </a:r>
+            <a:r>
+              <a:rPr lang="en-NZ" sz="1200" dirty="0" smtClean="0"/>
+              <a:t>?</a:t>
+            </a:r>
+          </a:p>
+          <a:p>
+            <a:pPr lvl="1">
+              <a:buFont typeface="Wingdings" pitchFamily="2" charset="2"/>
+              <a:buChar char="q"/>
+            </a:pPr>
+            <a:r>
+              <a:rPr lang="en-NZ" sz="800" dirty="0" smtClean="0"/>
+              <a:t>Can </a:t>
+            </a:r>
+            <a:r>
+              <a:rPr lang="en-NZ" sz="800" dirty="0" smtClean="0"/>
+              <a:t>we use </a:t>
+            </a:r>
+            <a:r>
+              <a:rPr lang="en-NZ" sz="800" dirty="0" smtClean="0"/>
+              <a:t>less than the full data width of all three (RGB) channels</a:t>
+            </a:r>
+            <a:r>
+              <a:rPr lang="en-NZ" sz="800" dirty="0" smtClean="0"/>
+              <a:t>?</a:t>
+            </a:r>
+          </a:p>
+          <a:p>
+            <a:pPr lvl="1">
+              <a:buFont typeface="Wingdings" pitchFamily="2" charset="2"/>
+              <a:buChar char="q"/>
+            </a:pPr>
+            <a:r>
+              <a:rPr lang="en-NZ" sz="800" dirty="0" smtClean="0"/>
+              <a:t>Do </a:t>
+            </a:r>
+            <a:r>
+              <a:rPr lang="en-NZ" sz="800" dirty="0" smtClean="0"/>
+              <a:t>we only </a:t>
+            </a:r>
+            <a:r>
+              <a:rPr lang="en-NZ" sz="800" dirty="0" smtClean="0"/>
+              <a:t>need greyscale data?</a:t>
+            </a:r>
+          </a:p>
+          <a:p>
+            <a:pPr lvl="1">
+              <a:buFont typeface="Wingdings" pitchFamily="2" charset="2"/>
+              <a:buChar char="q"/>
+            </a:pPr>
+            <a:r>
+              <a:rPr lang="en-NZ" sz="800" dirty="0" smtClean="0"/>
+              <a:t>Can </a:t>
+            </a:r>
+            <a:r>
+              <a:rPr lang="en-NZ" sz="800" dirty="0" smtClean="0"/>
+              <a:t>we pack </a:t>
+            </a:r>
+            <a:r>
+              <a:rPr lang="en-NZ" sz="800" dirty="0" smtClean="0"/>
+              <a:t>the data to use the communication available more efficiently?</a:t>
+            </a:r>
+            <a:endParaRPr lang="en-NZ" sz="800" dirty="0" smtClean="0"/>
+          </a:p>
+          <a:p>
+            <a:pPr>
+              <a:buFont typeface="Wingdings" pitchFamily="2" charset="2"/>
+              <a:buChar char="q"/>
+            </a:pPr>
+            <a:endParaRPr lang="en-NZ" sz="1200" dirty="0" smtClean="0"/>
+          </a:p>
+          <a:p>
+            <a:pPr>
+              <a:buFont typeface="Wingdings" pitchFamily="2" charset="2"/>
+              <a:buChar char="q"/>
+            </a:pPr>
+            <a:r>
+              <a:rPr lang="en-NZ" sz="1200" dirty="0" smtClean="0"/>
+              <a:t>How can </a:t>
+            </a:r>
+            <a:r>
+              <a:rPr lang="en-NZ" sz="1200" dirty="0" smtClean="0"/>
+              <a:t>we make </a:t>
+            </a:r>
+            <a:r>
+              <a:rPr lang="en-NZ" sz="1200" dirty="0" smtClean="0"/>
+              <a:t>sure that the hardware is used efficiently</a:t>
+            </a:r>
+            <a:r>
+              <a:rPr lang="en-NZ" sz="1200" dirty="0" smtClean="0"/>
+              <a:t>?</a:t>
+            </a:r>
+          </a:p>
+          <a:p>
+            <a:pPr lvl="1">
+              <a:buFont typeface="Wingdings" pitchFamily="2" charset="2"/>
+              <a:buChar char="q"/>
+            </a:pPr>
+            <a:r>
+              <a:rPr lang="en-NZ" sz="800" dirty="0" smtClean="0"/>
+              <a:t>What if </a:t>
+            </a:r>
+            <a:r>
+              <a:rPr lang="en-NZ" sz="800" dirty="0" smtClean="0"/>
+              <a:t>we include </a:t>
+            </a:r>
+            <a:r>
+              <a:rPr lang="en-NZ" sz="800" dirty="0" smtClean="0"/>
+              <a:t>an additional hardware component?</a:t>
+            </a:r>
+            <a:endParaRPr lang="en-NZ" sz="800" dirty="0" smtClean="0"/>
+          </a:p>
+          <a:p>
+            <a:pPr>
+              <a:buFont typeface="Wingdings" pitchFamily="2" charset="2"/>
+              <a:buChar char="q"/>
+            </a:pPr>
+            <a:endParaRPr lang="en-NZ" sz="1200" dirty="0" smtClean="0"/>
+          </a:p>
+          <a:p>
+            <a:pPr>
+              <a:buFont typeface="Wingdings" pitchFamily="2" charset="2"/>
+              <a:buChar char="q"/>
+            </a:pPr>
+            <a:r>
+              <a:rPr lang="en-NZ" sz="1200" dirty="0" smtClean="0"/>
+              <a:t>Our filtered </a:t>
+            </a:r>
+            <a:r>
+              <a:rPr lang="en-NZ" sz="1200" dirty="0" smtClean="0"/>
+              <a:t>result must be available for the HPS to use later for object detection.</a:t>
+            </a:r>
+          </a:p>
+          <a:p>
+            <a:pPr lvl="1">
+              <a:buFont typeface="Wingdings" pitchFamily="2" charset="2"/>
+              <a:buChar char="q"/>
+            </a:pPr>
+            <a:r>
+              <a:rPr lang="en-NZ" sz="800" dirty="0" smtClean="0"/>
+              <a:t>o How do </a:t>
+            </a:r>
+            <a:r>
+              <a:rPr lang="en-NZ" sz="800" dirty="0" smtClean="0"/>
+              <a:t>we manage </a:t>
+            </a:r>
+            <a:r>
+              <a:rPr lang="en-NZ" sz="800" dirty="0" smtClean="0"/>
+              <a:t>loading image data onto the FPGA as well as the pre-processed data back off?</a:t>
+            </a:r>
+          </a:p>
+          <a:p>
+            <a:pPr lvl="1"/>
+            <a:endParaRPr lang="en-NZ" sz="800" dirty="0" smtClean="0"/>
+          </a:p>
+          <a:p>
+            <a:endParaRPr lang="en-NZ" sz="1200" dirty="0" smtClean="0"/>
+          </a:p>
+        </p:txBody>
+      </p:sp>
+      <p:sp>
+        <p:nvSpPr>
+          <p:cNvPr id="3" name="Title 2"/>
+          <p:cNvSpPr>
+            <a:spLocks noGrp="1"/>
+          </p:cNvSpPr>
+          <p:nvPr>
+            <p:ph type="title"/>
+          </p:nvPr>
+        </p:nvSpPr>
+        <p:spPr/>
         <p:txBody>
           <a:bodyPr/>
           <a:lstStyle/>
           <a:p>
             <a:r>
-              <a:rPr lang="en-NZ" dirty="0"/>
-              <a:t>Group 4</a:t>
-            </a:r>
+              <a:rPr lang="en-NZ" dirty="0" smtClean="0"/>
+              <a:t>Checklist of points to consider</a:t>
+            </a:r>
+            <a:endParaRPr lang="en-NZ" dirty="0"/>
           </a:p>
         </p:txBody>
       </p:sp>
@@ -4597,96 +4932,166 @@
         </p:nvSpPr>
         <p:spPr/>
         <p:txBody>
+          <a:bodyPr>
+            <a:normAutofit/>
+          </a:bodyPr>
+          <a:lstStyle/>
+          <a:p>
+            <a:pPr>
+              <a:buFont typeface="Wingdings" pitchFamily="2" charset="2"/>
+              <a:buChar char="q"/>
+            </a:pPr>
+            <a:r>
+              <a:rPr lang="en-NZ" sz="1200" dirty="0" smtClean="0"/>
+              <a:t>A plan for </a:t>
+            </a:r>
+            <a:r>
+              <a:rPr lang="en-NZ" sz="1200" dirty="0" smtClean="0"/>
+              <a:t>our implemented </a:t>
+            </a:r>
+            <a:r>
+              <a:rPr lang="en-NZ" sz="1200" dirty="0" smtClean="0"/>
+              <a:t>co-processor, detailing the interfaces used and some example use </a:t>
+            </a:r>
+            <a:r>
+              <a:rPr lang="en-NZ" sz="1200" dirty="0" smtClean="0"/>
+              <a:t>cases.</a:t>
+            </a:r>
+          </a:p>
+          <a:p>
+            <a:pPr>
+              <a:buFont typeface="Wingdings" pitchFamily="2" charset="2"/>
+              <a:buChar char="q"/>
+            </a:pPr>
+            <a:endParaRPr lang="en-NZ" sz="1200" dirty="0" smtClean="0"/>
+          </a:p>
+          <a:p>
+            <a:pPr>
+              <a:buFont typeface="Wingdings" pitchFamily="2" charset="2"/>
+              <a:buChar char="q"/>
+            </a:pPr>
+            <a:r>
+              <a:rPr lang="en-NZ" sz="1200" dirty="0" smtClean="0"/>
+              <a:t>This </a:t>
+            </a:r>
+            <a:r>
+              <a:rPr lang="en-NZ" sz="1200" dirty="0" smtClean="0"/>
+              <a:t>includes diagrams of our control unit FSM as well as the datapath, potentially shown as multiple </a:t>
+            </a:r>
+            <a:r>
+              <a:rPr lang="en-NZ" sz="1200" dirty="0" err="1" smtClean="0"/>
+              <a:t>datapaths</a:t>
+            </a:r>
+            <a:r>
+              <a:rPr lang="en-NZ" sz="1200" dirty="0" smtClean="0"/>
+              <a:t> where </a:t>
+            </a:r>
+            <a:r>
+              <a:rPr lang="en-NZ" sz="1200" dirty="0" err="1" smtClean="0"/>
+              <a:t>muxes</a:t>
+            </a:r>
+            <a:r>
+              <a:rPr lang="en-NZ" sz="1200" dirty="0" smtClean="0"/>
+              <a:t> have been configured according to a specified filter setup.</a:t>
+            </a:r>
+          </a:p>
+          <a:p>
+            <a:pPr>
+              <a:buFont typeface="Wingdings" pitchFamily="2" charset="2"/>
+              <a:buChar char="q"/>
+            </a:pPr>
+            <a:endParaRPr lang="en-NZ" sz="1200" dirty="0" smtClean="0"/>
+          </a:p>
+          <a:p>
+            <a:pPr>
+              <a:buFont typeface="Wingdings" pitchFamily="2" charset="2"/>
+              <a:buChar char="q"/>
+            </a:pPr>
+            <a:r>
+              <a:rPr lang="en-NZ" sz="1200" dirty="0" smtClean="0"/>
+              <a:t>We </a:t>
+            </a:r>
+            <a:r>
+              <a:rPr lang="en-NZ" sz="1200" dirty="0" smtClean="0"/>
+              <a:t>will also need to produce a “data sheet” which explains the memory-mapped registers we make available to software, their functions (i.e. control or status registers, and the “meaning” of each bit), as well as an outline of the steps that need to be performed in order to set up our IP block</a:t>
+            </a:r>
+            <a:r>
+              <a:rPr lang="en-NZ" sz="1200" dirty="0" smtClean="0"/>
+              <a:t>.</a:t>
+            </a:r>
+          </a:p>
+          <a:p>
+            <a:pPr>
+              <a:buFont typeface="Wingdings" pitchFamily="2" charset="2"/>
+              <a:buChar char="q"/>
+            </a:pPr>
+            <a:endParaRPr lang="en-NZ" sz="1200" dirty="0" smtClean="0"/>
+          </a:p>
+          <a:p>
+            <a:pPr>
+              <a:buFont typeface="Wingdings" pitchFamily="2" charset="2"/>
+              <a:buChar char="q"/>
+            </a:pPr>
+            <a:r>
+              <a:rPr lang="en-NZ" sz="1200" dirty="0" smtClean="0"/>
+              <a:t>Demonstration </a:t>
+            </a:r>
+            <a:r>
+              <a:rPr lang="en-NZ" sz="1200" dirty="0" smtClean="0"/>
+              <a:t>of correct setup functionality, shown through simulation</a:t>
+            </a:r>
+            <a:r>
+              <a:rPr lang="en-NZ" sz="1200" dirty="0" smtClean="0"/>
+              <a:t>.</a:t>
+            </a:r>
+            <a:endParaRPr lang="en-NZ" sz="1200" dirty="0" smtClean="0"/>
+          </a:p>
+          <a:p>
+            <a:pPr>
+              <a:buFont typeface="Wingdings" pitchFamily="2" charset="2"/>
+              <a:buChar char="q"/>
+            </a:pPr>
+            <a:endParaRPr lang="en-NZ" sz="1200" dirty="0" smtClean="0"/>
+          </a:p>
+          <a:p>
+            <a:pPr>
+              <a:buFont typeface="Wingdings" pitchFamily="2" charset="2"/>
+              <a:buChar char="q"/>
+            </a:pPr>
+            <a:r>
+              <a:rPr lang="en-NZ" sz="1200" dirty="0" smtClean="0"/>
+              <a:t>This means being able to provide the necessary commands to our co-processor to allow for setup of various filters.</a:t>
+            </a:r>
+          </a:p>
+          <a:p>
+            <a:pPr>
+              <a:buFont typeface="Wingdings" pitchFamily="2" charset="2"/>
+              <a:buChar char="q"/>
+            </a:pPr>
+            <a:endParaRPr lang="en-NZ" sz="1200" dirty="0" smtClean="0"/>
+          </a:p>
+        </p:txBody>
+      </p:sp>
+      <p:sp>
+        <p:nvSpPr>
+          <p:cNvPr id="3" name="Title 2"/>
+          <p:cNvSpPr>
+            <a:spLocks noGrp="1"/>
+          </p:cNvSpPr>
+          <p:nvPr>
+            <p:ph type="title"/>
+          </p:nvPr>
+        </p:nvSpPr>
+        <p:spPr/>
+        <p:txBody>
           <a:bodyPr/>
           <a:lstStyle/>
           <a:p>
             <a:r>
-              <a:rPr lang="en-NZ" dirty="0"/>
-              <a:t>Filters implemented in hardware:</a:t>
-            </a:r>
-          </a:p>
-          <a:p>
-            <a:pPr lvl="1"/>
-            <a:r>
-              <a:rPr lang="en-NZ" dirty="0"/>
-              <a:t>Sobel filter</a:t>
-            </a:r>
-          </a:p>
-          <a:p>
-            <a:pPr lvl="1"/>
-            <a:r>
-              <a:rPr lang="en-NZ" dirty="0"/>
-              <a:t>Convolution filter</a:t>
-            </a:r>
-          </a:p>
-          <a:p>
-            <a:pPr lvl="1"/>
-            <a:r>
-              <a:rPr lang="en-NZ" dirty="0"/>
-              <a:t>Median filter</a:t>
-            </a:r>
-          </a:p>
-          <a:p>
-            <a:pPr marL="393192" lvl="1" indent="0">
-              <a:buNone/>
-            </a:pPr>
+              <a:rPr lang="en-NZ" dirty="0" smtClean="0"/>
+              <a:t>Checklist of expectations</a:t>
+            </a:r>
             <a:endParaRPr lang="en-NZ" dirty="0"/>
-          </a:p>
-          <a:p>
-            <a:r>
-              <a:rPr lang="en-NZ" dirty="0"/>
-              <a:t>Bi-directional HPS – FPGA interface</a:t>
-            </a:r>
-          </a:p>
-          <a:p>
-            <a:endParaRPr lang="en-NZ" dirty="0"/>
-          </a:p>
-          <a:p>
-            <a:r>
-              <a:rPr lang="en-NZ" dirty="0"/>
-              <a:t>C code in full control of filtering hardware</a:t>
-            </a:r>
-          </a:p>
-          <a:p>
-            <a:pPr lvl="1"/>
-            <a:r>
-              <a:rPr lang="en-NZ" dirty="0"/>
-              <a:t>No FSM required</a:t>
-            </a:r>
-          </a:p>
-          <a:p>
-            <a:endParaRPr lang="en-NZ" dirty="0"/>
-          </a:p>
-          <a:p>
-            <a:endParaRPr lang="en-NZ" dirty="0"/>
-          </a:p>
-          <a:p>
-            <a:endParaRPr lang="en-NZ" dirty="0"/>
-          </a:p>
-          <a:p>
-            <a:endParaRPr lang="en-NZ" dirty="0"/>
-          </a:p>
-        </p:txBody>
-      </p:sp>
-      <p:sp>
-        <p:nvSpPr>
-          <p:cNvPr id="3" name="Title 2"/>
-          <p:cNvSpPr>
-            <a:spLocks noGrp="1"/>
-          </p:cNvSpPr>
-          <p:nvPr>
-            <p:ph type="title"/>
-          </p:nvPr>
-        </p:nvSpPr>
-        <p:spPr/>
-        <p:txBody>
-          <a:bodyPr/>
-          <a:lstStyle/>
-          <a:p>
-            <a:r>
-              <a:rPr lang="en-NZ" dirty="0"/>
-              <a:t>Implementation</a:t>
-            </a:r>
           </a:p>
         </p:txBody>
       </p:sp>
@@ -4717,6 +5122,220 @@
       </p:grpSpPr>
       <p:sp>
         <p:nvSpPr>
+          <p:cNvPr id="2" name="Title 1"/>
+          <p:cNvSpPr>
+            <a:spLocks noGrp="1"/>
+          </p:cNvSpPr>
+          <p:nvPr>
+            <p:ph type="ctrTitle"/>
+          </p:nvPr>
+        </p:nvSpPr>
+        <p:spPr/>
+        <p:txBody>
+          <a:bodyPr>
+            <a:normAutofit fontScale="90000"/>
+          </a:bodyPr>
+          <a:lstStyle/>
+          <a:p>
+            <a:r>
+              <a:rPr lang="en-NZ" dirty="0"/>
+              <a:t>Designing an Object Detection System</a:t>
+            </a:r>
+            <a:br>
+              <a:rPr lang="en-NZ" dirty="0"/>
+            </a:br>
+            <a:r>
+              <a:rPr lang="en-NZ" sz="4400" dirty="0"/>
+              <a:t>Phase 2</a:t>
+            </a:r>
+            <a:endParaRPr lang="en-NZ" dirty="0"/>
+          </a:p>
+        </p:txBody>
+      </p:sp>
+      <p:sp>
+        <p:nvSpPr>
+          <p:cNvPr id="3" name="Subtitle 2"/>
+          <p:cNvSpPr>
+            <a:spLocks noGrp="1"/>
+          </p:cNvSpPr>
+          <p:nvPr>
+            <p:ph type="subTitle" idx="1"/>
+          </p:nvPr>
+        </p:nvSpPr>
+        <p:spPr>
+          <a:xfrm>
+            <a:off x="611560" y="3501008"/>
+            <a:ext cx="7772400" cy="1199704"/>
+          </a:xfrm>
+        </p:spPr>
+        <p:txBody>
+          <a:bodyPr/>
+          <a:lstStyle/>
+          <a:p>
+            <a:r>
+              <a:rPr lang="en-NZ" dirty="0"/>
+              <a:t>Group 4</a:t>
+            </a:r>
+          </a:p>
+        </p:txBody>
+      </p:sp>
+    </p:spTree>
+  </p:cSld>
+  <p:clrMapOvr>
+    <a:masterClrMapping/>
+  </p:clrMapOvr>
+</p:sld>
+</file>
+
+<file path=ppt/slides/slide4.xml><?xml version="1.0" encoding="utf-8"?>
+<p:sld xmlns:a="http://schemas.openxmlformats.org/drawingml/2006/main" xmlns:r="http://schemas.openxmlformats.org/officeDocument/2006/relationships" xmlns:p="http://schemas.openxmlformats.org/presentationml/2006/main">
+  <p:cSld>
+    <p:spTree>
+      <p:nvGrpSpPr>
+        <p:cNvPr id="1" name=""/>
+        <p:cNvGrpSpPr/>
+        <p:nvPr/>
+      </p:nvGrpSpPr>
+      <p:grpSpPr>
+        <a:xfrm>
+          <a:off x="0" y="0"/>
+          <a:ext cx="0" cy="0"/>
+          <a:chOff x="0" y="0"/>
+          <a:chExt cx="0" cy="0"/>
+        </a:xfrm>
+      </p:grpSpPr>
+      <p:sp>
+        <p:nvSpPr>
+          <p:cNvPr id="2" name="Content Placeholder 1"/>
+          <p:cNvSpPr>
+            <a:spLocks noGrp="1"/>
+          </p:cNvSpPr>
+          <p:nvPr>
+            <p:ph idx="1"/>
+          </p:nvPr>
+        </p:nvSpPr>
+        <p:spPr/>
+        <p:txBody>
+          <a:bodyPr/>
+          <a:lstStyle/>
+          <a:p>
+            <a:r>
+              <a:rPr lang="en-NZ" dirty="0"/>
+              <a:t>Filters implemented in hardware:</a:t>
+            </a:r>
+          </a:p>
+          <a:p>
+            <a:pPr lvl="1"/>
+            <a:r>
+              <a:rPr lang="en-NZ" dirty="0"/>
+              <a:t>Sobel filter</a:t>
+            </a:r>
+          </a:p>
+          <a:p>
+            <a:pPr lvl="1"/>
+            <a:r>
+              <a:rPr lang="en-NZ" dirty="0"/>
+              <a:t>Convolution filter</a:t>
+            </a:r>
+          </a:p>
+          <a:p>
+            <a:pPr lvl="1"/>
+            <a:r>
+              <a:rPr lang="en-NZ" dirty="0"/>
+              <a:t>Median filter</a:t>
+            </a:r>
+          </a:p>
+          <a:p>
+            <a:pPr marL="393192" lvl="1" indent="0">
+              <a:buNone/>
+            </a:pPr>
+            <a:endParaRPr lang="en-NZ" dirty="0"/>
+          </a:p>
+          <a:p>
+            <a:r>
+              <a:rPr lang="en-NZ" dirty="0"/>
+              <a:t>Bi-directional HPS – FPGA interface</a:t>
+            </a:r>
+          </a:p>
+          <a:p>
+            <a:endParaRPr lang="en-NZ" dirty="0"/>
+          </a:p>
+          <a:p>
+            <a:r>
+              <a:rPr lang="en-NZ" dirty="0"/>
+              <a:t>C code in full control of filtering hardware</a:t>
+            </a:r>
+          </a:p>
+          <a:p>
+            <a:pPr lvl="1"/>
+            <a:r>
+              <a:rPr lang="en-NZ" dirty="0"/>
+              <a:t>No FSM required</a:t>
+            </a:r>
+          </a:p>
+          <a:p>
+            <a:endParaRPr lang="en-NZ" dirty="0"/>
+          </a:p>
+          <a:p>
+            <a:endParaRPr lang="en-NZ" dirty="0"/>
+          </a:p>
+          <a:p>
+            <a:endParaRPr lang="en-NZ" dirty="0"/>
+          </a:p>
+          <a:p>
+            <a:endParaRPr lang="en-NZ" dirty="0"/>
+          </a:p>
+        </p:txBody>
+      </p:sp>
+      <p:sp>
+        <p:nvSpPr>
+          <p:cNvPr id="3" name="Title 2"/>
+          <p:cNvSpPr>
+            <a:spLocks noGrp="1"/>
+          </p:cNvSpPr>
+          <p:nvPr>
+            <p:ph type="title"/>
+          </p:nvPr>
+        </p:nvSpPr>
+        <p:spPr/>
+        <p:txBody>
+          <a:bodyPr/>
+          <a:lstStyle/>
+          <a:p>
+            <a:r>
+              <a:rPr lang="en-NZ" dirty="0"/>
+              <a:t>Implementation</a:t>
+            </a:r>
+          </a:p>
+        </p:txBody>
+      </p:sp>
+    </p:spTree>
+  </p:cSld>
+  <p:clrMapOvr>
+    <a:masterClrMapping/>
+  </p:clrMapOvr>
+</p:sld>
+</file>
+
+<file path=ppt/slides/slide5.xml><?xml version="1.0" encoding="utf-8"?>
+<p:sld xmlns:a="http://schemas.openxmlformats.org/drawingml/2006/main" xmlns:r="http://schemas.openxmlformats.org/officeDocument/2006/relationships" xmlns:p="http://schemas.openxmlformats.org/presentationml/2006/main">
+  <p:cSld>
+    <p:spTree>
+      <p:nvGrpSpPr>
+        <p:cNvPr id="1" name=""/>
+        <p:cNvGrpSpPr/>
+        <p:nvPr/>
+      </p:nvGrpSpPr>
+      <p:grpSpPr>
+        <a:xfrm>
+          <a:off x="0" y="0"/>
+          <a:ext cx="0" cy="0"/>
+          <a:chOff x="0" y="0"/>
+          <a:chExt cx="0" cy="0"/>
+        </a:xfrm>
+      </p:grpSpPr>
+      <p:sp>
+        <p:nvSpPr>
           <p:cNvPr id="3" name="Title 2"/>
           <p:cNvSpPr>
             <a:spLocks noGrp="1"/>
@@ -4748,10 +5367,10 @@
           </p:nvPr>
         </p:nvPicPr>
         <p:blipFill>
-          <a:blip r:embed="rId2">
+          <a:blip r:embed="rId2" cstate="print">
             <a:extLst>
               <a:ext uri="{28A0092B-C50C-407E-A947-70E740481C1C}">
-                <a14:useLocalDpi xmlns:a14="http://schemas.microsoft.com/office/drawing/2010/main" val="0"/>
+                <a14:useLocalDpi xmlns:a14="http://schemas.microsoft.com/office/drawing/2010/main" xmlns="" val="0"/>
               </a:ext>
             </a:extLst>
           </a:blip>
@@ -4775,10 +5394,10 @@
           <p:nvPr/>
         </p:nvPicPr>
         <p:blipFill>
-          <a:blip r:embed="rId3">
+          <a:blip r:embed="rId3" cstate="print">
             <a:extLst>
               <a:ext uri="{28A0092B-C50C-407E-A947-70E740481C1C}">
-                <a14:useLocalDpi xmlns:a14="http://schemas.microsoft.com/office/drawing/2010/main" val="0"/>
+                <a14:useLocalDpi xmlns:a14="http://schemas.microsoft.com/office/drawing/2010/main" xmlns="" val="0"/>
               </a:ext>
             </a:extLst>
           </a:blip>
@@ -4805,10 +5424,10 @@
           <p:nvPr/>
         </p:nvPicPr>
         <p:blipFill>
-          <a:blip r:embed="rId4">
+          <a:blip r:embed="rId4" cstate="print">
             <a:extLst>
               <a:ext uri="{28A0092B-C50C-407E-A947-70E740481C1C}">
-                <a14:useLocalDpi xmlns:a14="http://schemas.microsoft.com/office/drawing/2010/main" val="0"/>
+                <a14:useLocalDpi xmlns:a14="http://schemas.microsoft.com/office/drawing/2010/main" xmlns="" val="0"/>
               </a:ext>
             </a:extLst>
           </a:blip>
@@ -4834,7 +5453,7 @@
 </p:sld>
 </file>
 
-<file path=ppt/slides/slide4.xml><?xml version="1.0" encoding="utf-8"?>
+<file path=ppt/slides/slide6.xml><?xml version="1.0" encoding="utf-8"?>
 <p:sld xmlns:a="http://schemas.openxmlformats.org/drawingml/2006/main" xmlns:r="http://schemas.openxmlformats.org/officeDocument/2006/relationships" xmlns:p="http://schemas.openxmlformats.org/presentationml/2006/main">
   <p:cSld>
     <p:spTree>
@@ -4903,7 +5522,7 @@
 </p:sld>
 </file>
 
-<file path=ppt/slides/slide5.xml><?xml version="1.0" encoding="utf-8"?>
+<file path=ppt/slides/slide7.xml><?xml version="1.0" encoding="utf-8"?>
 <p:sld xmlns:a="http://schemas.openxmlformats.org/drawingml/2006/main" xmlns:r="http://schemas.openxmlformats.org/officeDocument/2006/relationships" xmlns:p="http://schemas.openxmlformats.org/presentationml/2006/main">
   <p:cSld>
     <p:spTree>
@@ -5002,7 +5621,7 @@
 </p:sld>
 </file>
 
-<file path=ppt/slides/slide6.xml><?xml version="1.0" encoding="utf-8"?>
+<file path=ppt/slides/slide8.xml><?xml version="1.0" encoding="utf-8"?>
 <p:sld xmlns:a="http://schemas.openxmlformats.org/drawingml/2006/main" xmlns:r="http://schemas.openxmlformats.org/officeDocument/2006/relationships" xmlns:p="http://schemas.openxmlformats.org/presentationml/2006/main">
   <p:cSld>
     <p:spTree>
@@ -5043,21 +5662,21 @@
                 <a:gridCol w="725805">
                   <a:extLst>
                     <a:ext uri="{9D8B030D-6E8A-4147-A177-3AD203B41FA5}">
-                      <a16:colId xmlns:a16="http://schemas.microsoft.com/office/drawing/2014/main" val="20000"/>
+                      <a16:colId xmlns:a16="http://schemas.microsoft.com/office/drawing/2014/main" xmlns="" val="20000"/>
                     </a:ext>
                   </a:extLst>
                 </a:gridCol>
                 <a:gridCol w="725805">
                   <a:extLst>
                     <a:ext uri="{9D8B030D-6E8A-4147-A177-3AD203B41FA5}">
-                      <a16:colId xmlns:a16="http://schemas.microsoft.com/office/drawing/2014/main" val="20001"/>
+                      <a16:colId xmlns:a16="http://schemas.microsoft.com/office/drawing/2014/main" xmlns="" val="20001"/>
                     </a:ext>
                   </a:extLst>
                 </a:gridCol>
                 <a:gridCol w="725805">
                   <a:extLst>
                     <a:ext uri="{9D8B030D-6E8A-4147-A177-3AD203B41FA5}">
-                      <a16:colId xmlns:a16="http://schemas.microsoft.com/office/drawing/2014/main" val="20002"/>
+                      <a16:colId xmlns:a16="http://schemas.microsoft.com/office/drawing/2014/main" xmlns="" val="20002"/>
                     </a:ext>
                   </a:extLst>
                 </a:gridCol>
@@ -5138,7 +5757,7 @@
                 </a:tc>
                 <a:extLst>
                   <a:ext uri="{0D108BD9-81ED-4DB2-BD59-A6C34878D82A}">
-                    <a16:rowId xmlns:a16="http://schemas.microsoft.com/office/drawing/2014/main" val="10000"/>
+                    <a16:rowId xmlns:a16="http://schemas.microsoft.com/office/drawing/2014/main" xmlns="" val="10000"/>
                   </a:ext>
                 </a:extLst>
               </a:tr>
@@ -5235,7 +5854,7 @@
                 </a:tc>
                 <a:extLst>
                   <a:ext uri="{0D108BD9-81ED-4DB2-BD59-A6C34878D82A}">
-                    <a16:rowId xmlns:a16="http://schemas.microsoft.com/office/drawing/2014/main" val="10001"/>
+                    <a16:rowId xmlns:a16="http://schemas.microsoft.com/office/drawing/2014/main" xmlns="" val="10001"/>
                   </a:ext>
                 </a:extLst>
               </a:tr>
@@ -5332,7 +5951,7 @@
                 </a:tc>
                 <a:extLst>
                   <a:ext uri="{0D108BD9-81ED-4DB2-BD59-A6C34878D82A}">
-                    <a16:rowId xmlns:a16="http://schemas.microsoft.com/office/drawing/2014/main" val="10002"/>
+                    <a16:rowId xmlns:a16="http://schemas.microsoft.com/office/drawing/2014/main" xmlns="" val="10002"/>
                   </a:ext>
                 </a:extLst>
               </a:tr>
@@ -6509,7 +7128,7 @@
 </p:sld>
 </file>
 
-<file path=ppt/slides/slide7.xml><?xml version="1.0" encoding="utf-8"?>
+<file path=ppt/slides/slide9.xml><?xml version="1.0" encoding="utf-8"?>
 <p:sld xmlns:a="http://schemas.openxmlformats.org/drawingml/2006/main" xmlns:r="http://schemas.openxmlformats.org/officeDocument/2006/relationships" xmlns:p="http://schemas.openxmlformats.org/presentationml/2006/main">
   <p:cSld>
     <p:spTree>
@@ -6531,7 +7150,7 @@
           <p:cNvPr id="2" name="Content Placeholder 1">
             <a:extLst>
               <a:ext uri="{FF2B5EF4-FFF2-40B4-BE49-F238E27FC236}">
-                <a16:creationId xmlns:a16="http://schemas.microsoft.com/office/drawing/2014/main" id="{98B83A58-84CA-4E02-82FA-25670C7FACD1}"/>
+                <a16:creationId xmlns:a16="http://schemas.microsoft.com/office/drawing/2014/main" xmlns="" id="{98B83A58-84CA-4E02-82FA-25670C7FACD1}"/>
               </a:ext>
             </a:extLst>
           </p:cNvPr>
@@ -6613,7 +7232,7 @@
           <p:cNvPr id="3" name="Title 2">
             <a:extLst>
               <a:ext uri="{FF2B5EF4-FFF2-40B4-BE49-F238E27FC236}">
-                <a16:creationId xmlns:a16="http://schemas.microsoft.com/office/drawing/2014/main" id="{0A443042-959B-43C1-9BDC-92AF808F3459}"/>
+                <a16:creationId xmlns:a16="http://schemas.microsoft.com/office/drawing/2014/main" xmlns="" id="{0A443042-959B-43C1-9BDC-92AF808F3459}"/>
               </a:ext>
             </a:extLst>
           </p:cNvPr>
@@ -6639,7 +7258,7 @@
     </p:spTree>
     <p:extLst>
       <p:ext uri="{BB962C8B-B14F-4D97-AF65-F5344CB8AC3E}">
-        <p14:creationId xmlns:p14="http://schemas.microsoft.com/office/powerpoint/2010/main" val="844473139"/>
+        <p14:creationId xmlns:p14="http://schemas.microsoft.com/office/powerpoint/2010/main" xmlns="" val="844473139"/>
       </p:ext>
     </p:extLst>
   </p:cSld>

--- a/documentation/Phase2.pptx
+++ b/documentation/Phase2.pptx
@@ -4,15 +4,18 @@
   <p:sldMasterIdLst>
     <p:sldMasterId id="2147483660" r:id="rId1"/>
   </p:sldMasterIdLst>
+  <p:notesMasterIdLst>
+    <p:notesMasterId r:id="rId11"/>
+  </p:notesMasterIdLst>
   <p:sldIdLst>
     <p:sldId id="264" r:id="rId2"/>
     <p:sldId id="265" r:id="rId3"/>
     <p:sldId id="256" r:id="rId4"/>
     <p:sldId id="261" r:id="rId5"/>
     <p:sldId id="257" r:id="rId6"/>
-    <p:sldId id="258" r:id="rId7"/>
-    <p:sldId id="260" r:id="rId8"/>
-    <p:sldId id="259" r:id="rId9"/>
+    <p:sldId id="260" r:id="rId7"/>
+    <p:sldId id="259" r:id="rId8"/>
+    <p:sldId id="258" r:id="rId9"/>
     <p:sldId id="263" r:id="rId10"/>
   </p:sldIdLst>
   <p:sldSz cx="9144000" cy="6858000" type="screen4x3"/>
@@ -114,7 +117,7 @@
   </p:defaultTextStyle>
   <p:extLst>
     <p:ext uri="{EFAFB233-063F-42B5-8137-9DF3F51BA10A}">
-      <p15:sldGuideLst xmlns:p15="http://schemas.microsoft.com/office/powerpoint/2012/main" xmlns="">
+      <p15:sldGuideLst xmlns:p15="http://schemas.microsoft.com/office/powerpoint/2012/main">
         <p15:guide id="1" orient="horz" pos="2160">
           <p15:clr>
             <a:srgbClr val="A4A3A4"/>
@@ -133,6 +136,440 @@
 
 <file path=ppt/revisionInfo.xml><?xml version="1.0" encoding="utf-8"?>
 <p1510:revInfo xmlns:a="http://schemas.openxmlformats.org/drawingml/2006/main" xmlns:r="http://schemas.openxmlformats.org/officeDocument/2006/relationships" xmlns:p1510="http://schemas.microsoft.com/office/powerpoint/2015/10/main"/>
+</file>
+
+<file path=ppt/notesMasters/notesMaster1.xml><?xml version="1.0" encoding="utf-8"?>
+<p:notesMaster xmlns:a="http://schemas.openxmlformats.org/drawingml/2006/main" xmlns:r="http://schemas.openxmlformats.org/officeDocument/2006/relationships" xmlns:p="http://schemas.openxmlformats.org/presentationml/2006/main">
+  <p:cSld>
+    <p:bg>
+      <p:bgRef idx="1001">
+        <a:schemeClr val="bg1"/>
+      </p:bgRef>
+    </p:bg>
+    <p:spTree>
+      <p:nvGrpSpPr>
+        <p:cNvPr id="1" name=""/>
+        <p:cNvGrpSpPr/>
+        <p:nvPr/>
+      </p:nvGrpSpPr>
+      <p:grpSpPr>
+        <a:xfrm>
+          <a:off x="0" y="0"/>
+          <a:ext cx="0" cy="0"/>
+          <a:chOff x="0" y="0"/>
+          <a:chExt cx="0" cy="0"/>
+        </a:xfrm>
+      </p:grpSpPr>
+      <p:sp>
+        <p:nvSpPr>
+          <p:cNvPr id="2" name="Header Placeholder 1"/>
+          <p:cNvSpPr>
+            <a:spLocks noGrp="1"/>
+          </p:cNvSpPr>
+          <p:nvPr>
+            <p:ph type="hdr" sz="quarter"/>
+          </p:nvPr>
+        </p:nvSpPr>
+        <p:spPr>
+          <a:xfrm>
+            <a:off x="0" y="0"/>
+            <a:ext cx="2971800" cy="458788"/>
+          </a:xfrm>
+          <a:prstGeom prst="rect">
+            <a:avLst/>
+          </a:prstGeom>
+        </p:spPr>
+        <p:txBody>
+          <a:bodyPr vert="horz" lIns="91440" tIns="45720" rIns="91440" bIns="45720" rtlCol="0"/>
+          <a:lstStyle>
+            <a:lvl1pPr algn="l">
+              <a:defRPr sz="1200"/>
+            </a:lvl1pPr>
+          </a:lstStyle>
+          <a:p>
+            <a:endParaRPr lang="en-NZ"/>
+          </a:p>
+        </p:txBody>
+      </p:sp>
+      <p:sp>
+        <p:nvSpPr>
+          <p:cNvPr id="3" name="Date Placeholder 2"/>
+          <p:cNvSpPr>
+            <a:spLocks noGrp="1"/>
+          </p:cNvSpPr>
+          <p:nvPr>
+            <p:ph type="dt" idx="1"/>
+          </p:nvPr>
+        </p:nvSpPr>
+        <p:spPr>
+          <a:xfrm>
+            <a:off x="3884613" y="0"/>
+            <a:ext cx="2971800" cy="458788"/>
+          </a:xfrm>
+          <a:prstGeom prst="rect">
+            <a:avLst/>
+          </a:prstGeom>
+        </p:spPr>
+        <p:txBody>
+          <a:bodyPr vert="horz" lIns="91440" tIns="45720" rIns="91440" bIns="45720" rtlCol="0"/>
+          <a:lstStyle>
+            <a:lvl1pPr algn="r">
+              <a:defRPr sz="1200"/>
+            </a:lvl1pPr>
+          </a:lstStyle>
+          <a:p>
+            <a:fld id="{61CE3006-EDA6-47CF-991F-682241BC2761}" type="datetimeFigureOut">
+              <a:rPr lang="en-NZ" smtClean="0"/>
+              <a:t>9/05/2018</a:t>
+            </a:fld>
+            <a:endParaRPr lang="en-NZ"/>
+          </a:p>
+        </p:txBody>
+      </p:sp>
+      <p:sp>
+        <p:nvSpPr>
+          <p:cNvPr id="4" name="Slide Image Placeholder 3"/>
+          <p:cNvSpPr>
+            <a:spLocks noGrp="1" noRot="1" noChangeAspect="1"/>
+          </p:cNvSpPr>
+          <p:nvPr>
+            <p:ph type="sldImg" idx="2"/>
+          </p:nvPr>
+        </p:nvSpPr>
+        <p:spPr>
+          <a:xfrm>
+            <a:off x="1371600" y="1143000"/>
+            <a:ext cx="4114800" cy="3086100"/>
+          </a:xfrm>
+          <a:prstGeom prst="rect">
+            <a:avLst/>
+          </a:prstGeom>
+          <a:noFill/>
+          <a:ln w="12700">
+            <a:solidFill>
+              <a:prstClr val="black"/>
+            </a:solidFill>
+          </a:ln>
+        </p:spPr>
+        <p:txBody>
+          <a:bodyPr vert="horz" lIns="91440" tIns="45720" rIns="91440" bIns="45720" rtlCol="0" anchor="ctr"/>
+          <a:lstStyle/>
+          <a:p>
+            <a:endParaRPr lang="en-NZ"/>
+          </a:p>
+        </p:txBody>
+      </p:sp>
+      <p:sp>
+        <p:nvSpPr>
+          <p:cNvPr id="5" name="Notes Placeholder 4"/>
+          <p:cNvSpPr>
+            <a:spLocks noGrp="1"/>
+          </p:cNvSpPr>
+          <p:nvPr>
+            <p:ph type="body" sz="quarter" idx="3"/>
+          </p:nvPr>
+        </p:nvSpPr>
+        <p:spPr>
+          <a:xfrm>
+            <a:off x="685800" y="4400550"/>
+            <a:ext cx="5486400" cy="3600450"/>
+          </a:xfrm>
+          <a:prstGeom prst="rect">
+            <a:avLst/>
+          </a:prstGeom>
+        </p:spPr>
+        <p:txBody>
+          <a:bodyPr vert="horz" lIns="91440" tIns="45720" rIns="91440" bIns="45720" rtlCol="0"/>
+          <a:lstStyle/>
+          <a:p>
+            <a:pPr lvl="0"/>
+            <a:r>
+              <a:rPr lang="en-US"/>
+              <a:t>Edit Master text styles</a:t>
+            </a:r>
+          </a:p>
+          <a:p>
+            <a:pPr lvl="1"/>
+            <a:r>
+              <a:rPr lang="en-US"/>
+              <a:t>Second level</a:t>
+            </a:r>
+          </a:p>
+          <a:p>
+            <a:pPr lvl="2"/>
+            <a:r>
+              <a:rPr lang="en-US"/>
+              <a:t>Third level</a:t>
+            </a:r>
+          </a:p>
+          <a:p>
+            <a:pPr lvl="3"/>
+            <a:r>
+              <a:rPr lang="en-US"/>
+              <a:t>Fourth level</a:t>
+            </a:r>
+          </a:p>
+          <a:p>
+            <a:pPr lvl="4"/>
+            <a:r>
+              <a:rPr lang="en-US"/>
+              <a:t>Fifth level</a:t>
+            </a:r>
+            <a:endParaRPr lang="en-NZ"/>
+          </a:p>
+        </p:txBody>
+      </p:sp>
+      <p:sp>
+        <p:nvSpPr>
+          <p:cNvPr id="6" name="Footer Placeholder 5"/>
+          <p:cNvSpPr>
+            <a:spLocks noGrp="1"/>
+          </p:cNvSpPr>
+          <p:nvPr>
+            <p:ph type="ftr" sz="quarter" idx="4"/>
+          </p:nvPr>
+        </p:nvSpPr>
+        <p:spPr>
+          <a:xfrm>
+            <a:off x="0" y="8685213"/>
+            <a:ext cx="2971800" cy="458787"/>
+          </a:xfrm>
+          <a:prstGeom prst="rect">
+            <a:avLst/>
+          </a:prstGeom>
+        </p:spPr>
+        <p:txBody>
+          <a:bodyPr vert="horz" lIns="91440" tIns="45720" rIns="91440" bIns="45720" rtlCol="0" anchor="b"/>
+          <a:lstStyle>
+            <a:lvl1pPr algn="l">
+              <a:defRPr sz="1200"/>
+            </a:lvl1pPr>
+          </a:lstStyle>
+          <a:p>
+            <a:endParaRPr lang="en-NZ"/>
+          </a:p>
+        </p:txBody>
+      </p:sp>
+      <p:sp>
+        <p:nvSpPr>
+          <p:cNvPr id="7" name="Slide Number Placeholder 6"/>
+          <p:cNvSpPr>
+            <a:spLocks noGrp="1"/>
+          </p:cNvSpPr>
+          <p:nvPr>
+            <p:ph type="sldNum" sz="quarter" idx="5"/>
+          </p:nvPr>
+        </p:nvSpPr>
+        <p:spPr>
+          <a:xfrm>
+            <a:off x="3884613" y="8685213"/>
+            <a:ext cx="2971800" cy="458787"/>
+          </a:xfrm>
+          <a:prstGeom prst="rect">
+            <a:avLst/>
+          </a:prstGeom>
+        </p:spPr>
+        <p:txBody>
+          <a:bodyPr vert="horz" lIns="91440" tIns="45720" rIns="91440" bIns="45720" rtlCol="0" anchor="b"/>
+          <a:lstStyle>
+            <a:lvl1pPr algn="r">
+              <a:defRPr sz="1200"/>
+            </a:lvl1pPr>
+          </a:lstStyle>
+          <a:p>
+            <a:fld id="{82762D3C-8831-450F-BB95-DC27521811D1}" type="slidenum">
+              <a:rPr lang="en-NZ" smtClean="0"/>
+              <a:t>‹#›</a:t>
+            </a:fld>
+            <a:endParaRPr lang="en-NZ"/>
+          </a:p>
+        </p:txBody>
+      </p:sp>
+    </p:spTree>
+    <p:extLst>
+      <p:ext uri="{BB962C8B-B14F-4D97-AF65-F5344CB8AC3E}">
+        <p14:creationId xmlns:p14="http://schemas.microsoft.com/office/powerpoint/2010/main" val="1702445391"/>
+      </p:ext>
+    </p:extLst>
+  </p:cSld>
+  <p:clrMap bg1="lt1" tx1="dk1" bg2="lt2" tx2="dk2" accent1="accent1" accent2="accent2" accent3="accent3" accent4="accent4" accent5="accent5" accent6="accent6" hlink="hlink" folHlink="folHlink"/>
+  <p:notesStyle>
+    <a:lvl1pPr marL="0" algn="l" defTabSz="914400" rtl="0" eaLnBrk="1" latinLnBrk="0" hangingPunct="1">
+      <a:defRPr sz="1200" kern="1200">
+        <a:solidFill>
+          <a:schemeClr val="tx1"/>
+        </a:solidFill>
+        <a:latin typeface="+mn-lt"/>
+        <a:ea typeface="+mn-ea"/>
+        <a:cs typeface="+mn-cs"/>
+      </a:defRPr>
+    </a:lvl1pPr>
+    <a:lvl2pPr marL="457200" algn="l" defTabSz="914400" rtl="0" eaLnBrk="1" latinLnBrk="0" hangingPunct="1">
+      <a:defRPr sz="1200" kern="1200">
+        <a:solidFill>
+          <a:schemeClr val="tx1"/>
+        </a:solidFill>
+        <a:latin typeface="+mn-lt"/>
+        <a:ea typeface="+mn-ea"/>
+        <a:cs typeface="+mn-cs"/>
+      </a:defRPr>
+    </a:lvl2pPr>
+    <a:lvl3pPr marL="914400" algn="l" defTabSz="914400" rtl="0" eaLnBrk="1" latinLnBrk="0" hangingPunct="1">
+      <a:defRPr sz="1200" kern="1200">
+        <a:solidFill>
+          <a:schemeClr val="tx1"/>
+        </a:solidFill>
+        <a:latin typeface="+mn-lt"/>
+        <a:ea typeface="+mn-ea"/>
+        <a:cs typeface="+mn-cs"/>
+      </a:defRPr>
+    </a:lvl3pPr>
+    <a:lvl4pPr marL="1371600" algn="l" defTabSz="914400" rtl="0" eaLnBrk="1" latinLnBrk="0" hangingPunct="1">
+      <a:defRPr sz="1200" kern="1200">
+        <a:solidFill>
+          <a:schemeClr val="tx1"/>
+        </a:solidFill>
+        <a:latin typeface="+mn-lt"/>
+        <a:ea typeface="+mn-ea"/>
+        <a:cs typeface="+mn-cs"/>
+      </a:defRPr>
+    </a:lvl4pPr>
+    <a:lvl5pPr marL="1828800" algn="l" defTabSz="914400" rtl="0" eaLnBrk="1" latinLnBrk="0" hangingPunct="1">
+      <a:defRPr sz="1200" kern="1200">
+        <a:solidFill>
+          <a:schemeClr val="tx1"/>
+        </a:solidFill>
+        <a:latin typeface="+mn-lt"/>
+        <a:ea typeface="+mn-ea"/>
+        <a:cs typeface="+mn-cs"/>
+      </a:defRPr>
+    </a:lvl5pPr>
+    <a:lvl6pPr marL="2286000" algn="l" defTabSz="914400" rtl="0" eaLnBrk="1" latinLnBrk="0" hangingPunct="1">
+      <a:defRPr sz="1200" kern="1200">
+        <a:solidFill>
+          <a:schemeClr val="tx1"/>
+        </a:solidFill>
+        <a:latin typeface="+mn-lt"/>
+        <a:ea typeface="+mn-ea"/>
+        <a:cs typeface="+mn-cs"/>
+      </a:defRPr>
+    </a:lvl6pPr>
+    <a:lvl7pPr marL="2743200" algn="l" defTabSz="914400" rtl="0" eaLnBrk="1" latinLnBrk="0" hangingPunct="1">
+      <a:defRPr sz="1200" kern="1200">
+        <a:solidFill>
+          <a:schemeClr val="tx1"/>
+        </a:solidFill>
+        <a:latin typeface="+mn-lt"/>
+        <a:ea typeface="+mn-ea"/>
+        <a:cs typeface="+mn-cs"/>
+      </a:defRPr>
+    </a:lvl7pPr>
+    <a:lvl8pPr marL="3200400" algn="l" defTabSz="914400" rtl="0" eaLnBrk="1" latinLnBrk="0" hangingPunct="1">
+      <a:defRPr sz="1200" kern="1200">
+        <a:solidFill>
+          <a:schemeClr val="tx1"/>
+        </a:solidFill>
+        <a:latin typeface="+mn-lt"/>
+        <a:ea typeface="+mn-ea"/>
+        <a:cs typeface="+mn-cs"/>
+      </a:defRPr>
+    </a:lvl8pPr>
+    <a:lvl9pPr marL="3657600" algn="l" defTabSz="914400" rtl="0" eaLnBrk="1" latinLnBrk="0" hangingPunct="1">
+      <a:defRPr sz="1200" kern="1200">
+        <a:solidFill>
+          <a:schemeClr val="tx1"/>
+        </a:solidFill>
+        <a:latin typeface="+mn-lt"/>
+        <a:ea typeface="+mn-ea"/>
+        <a:cs typeface="+mn-cs"/>
+      </a:defRPr>
+    </a:lvl9pPr>
+  </p:notesStyle>
+</p:notesMaster>
+</file>
+
+<file path=ppt/notesSlides/notesSlide1.xml><?xml version="1.0" encoding="utf-8"?>
+<p:notes xmlns:a="http://schemas.openxmlformats.org/drawingml/2006/main" xmlns:r="http://schemas.openxmlformats.org/officeDocument/2006/relationships" xmlns:p="http://schemas.openxmlformats.org/presentationml/2006/main">
+  <p:cSld>
+    <p:spTree>
+      <p:nvGrpSpPr>
+        <p:cNvPr id="1" name=""/>
+        <p:cNvGrpSpPr/>
+        <p:nvPr/>
+      </p:nvGrpSpPr>
+      <p:grpSpPr>
+        <a:xfrm>
+          <a:off x="0" y="0"/>
+          <a:ext cx="0" cy="0"/>
+          <a:chOff x="0" y="0"/>
+          <a:chExt cx="0" cy="0"/>
+        </a:xfrm>
+      </p:grpSpPr>
+      <p:sp>
+        <p:nvSpPr>
+          <p:cNvPr id="2" name="Slide Image Placeholder 1"/>
+          <p:cNvSpPr>
+            <a:spLocks noGrp="1" noRot="1" noChangeAspect="1"/>
+          </p:cNvSpPr>
+          <p:nvPr>
+            <p:ph type="sldImg"/>
+          </p:nvPr>
+        </p:nvSpPr>
+        <p:spPr/>
+      </p:sp>
+      <p:sp>
+        <p:nvSpPr>
+          <p:cNvPr id="3" name="Notes Placeholder 2"/>
+          <p:cNvSpPr>
+            <a:spLocks noGrp="1"/>
+          </p:cNvSpPr>
+          <p:nvPr>
+            <p:ph type="body" idx="1"/>
+          </p:nvPr>
+        </p:nvSpPr>
+        <p:spPr/>
+        <p:txBody>
+          <a:bodyPr/>
+          <a:lstStyle/>
+          <a:p>
+            <a:endParaRPr lang="en-NZ" dirty="0"/>
+          </a:p>
+        </p:txBody>
+      </p:sp>
+      <p:sp>
+        <p:nvSpPr>
+          <p:cNvPr id="4" name="Slide Number Placeholder 3"/>
+          <p:cNvSpPr>
+            <a:spLocks noGrp="1"/>
+          </p:cNvSpPr>
+          <p:nvPr>
+            <p:ph type="sldNum" sz="quarter" idx="10"/>
+          </p:nvPr>
+        </p:nvSpPr>
+        <p:spPr/>
+        <p:txBody>
+          <a:bodyPr/>
+          <a:lstStyle/>
+          <a:p>
+            <a:fld id="{82762D3C-8831-450F-BB95-DC27521811D1}" type="slidenum">
+              <a:rPr lang="en-NZ" smtClean="0"/>
+              <a:t>9</a:t>
+            </a:fld>
+            <a:endParaRPr lang="en-NZ"/>
+          </a:p>
+        </p:txBody>
+      </p:sp>
+    </p:spTree>
+    <p:extLst>
+      <p:ext uri="{BB962C8B-B14F-4D97-AF65-F5344CB8AC3E}">
+        <p14:creationId xmlns:p14="http://schemas.microsoft.com/office/powerpoint/2010/main" val="1737993360"/>
+      </p:ext>
+    </p:extLst>
+  </p:cSld>
+  <p:clrMapOvr>
+    <a:masterClrMapping/>
+  </p:clrMapOvr>
+</p:notes>
 </file>
 
 <file path=ppt/slideLayouts/slideLayout1.xml><?xml version="1.0" encoding="utf-8"?>
@@ -4549,28 +4986,8 @@
               <a:buChar char="q"/>
             </a:pPr>
             <a:r>
-              <a:rPr lang="en-NZ" sz="1200" dirty="0" smtClean="0"/>
-              <a:t>If </a:t>
-            </a:r>
-            <a:r>
-              <a:rPr lang="en-NZ" sz="1200" dirty="0" smtClean="0"/>
-              <a:t>we need </a:t>
-            </a:r>
-            <a:r>
-              <a:rPr lang="en-NZ" sz="1200" dirty="0" smtClean="0"/>
-              <a:t>to support both a single stage filter and a double stage filter, can </a:t>
-            </a:r>
-            <a:r>
-              <a:rPr lang="en-NZ" sz="1200" dirty="0" smtClean="0"/>
-              <a:t>we reuse </a:t>
-            </a:r>
-            <a:r>
-              <a:rPr lang="en-NZ" sz="1200" dirty="0" smtClean="0"/>
-              <a:t>the hardware from the second stage when you only need a single stage filter</a:t>
-            </a:r>
-            <a:r>
-              <a:rPr lang="en-NZ" sz="1200" dirty="0" smtClean="0"/>
-              <a:t>?</a:t>
+              <a:rPr lang="en-NZ" sz="1200" dirty="0"/>
+              <a:t>If we need to support both a single stage filter and a double stage filter, can we reuse the hardware from the second stage when you only need a single stage filter?</a:t>
             </a:r>
           </a:p>
           <a:p>
@@ -4578,7 +4995,7 @@
               <a:buFont typeface="Wingdings" pitchFamily="2" charset="2"/>
               <a:buChar char="q"/>
             </a:pPr>
-            <a:endParaRPr lang="en-NZ" sz="1200" dirty="0" smtClean="0"/>
+            <a:endParaRPr lang="en-NZ" sz="1200" dirty="0"/>
           </a:p>
           <a:p>
             <a:pPr>
@@ -4586,12 +5003,8 @@
               <a:buChar char="q"/>
             </a:pPr>
             <a:r>
-              <a:rPr lang="en-NZ" sz="1200" dirty="0" smtClean="0"/>
-              <a:t>How much control does the HPS have over the operations performed</a:t>
-            </a:r>
-            <a:r>
-              <a:rPr lang="en-NZ" sz="1200" dirty="0" smtClean="0"/>
-              <a:t>?</a:t>
+              <a:rPr lang="en-NZ" sz="1200" dirty="0"/>
+              <a:t>How much control does the HPS have over the operations performed?</a:t>
             </a:r>
           </a:p>
           <a:p>
@@ -4599,7 +5012,7 @@
               <a:buFont typeface="Wingdings" pitchFamily="2" charset="2"/>
               <a:buChar char="q"/>
             </a:pPr>
-            <a:endParaRPr lang="en-NZ" sz="1200" dirty="0" smtClean="0"/>
+            <a:endParaRPr lang="en-NZ" sz="1200" dirty="0"/>
           </a:p>
           <a:p>
             <a:pPr>
@@ -4607,20 +5020,8 @@
               <a:buChar char="q"/>
             </a:pPr>
             <a:r>
-              <a:rPr lang="en-NZ" sz="1200" dirty="0" smtClean="0"/>
-              <a:t>Can </a:t>
-            </a:r>
-            <a:r>
-              <a:rPr lang="en-NZ" sz="1200" dirty="0" smtClean="0"/>
-              <a:t>we share </a:t>
-            </a:r>
-            <a:r>
-              <a:rPr lang="en-NZ" sz="1200" dirty="0" smtClean="0"/>
-              <a:t>data between adjacent windows to reduce the amount of loading required</a:t>
-            </a:r>
-            <a:r>
-              <a:rPr lang="en-NZ" sz="1200" dirty="0" smtClean="0"/>
-              <a:t>?</a:t>
+              <a:rPr lang="en-NZ" sz="1200" dirty="0"/>
+              <a:t>Can we share data between adjacent windows to reduce the amount of loading required?</a:t>
             </a:r>
           </a:p>
           <a:p>
@@ -4628,7 +5029,7 @@
               <a:buFont typeface="Wingdings" pitchFamily="2" charset="2"/>
               <a:buChar char="q"/>
             </a:pPr>
-            <a:endParaRPr lang="en-NZ" sz="1200" dirty="0" smtClean="0"/>
+            <a:endParaRPr lang="en-NZ" sz="1200" dirty="0"/>
           </a:p>
           <a:p>
             <a:pPr>
@@ -4636,12 +5037,8 @@
               <a:buChar char="q"/>
             </a:pPr>
             <a:r>
-              <a:rPr lang="en-NZ" sz="1200" dirty="0" smtClean="0"/>
-              <a:t>How separable are </a:t>
-            </a:r>
-            <a:r>
-              <a:rPr lang="en-NZ" sz="1200" dirty="0" smtClean="0"/>
-              <a:t>our filters? </a:t>
+              <a:rPr lang="en-NZ" sz="1200" dirty="0"/>
+              <a:t>How separable are our filters? </a:t>
             </a:r>
           </a:p>
           <a:p>
@@ -4650,24 +5047,8 @@
               <a:buChar char="q"/>
             </a:pPr>
             <a:r>
-              <a:rPr lang="en-NZ" sz="800" dirty="0" smtClean="0"/>
-              <a:t>Can we break </a:t>
-            </a:r>
-            <a:r>
-              <a:rPr lang="en-NZ" sz="800" dirty="0" smtClean="0"/>
-              <a:t>down </a:t>
-            </a:r>
-            <a:r>
-              <a:rPr lang="en-NZ" sz="800" dirty="0" smtClean="0"/>
-              <a:t>our </a:t>
-            </a:r>
-            <a:r>
-              <a:rPr lang="en-NZ" sz="800" dirty="0" smtClean="0"/>
-              <a:t>input to operate on multiple independent parts at </a:t>
-            </a:r>
-            <a:r>
-              <a:rPr lang="en-NZ" sz="800" dirty="0" smtClean="0"/>
-              <a:t>once?</a:t>
+              <a:rPr lang="en-NZ" sz="800" dirty="0"/>
+              <a:t>Can we break down our input to operate on multiple independent parts at once?</a:t>
             </a:r>
           </a:p>
           <a:p>
@@ -4676,12 +5057,8 @@
               <a:buChar char="q"/>
             </a:pPr>
             <a:r>
-              <a:rPr lang="en-NZ" sz="800" dirty="0" smtClean="0"/>
-              <a:t>What about multiple adjacent parts at once</a:t>
-            </a:r>
-            <a:r>
-              <a:rPr lang="en-NZ" sz="800" dirty="0" smtClean="0"/>
-              <a:t>?</a:t>
+              <a:rPr lang="en-NZ" sz="800" dirty="0"/>
+              <a:t>What about multiple adjacent parts at once?</a:t>
             </a:r>
           </a:p>
           <a:p>
@@ -4689,7 +5066,7 @@
               <a:buFont typeface="Wingdings" pitchFamily="2" charset="2"/>
               <a:buChar char="q"/>
             </a:pPr>
-            <a:endParaRPr lang="en-NZ" sz="1200" dirty="0" smtClean="0"/>
+            <a:endParaRPr lang="en-NZ" sz="1200" dirty="0"/>
           </a:p>
           <a:p>
             <a:pPr>
@@ -4697,24 +5074,8 @@
               <a:buChar char="q"/>
             </a:pPr>
             <a:r>
-              <a:rPr lang="en-NZ" sz="1200" dirty="0" smtClean="0"/>
-              <a:t>How can </a:t>
-            </a:r>
-            <a:r>
-              <a:rPr lang="en-NZ" sz="1200" dirty="0" smtClean="0"/>
-              <a:t>the image data </a:t>
-            </a:r>
-            <a:r>
-              <a:rPr lang="en-NZ" sz="1200" dirty="0" smtClean="0"/>
-              <a:t>be </a:t>
-            </a:r>
-            <a:r>
-              <a:rPr lang="en-NZ" sz="1200" dirty="0" smtClean="0"/>
-              <a:t>used for the required processing</a:t>
-            </a:r>
-            <a:r>
-              <a:rPr lang="en-NZ" sz="1200" dirty="0" smtClean="0"/>
-              <a:t>?</a:t>
+              <a:rPr lang="en-NZ" sz="1200" dirty="0"/>
+              <a:t>How can the image data be used for the required processing?</a:t>
             </a:r>
           </a:p>
           <a:p>
@@ -4723,20 +5084,8 @@
               <a:buChar char="q"/>
             </a:pPr>
             <a:r>
-              <a:rPr lang="en-NZ" sz="800" dirty="0" smtClean="0"/>
-              <a:t>Can </a:t>
-            </a:r>
-            <a:r>
-              <a:rPr lang="en-NZ" sz="800" dirty="0" smtClean="0"/>
-              <a:t>we use </a:t>
-            </a:r>
-            <a:r>
-              <a:rPr lang="en-NZ" sz="800" dirty="0" smtClean="0"/>
-              <a:t>less than the full data width of all three (RGB) channels</a:t>
-            </a:r>
-            <a:r>
-              <a:rPr lang="en-NZ" sz="800" dirty="0" smtClean="0"/>
-              <a:t>?</a:t>
+              <a:rPr lang="en-NZ" sz="800" dirty="0"/>
+              <a:t>Can we use less than the full data width of all three (RGB) channels?</a:t>
             </a:r>
           </a:p>
           <a:p>
@@ -4745,16 +5094,8 @@
               <a:buChar char="q"/>
             </a:pPr>
             <a:r>
-              <a:rPr lang="en-NZ" sz="800" dirty="0" smtClean="0"/>
-              <a:t>Do </a:t>
-            </a:r>
-            <a:r>
-              <a:rPr lang="en-NZ" sz="800" dirty="0" smtClean="0"/>
-              <a:t>we only </a:t>
-            </a:r>
-            <a:r>
-              <a:rPr lang="en-NZ" sz="800" dirty="0" smtClean="0"/>
-              <a:t>need greyscale data?</a:t>
+              <a:rPr lang="en-NZ" sz="800" dirty="0"/>
+              <a:t>Do we only need greyscale data?</a:t>
             </a:r>
           </a:p>
           <a:p>
@@ -4763,25 +5104,16 @@
               <a:buChar char="q"/>
             </a:pPr>
             <a:r>
-              <a:rPr lang="en-NZ" sz="800" dirty="0" smtClean="0"/>
-              <a:t>Can </a:t>
-            </a:r>
-            <a:r>
-              <a:rPr lang="en-NZ" sz="800" dirty="0" smtClean="0"/>
-              <a:t>we pack </a:t>
-            </a:r>
-            <a:r>
-              <a:rPr lang="en-NZ" sz="800" dirty="0" smtClean="0"/>
-              <a:t>the data to use the communication available more efficiently?</a:t>
-            </a:r>
-            <a:endParaRPr lang="en-NZ" sz="800" dirty="0" smtClean="0"/>
+              <a:rPr lang="en-NZ" sz="800" dirty="0"/>
+              <a:t>Can we pack the data to use the communication available more efficiently?</a:t>
+            </a:r>
           </a:p>
           <a:p>
             <a:pPr>
               <a:buFont typeface="Wingdings" pitchFamily="2" charset="2"/>
               <a:buChar char="q"/>
             </a:pPr>
-            <a:endParaRPr lang="en-NZ" sz="1200" dirty="0" smtClean="0"/>
+            <a:endParaRPr lang="en-NZ" sz="1200" dirty="0"/>
           </a:p>
           <a:p>
             <a:pPr>
@@ -4789,20 +5121,8 @@
               <a:buChar char="q"/>
             </a:pPr>
             <a:r>
-              <a:rPr lang="en-NZ" sz="1200" dirty="0" smtClean="0"/>
-              <a:t>How can </a:t>
-            </a:r>
-            <a:r>
-              <a:rPr lang="en-NZ" sz="1200" dirty="0" smtClean="0"/>
-              <a:t>we make </a:t>
-            </a:r>
-            <a:r>
-              <a:rPr lang="en-NZ" sz="1200" dirty="0" smtClean="0"/>
-              <a:t>sure that the hardware is used efficiently</a:t>
-            </a:r>
-            <a:r>
-              <a:rPr lang="en-NZ" sz="1200" dirty="0" smtClean="0"/>
-              <a:t>?</a:t>
+              <a:rPr lang="en-NZ" sz="1200" dirty="0"/>
+              <a:t>How can we make sure that the hardware is used efficiently?</a:t>
             </a:r>
           </a:p>
           <a:p>
@@ -4811,25 +5131,16 @@
               <a:buChar char="q"/>
             </a:pPr>
             <a:r>
-              <a:rPr lang="en-NZ" sz="800" dirty="0" smtClean="0"/>
-              <a:t>What if </a:t>
-            </a:r>
-            <a:r>
-              <a:rPr lang="en-NZ" sz="800" dirty="0" smtClean="0"/>
-              <a:t>we include </a:t>
-            </a:r>
-            <a:r>
-              <a:rPr lang="en-NZ" sz="800" dirty="0" smtClean="0"/>
-              <a:t>an additional hardware component?</a:t>
-            </a:r>
-            <a:endParaRPr lang="en-NZ" sz="800" dirty="0" smtClean="0"/>
+              <a:rPr lang="en-NZ" sz="800" dirty="0"/>
+              <a:t>What if we include an additional hardware component?</a:t>
+            </a:r>
           </a:p>
           <a:p>
             <a:pPr>
               <a:buFont typeface="Wingdings" pitchFamily="2" charset="2"/>
               <a:buChar char="q"/>
             </a:pPr>
-            <a:endParaRPr lang="en-NZ" sz="1200" dirty="0" smtClean="0"/>
+            <a:endParaRPr lang="en-NZ" sz="1200" dirty="0"/>
           </a:p>
           <a:p>
             <a:pPr>
@@ -4837,12 +5148,8 @@
               <a:buChar char="q"/>
             </a:pPr>
             <a:r>
-              <a:rPr lang="en-NZ" sz="1200" dirty="0" smtClean="0"/>
-              <a:t>Our filtered </a:t>
-            </a:r>
-            <a:r>
-              <a:rPr lang="en-NZ" sz="1200" dirty="0" smtClean="0"/>
-              <a:t>result must be available for the HPS to use later for object detection.</a:t>
+              <a:rPr lang="en-NZ" sz="1200" dirty="0"/>
+              <a:t>Our filtered result must be available for the HPS to use later for object detection.</a:t>
             </a:r>
           </a:p>
           <a:p>
@@ -4851,24 +5158,16 @@
               <a:buChar char="q"/>
             </a:pPr>
             <a:r>
-              <a:rPr lang="en-NZ" sz="800" dirty="0" smtClean="0"/>
-              <a:t>o How do </a:t>
-            </a:r>
-            <a:r>
-              <a:rPr lang="en-NZ" sz="800" dirty="0" smtClean="0"/>
-              <a:t>we manage </a:t>
-            </a:r>
-            <a:r>
-              <a:rPr lang="en-NZ" sz="800" dirty="0" smtClean="0"/>
-              <a:t>loading image data onto the FPGA as well as the pre-processed data back off?</a:t>
+              <a:rPr lang="en-NZ" sz="800" dirty="0"/>
+              <a:t>o How do we manage loading image data onto the FPGA as well as the pre-processed data back off?</a:t>
             </a:r>
           </a:p>
           <a:p>
             <a:pPr lvl="1"/>
-            <a:endParaRPr lang="en-NZ" sz="800" dirty="0" smtClean="0"/>
-          </a:p>
-          <a:p>
-            <a:endParaRPr lang="en-NZ" sz="1200" dirty="0" smtClean="0"/>
+            <a:endParaRPr lang="en-NZ" sz="800" dirty="0"/>
+          </a:p>
+          <a:p>
+            <a:endParaRPr lang="en-NZ" sz="1200" dirty="0"/>
           </a:p>
         </p:txBody>
       </p:sp>
@@ -4888,10 +5187,9 @@
           <a:lstStyle/>
           <a:p>
             <a:r>
-              <a:rPr lang="en-NZ" dirty="0" smtClean="0"/>
+              <a:rPr lang="en-NZ" dirty="0"/>
               <a:t>Checklist of points to consider</a:t>
             </a:r>
-            <a:endParaRPr lang="en-NZ" dirty="0"/>
           </a:p>
         </p:txBody>
       </p:sp>
@@ -4942,20 +5240,8 @@
               <a:buChar char="q"/>
             </a:pPr>
             <a:r>
-              <a:rPr lang="en-NZ" sz="1200" dirty="0" smtClean="0"/>
-              <a:t>A plan for </a:t>
-            </a:r>
-            <a:r>
-              <a:rPr lang="en-NZ" sz="1200" dirty="0" smtClean="0"/>
-              <a:t>our implemented </a:t>
-            </a:r>
-            <a:r>
-              <a:rPr lang="en-NZ" sz="1200" dirty="0" smtClean="0"/>
-              <a:t>co-processor, detailing the interfaces used and some example use </a:t>
-            </a:r>
-            <a:r>
-              <a:rPr lang="en-NZ" sz="1200" dirty="0" smtClean="0"/>
-              <a:t>cases.</a:t>
+              <a:rPr lang="en-NZ" sz="1200" dirty="0"/>
+              <a:t>A plan for our implemented co-processor, detailing the interfaces used and some example use cases.</a:t>
             </a:r>
           </a:p>
           <a:p>
@@ -4963,7 +5249,7 @@
               <a:buFont typeface="Wingdings" pitchFamily="2" charset="2"/>
               <a:buChar char="q"/>
             </a:pPr>
-            <a:endParaRPr lang="en-NZ" sz="1200" dirty="0" smtClean="0"/>
+            <a:endParaRPr lang="en-NZ" sz="1200" dirty="0"/>
           </a:p>
           <a:p>
             <a:pPr>
@@ -4971,27 +5257,23 @@
               <a:buChar char="q"/>
             </a:pPr>
             <a:r>
-              <a:rPr lang="en-NZ" sz="1200" dirty="0" smtClean="0"/>
-              <a:t>This </a:t>
-            </a:r>
-            <a:r>
-              <a:rPr lang="en-NZ" sz="1200" dirty="0" smtClean="0"/>
-              <a:t>includes diagrams of our control unit FSM as well as the datapath, potentially shown as multiple </a:t>
-            </a:r>
-            <a:r>
-              <a:rPr lang="en-NZ" sz="1200" dirty="0" err="1" smtClean="0"/>
+              <a:rPr lang="en-NZ" sz="1200" dirty="0"/>
+              <a:t>This includes diagrams of our control unit FSM as well as the datapath, potentially shown as multiple </a:t>
+            </a:r>
+            <a:r>
+              <a:rPr lang="en-NZ" sz="1200" dirty="0" err="1"/>
               <a:t>datapaths</a:t>
             </a:r>
             <a:r>
-              <a:rPr lang="en-NZ" sz="1200" dirty="0" smtClean="0"/>
+              <a:rPr lang="en-NZ" sz="1200" dirty="0"/>
               <a:t> where </a:t>
             </a:r>
             <a:r>
-              <a:rPr lang="en-NZ" sz="1200" dirty="0" err="1" smtClean="0"/>
+              <a:rPr lang="en-NZ" sz="1200" dirty="0" err="1"/>
               <a:t>muxes</a:t>
             </a:r>
             <a:r>
-              <a:rPr lang="en-NZ" sz="1200" dirty="0" smtClean="0"/>
+              <a:rPr lang="en-NZ" sz="1200" dirty="0"/>
               <a:t> have been configured according to a specified filter setup.</a:t>
             </a:r>
           </a:p>
@@ -5000,7 +5282,7 @@
               <a:buFont typeface="Wingdings" pitchFamily="2" charset="2"/>
               <a:buChar char="q"/>
             </a:pPr>
-            <a:endParaRPr lang="en-NZ" sz="1200" dirty="0" smtClean="0"/>
+            <a:endParaRPr lang="en-NZ" sz="1200" dirty="0"/>
           </a:p>
           <a:p>
             <a:pPr>
@@ -5008,16 +5290,8 @@
               <a:buChar char="q"/>
             </a:pPr>
             <a:r>
-              <a:rPr lang="en-NZ" sz="1200" dirty="0" smtClean="0"/>
-              <a:t>We </a:t>
-            </a:r>
-            <a:r>
-              <a:rPr lang="en-NZ" sz="1200" dirty="0" smtClean="0"/>
-              <a:t>will also need to produce a “data sheet” which explains the memory-mapped registers we make available to software, their functions (i.e. control or status registers, and the “meaning” of each bit), as well as an outline of the steps that need to be performed in order to set up our IP block</a:t>
-            </a:r>
-            <a:r>
-              <a:rPr lang="en-NZ" sz="1200" dirty="0" smtClean="0"/>
-              <a:t>.</a:t>
+              <a:rPr lang="en-NZ" sz="1200" dirty="0"/>
+              <a:t>We will also need to produce a “data sheet” which explains the memory-mapped registers we make available to software, their functions (i.e. control or status registers, and the “meaning” of each bit), as well as an outline of the steps that need to be performed in order to set up our IP block.</a:t>
             </a:r>
           </a:p>
           <a:p>
@@ -5025,7 +5299,7 @@
               <a:buFont typeface="Wingdings" pitchFamily="2" charset="2"/>
               <a:buChar char="q"/>
             </a:pPr>
-            <a:endParaRPr lang="en-NZ" sz="1200" dirty="0" smtClean="0"/>
+            <a:endParaRPr lang="en-NZ" sz="1200" dirty="0"/>
           </a:p>
           <a:p>
             <a:pPr>
@@ -5033,25 +5307,16 @@
               <a:buChar char="q"/>
             </a:pPr>
             <a:r>
-              <a:rPr lang="en-NZ" sz="1200" dirty="0" smtClean="0"/>
-              <a:t>Demonstration </a:t>
-            </a:r>
-            <a:r>
-              <a:rPr lang="en-NZ" sz="1200" dirty="0" smtClean="0"/>
-              <a:t>of correct setup functionality, shown through simulation</a:t>
-            </a:r>
-            <a:r>
-              <a:rPr lang="en-NZ" sz="1200" dirty="0" smtClean="0"/>
-              <a:t>.</a:t>
-            </a:r>
-            <a:endParaRPr lang="en-NZ" sz="1200" dirty="0" smtClean="0"/>
+              <a:rPr lang="en-NZ" sz="1200" dirty="0"/>
+              <a:t>Demonstration of correct setup functionality, shown through simulation.</a:t>
+            </a:r>
           </a:p>
           <a:p>
             <a:pPr>
               <a:buFont typeface="Wingdings" pitchFamily="2" charset="2"/>
               <a:buChar char="q"/>
             </a:pPr>
-            <a:endParaRPr lang="en-NZ" sz="1200" dirty="0" smtClean="0"/>
+            <a:endParaRPr lang="en-NZ" sz="1200" dirty="0"/>
           </a:p>
           <a:p>
             <a:pPr>
@@ -5059,7 +5324,7 @@
               <a:buChar char="q"/>
             </a:pPr>
             <a:r>
-              <a:rPr lang="en-NZ" sz="1200" dirty="0" smtClean="0"/>
+              <a:rPr lang="en-NZ" sz="1200" dirty="0"/>
               <a:t>This means being able to provide the necessary commands to our co-processor to allow for setup of various filters.</a:t>
             </a:r>
           </a:p>
@@ -5068,7 +5333,7 @@
               <a:buFont typeface="Wingdings" pitchFamily="2" charset="2"/>
               <a:buChar char="q"/>
             </a:pPr>
-            <a:endParaRPr lang="en-NZ" sz="1200" dirty="0" smtClean="0"/>
+            <a:endParaRPr lang="en-NZ" sz="1200" dirty="0"/>
           </a:p>
         </p:txBody>
       </p:sp>
@@ -5088,10 +5353,9 @@
           <a:lstStyle/>
           <a:p>
             <a:r>
-              <a:rPr lang="en-NZ" dirty="0" smtClean="0"/>
+              <a:rPr lang="en-NZ" dirty="0"/>
               <a:t>Checklist of expectations</a:t>
             </a:r>
-            <a:endParaRPr lang="en-NZ" dirty="0"/>
           </a:p>
         </p:txBody>
       </p:sp>
@@ -5370,7 +5634,7 @@
           <a:blip r:embed="rId2" cstate="print">
             <a:extLst>
               <a:ext uri="{28A0092B-C50C-407E-A947-70E740481C1C}">
-                <a14:useLocalDpi xmlns:a14="http://schemas.microsoft.com/office/drawing/2010/main" xmlns="" val="0"/>
+                <a14:useLocalDpi xmlns:a14="http://schemas.microsoft.com/office/drawing/2010/main" val="0"/>
               </a:ext>
             </a:extLst>
           </a:blip>
@@ -5380,7 +5644,7 @@
         </p:blipFill>
         <p:spPr>
           <a:xfrm>
-            <a:off x="440113" y="1417638"/>
+            <a:off x="440112" y="1727349"/>
             <a:ext cx="8229600" cy="797767"/>
           </a:xfrm>
         </p:spPr>
@@ -5397,7 +5661,7 @@
           <a:blip r:embed="rId3" cstate="print">
             <a:extLst>
               <a:ext uri="{28A0092B-C50C-407E-A947-70E740481C1C}">
-                <a14:useLocalDpi xmlns:a14="http://schemas.microsoft.com/office/drawing/2010/main" xmlns="" val="0"/>
+                <a14:useLocalDpi xmlns:a14="http://schemas.microsoft.com/office/drawing/2010/main" val="0"/>
               </a:ext>
             </a:extLst>
           </a:blip>
@@ -5407,8 +5671,8 @@
         </p:blipFill>
         <p:spPr>
           <a:xfrm>
-            <a:off x="117216" y="2560638"/>
-            <a:ext cx="8875393" cy="1148061"/>
+            <a:off x="428889" y="3169066"/>
+            <a:ext cx="8229600" cy="1064526"/>
           </a:xfrm>
           <a:prstGeom prst="rect">
             <a:avLst/>
@@ -5427,7 +5691,7 @@
           <a:blip r:embed="rId4" cstate="print">
             <a:extLst>
               <a:ext uri="{28A0092B-C50C-407E-A947-70E740481C1C}">
-                <a14:useLocalDpi xmlns:a14="http://schemas.microsoft.com/office/drawing/2010/main" xmlns="" val="0"/>
+                <a14:useLocalDpi xmlns:a14="http://schemas.microsoft.com/office/drawing/2010/main" val="0"/>
               </a:ext>
             </a:extLst>
           </a:blip>
@@ -5437,14 +5701,270 @@
         </p:blipFill>
         <p:spPr>
           <a:xfrm>
-            <a:off x="72000" y="4053932"/>
-            <a:ext cx="9000000" cy="830652"/>
+            <a:off x="482920" y="4859269"/>
+            <a:ext cx="8212512" cy="757971"/>
           </a:xfrm>
           <a:prstGeom prst="rect">
             <a:avLst/>
           </a:prstGeom>
         </p:spPr>
       </p:pic>
+      <p:sp>
+        <p:nvSpPr>
+          <p:cNvPr id="8" name="Content Placeholder 1">
+            <a:extLst>
+              <a:ext uri="{FF2B5EF4-FFF2-40B4-BE49-F238E27FC236}">
+                <a16:creationId xmlns:a16="http://schemas.microsoft.com/office/drawing/2014/main" id="{26C63CB9-BBF0-4F24-BCB2-3A37876DFE5E}"/>
+              </a:ext>
+            </a:extLst>
+          </p:cNvPr>
+          <p:cNvSpPr txBox="1">
+            <a:spLocks/>
+          </p:cNvSpPr>
+          <p:nvPr/>
+        </p:nvSpPr>
+        <p:spPr>
+          <a:xfrm>
+            <a:off x="400578" y="1279301"/>
+            <a:ext cx="8229600" cy="4525963"/>
+          </a:xfrm>
+          <a:prstGeom prst="rect">
+            <a:avLst/>
+          </a:prstGeom>
+        </p:spPr>
+        <p:txBody>
+          <a:bodyPr vert="horz">
+            <a:normAutofit/>
+          </a:bodyPr>
+          <a:lstStyle>
+            <a:lvl1pPr marL="365760" indent="-256032" algn="l" rtl="0" eaLnBrk="1" latinLnBrk="0" hangingPunct="1">
+              <a:spcBef>
+                <a:spcPts val="400"/>
+              </a:spcBef>
+              <a:spcAft>
+                <a:spcPts val="0"/>
+              </a:spcAft>
+              <a:buClr>
+                <a:schemeClr val="accent1"/>
+              </a:buClr>
+              <a:buSzPct val="68000"/>
+              <a:buFont typeface="Wingdings 3"/>
+              <a:buChar char=""/>
+              <a:defRPr kumimoji="0" sz="2700" kern="1200">
+                <a:solidFill>
+                  <a:schemeClr val="tx1"/>
+                </a:solidFill>
+                <a:latin typeface="+mn-lt"/>
+                <a:ea typeface="+mn-ea"/>
+                <a:cs typeface="+mn-cs"/>
+              </a:defRPr>
+            </a:lvl1pPr>
+            <a:lvl2pPr marL="621792" indent="-228600" algn="l" rtl="0" eaLnBrk="1" latinLnBrk="0" hangingPunct="1">
+              <a:spcBef>
+                <a:spcPts val="324"/>
+              </a:spcBef>
+              <a:buClr>
+                <a:schemeClr val="accent1"/>
+              </a:buClr>
+              <a:buFont typeface="Verdana"/>
+              <a:buChar char="◦"/>
+              <a:defRPr kumimoji="0" sz="2300" kern="1200">
+                <a:solidFill>
+                  <a:schemeClr val="tx1"/>
+                </a:solidFill>
+                <a:latin typeface="+mn-lt"/>
+                <a:ea typeface="+mn-ea"/>
+                <a:cs typeface="+mn-cs"/>
+              </a:defRPr>
+            </a:lvl2pPr>
+            <a:lvl3pPr marL="859536" indent="-228600" algn="l" rtl="0" eaLnBrk="1" latinLnBrk="0" hangingPunct="1">
+              <a:spcBef>
+                <a:spcPts val="350"/>
+              </a:spcBef>
+              <a:buClr>
+                <a:schemeClr val="accent2"/>
+              </a:buClr>
+              <a:buSzPct val="100000"/>
+              <a:buFont typeface="Wingdings 2"/>
+              <a:buChar char=""/>
+              <a:defRPr kumimoji="0" sz="2100" kern="1200">
+                <a:solidFill>
+                  <a:schemeClr val="tx1"/>
+                </a:solidFill>
+                <a:latin typeface="+mn-lt"/>
+                <a:ea typeface="+mn-ea"/>
+                <a:cs typeface="+mn-cs"/>
+              </a:defRPr>
+            </a:lvl3pPr>
+            <a:lvl4pPr marL="1143000" indent="-228600" algn="l" rtl="0" eaLnBrk="1" latinLnBrk="0" hangingPunct="1">
+              <a:spcBef>
+                <a:spcPts val="350"/>
+              </a:spcBef>
+              <a:buClr>
+                <a:schemeClr val="accent2"/>
+              </a:buClr>
+              <a:buFont typeface="Wingdings 2"/>
+              <a:buChar char=""/>
+              <a:defRPr kumimoji="0" sz="1900" kern="1200">
+                <a:solidFill>
+                  <a:schemeClr val="tx1"/>
+                </a:solidFill>
+                <a:latin typeface="+mn-lt"/>
+                <a:ea typeface="+mn-ea"/>
+                <a:cs typeface="+mn-cs"/>
+              </a:defRPr>
+            </a:lvl4pPr>
+            <a:lvl5pPr marL="1371600" indent="-228600" algn="l" rtl="0" eaLnBrk="1" latinLnBrk="0" hangingPunct="1">
+              <a:spcBef>
+                <a:spcPts val="350"/>
+              </a:spcBef>
+              <a:buClr>
+                <a:schemeClr val="accent2"/>
+              </a:buClr>
+              <a:buFont typeface="Wingdings 2"/>
+              <a:buChar char=""/>
+              <a:defRPr kumimoji="0" sz="1800" kern="1200">
+                <a:solidFill>
+                  <a:schemeClr val="tx1"/>
+                </a:solidFill>
+                <a:latin typeface="+mn-lt"/>
+                <a:ea typeface="+mn-ea"/>
+                <a:cs typeface="+mn-cs"/>
+              </a:defRPr>
+            </a:lvl5pPr>
+            <a:lvl6pPr marL="1600200" indent="-228600" algn="l" rtl="0" eaLnBrk="1" latinLnBrk="0" hangingPunct="1">
+              <a:spcBef>
+                <a:spcPts val="350"/>
+              </a:spcBef>
+              <a:buClr>
+                <a:schemeClr val="accent3"/>
+              </a:buClr>
+              <a:buFont typeface="Wingdings 2"/>
+              <a:buChar char=""/>
+              <a:defRPr kumimoji="0" sz="1800" kern="1200">
+                <a:solidFill>
+                  <a:schemeClr val="tx1"/>
+                </a:solidFill>
+                <a:latin typeface="+mn-lt"/>
+                <a:ea typeface="+mn-ea"/>
+                <a:cs typeface="+mn-cs"/>
+              </a:defRPr>
+            </a:lvl6pPr>
+            <a:lvl7pPr marL="1828800" indent="-228600" algn="l" rtl="0" eaLnBrk="1" latinLnBrk="0" hangingPunct="1">
+              <a:spcBef>
+                <a:spcPts val="350"/>
+              </a:spcBef>
+              <a:buClr>
+                <a:schemeClr val="accent3"/>
+              </a:buClr>
+              <a:buFont typeface="Wingdings 2"/>
+              <a:buChar char=""/>
+              <a:defRPr kumimoji="0" sz="1600" kern="1200">
+                <a:solidFill>
+                  <a:schemeClr val="tx1"/>
+                </a:solidFill>
+                <a:latin typeface="+mn-lt"/>
+                <a:ea typeface="+mn-ea"/>
+                <a:cs typeface="+mn-cs"/>
+              </a:defRPr>
+            </a:lvl7pPr>
+            <a:lvl8pPr marL="2057400" indent="-228600" algn="l" rtl="0" eaLnBrk="1" latinLnBrk="0" hangingPunct="1">
+              <a:spcBef>
+                <a:spcPts val="350"/>
+              </a:spcBef>
+              <a:buClr>
+                <a:schemeClr val="accent3"/>
+              </a:buClr>
+              <a:buFont typeface="Wingdings 2"/>
+              <a:buChar char=""/>
+              <a:defRPr kumimoji="0" sz="1600" kern="1200">
+                <a:solidFill>
+                  <a:schemeClr val="tx1"/>
+                </a:solidFill>
+                <a:latin typeface="+mn-lt"/>
+                <a:ea typeface="+mn-ea"/>
+                <a:cs typeface="+mn-cs"/>
+              </a:defRPr>
+            </a:lvl8pPr>
+            <a:lvl9pPr marL="2286000" indent="-228600" algn="l" rtl="0" eaLnBrk="1" latinLnBrk="0" hangingPunct="1">
+              <a:spcBef>
+                <a:spcPts val="350"/>
+              </a:spcBef>
+              <a:buClr>
+                <a:schemeClr val="accent3"/>
+              </a:buClr>
+              <a:buFont typeface="Wingdings 2"/>
+              <a:buChar char=""/>
+              <a:defRPr kumimoji="0" sz="1600" kern="1200" baseline="0">
+                <a:solidFill>
+                  <a:schemeClr val="tx1"/>
+                </a:solidFill>
+                <a:latin typeface="+mn-lt"/>
+                <a:ea typeface="+mn-ea"/>
+                <a:cs typeface="+mn-cs"/>
+              </a:defRPr>
+            </a:lvl9pPr>
+            <a:extLst/>
+          </a:lstStyle>
+          <a:p>
+            <a:pPr marL="109728" indent="0" algn="ctr">
+              <a:buNone/>
+            </a:pPr>
+            <a:r>
+              <a:rPr lang="en-NZ" dirty="0"/>
+              <a:t>Median Filter:</a:t>
+            </a:r>
+          </a:p>
+          <a:p>
+            <a:pPr marL="109728" indent="0" algn="ctr">
+              <a:buNone/>
+            </a:pPr>
+            <a:endParaRPr lang="en-NZ" dirty="0"/>
+          </a:p>
+          <a:p>
+            <a:pPr marL="109728" indent="0" algn="ctr">
+              <a:buNone/>
+            </a:pPr>
+            <a:endParaRPr lang="en-NZ" dirty="0"/>
+          </a:p>
+          <a:p>
+            <a:pPr marL="109728" indent="0" algn="ctr">
+              <a:buNone/>
+            </a:pPr>
+            <a:r>
+              <a:rPr lang="en-NZ" dirty="0"/>
+              <a:t>Convolution Filter:</a:t>
+            </a:r>
+          </a:p>
+          <a:p>
+            <a:pPr marL="109728" indent="0" algn="ctr">
+              <a:buNone/>
+            </a:pPr>
+            <a:endParaRPr lang="en-NZ" dirty="0"/>
+          </a:p>
+          <a:p>
+            <a:pPr marL="109728" indent="0" algn="ctr">
+              <a:buNone/>
+            </a:pPr>
+            <a:endParaRPr lang="en-NZ" dirty="0"/>
+          </a:p>
+          <a:p>
+            <a:pPr marL="109728" indent="0" algn="ctr">
+              <a:buNone/>
+            </a:pPr>
+            <a:endParaRPr lang="en-NZ" sz="2000" dirty="0"/>
+          </a:p>
+          <a:p>
+            <a:pPr marL="109728" indent="0" algn="ctr">
+              <a:buNone/>
+            </a:pPr>
+            <a:r>
+              <a:rPr lang="en-NZ" dirty="0"/>
+              <a:t>Sobel Filter:</a:t>
+            </a:r>
+          </a:p>
+        </p:txBody>
+      </p:sp>
     </p:spTree>
   </p:cSld>
   <p:clrMapOvr>
@@ -5485,9 +6005,37 @@
           <a:bodyPr/>
           <a:lstStyle/>
           <a:p>
+            <a:endParaRPr lang="en-NZ" dirty="0"/>
+          </a:p>
+          <a:p>
             <a:r>
               <a:rPr lang="en-NZ" dirty="0"/>
-              <a:t>*insert performance comparison here*</a:t>
+              <a:t>Windowing functionality remains the responsibility of the ARM core</a:t>
+            </a:r>
+          </a:p>
+          <a:p>
+            <a:endParaRPr lang="en-NZ" dirty="0"/>
+          </a:p>
+          <a:p>
+            <a:r>
+              <a:rPr lang="en-NZ" dirty="0"/>
+              <a:t>Series of 3x3 pixels sent to FPGA</a:t>
+            </a:r>
+          </a:p>
+          <a:p>
+            <a:pPr lvl="1"/>
+            <a:r>
+              <a:rPr lang="en-NZ" dirty="0"/>
+              <a:t>FPGA responds with a single pixel value</a:t>
+            </a:r>
+          </a:p>
+          <a:p>
+            <a:endParaRPr lang="en-NZ" dirty="0"/>
+          </a:p>
+          <a:p>
+            <a:r>
+              <a:rPr lang="en-NZ" dirty="0"/>
+              <a:t>16-bit ID tags used to identify messages</a:t>
             </a:r>
           </a:p>
         </p:txBody>
@@ -5504,12 +6052,14 @@
         </p:nvSpPr>
         <p:spPr/>
         <p:txBody>
-          <a:bodyPr/>
+          <a:bodyPr>
+            <a:normAutofit/>
+          </a:bodyPr>
           <a:lstStyle/>
           <a:p>
             <a:r>
               <a:rPr lang="en-NZ" dirty="0"/>
-              <a:t>Performance Comparison</a:t>
+              <a:t>Integration </a:t>
             </a:r>
           </a:p>
         </p:txBody>
@@ -5539,105 +6089,6 @@
           <a:chExt cx="0" cy="0"/>
         </a:xfrm>
       </p:grpSpPr>
-      <p:sp>
-        <p:nvSpPr>
-          <p:cNvPr id="2" name="Content Placeholder 1"/>
-          <p:cNvSpPr>
-            <a:spLocks noGrp="1"/>
-          </p:cNvSpPr>
-          <p:nvPr>
-            <p:ph idx="1"/>
-          </p:nvPr>
-        </p:nvSpPr>
-        <p:spPr/>
-        <p:txBody>
-          <a:bodyPr/>
-          <a:lstStyle/>
-          <a:p>
-            <a:endParaRPr lang="en-NZ" dirty="0"/>
-          </a:p>
-          <a:p>
-            <a:r>
-              <a:rPr lang="en-NZ" dirty="0"/>
-              <a:t>Windowing functionality remains the responsibility of the ARM core</a:t>
-            </a:r>
-          </a:p>
-          <a:p>
-            <a:endParaRPr lang="en-NZ" dirty="0"/>
-          </a:p>
-          <a:p>
-            <a:r>
-              <a:rPr lang="en-NZ" dirty="0"/>
-              <a:t>Series of 3x3 pixels sent to FPGA</a:t>
-            </a:r>
-          </a:p>
-          <a:p>
-            <a:pPr lvl="1"/>
-            <a:r>
-              <a:rPr lang="en-NZ" dirty="0"/>
-              <a:t>FPGA responds with a single pixel value</a:t>
-            </a:r>
-          </a:p>
-          <a:p>
-            <a:endParaRPr lang="en-NZ" dirty="0"/>
-          </a:p>
-          <a:p>
-            <a:r>
-              <a:rPr lang="en-NZ" dirty="0"/>
-              <a:t>16-bit ID tags used to identify messages</a:t>
-            </a:r>
-          </a:p>
-        </p:txBody>
-      </p:sp>
-      <p:sp>
-        <p:nvSpPr>
-          <p:cNvPr id="3" name="Title 2"/>
-          <p:cNvSpPr>
-            <a:spLocks noGrp="1"/>
-          </p:cNvSpPr>
-          <p:nvPr>
-            <p:ph type="title"/>
-          </p:nvPr>
-        </p:nvSpPr>
-        <p:spPr/>
-        <p:txBody>
-          <a:bodyPr>
-            <a:normAutofit/>
-          </a:bodyPr>
-          <a:lstStyle/>
-          <a:p>
-            <a:r>
-              <a:rPr lang="en-NZ" dirty="0"/>
-              <a:t>Integration </a:t>
-            </a:r>
-          </a:p>
-        </p:txBody>
-      </p:sp>
-    </p:spTree>
-  </p:cSld>
-  <p:clrMapOvr>
-    <a:masterClrMapping/>
-  </p:clrMapOvr>
-</p:sld>
-</file>
-
-<file path=ppt/slides/slide8.xml><?xml version="1.0" encoding="utf-8"?>
-<p:sld xmlns:a="http://schemas.openxmlformats.org/drawingml/2006/main" xmlns:r="http://schemas.openxmlformats.org/officeDocument/2006/relationships" xmlns:p="http://schemas.openxmlformats.org/presentationml/2006/main">
-  <p:cSld>
-    <p:spTree>
-      <p:nvGrpSpPr>
-        <p:cNvPr id="1" name=""/>
-        <p:cNvGrpSpPr/>
-        <p:nvPr/>
-      </p:nvGrpSpPr>
-      <p:grpSpPr>
-        <a:xfrm>
-          <a:off x="0" y="0"/>
-          <a:ext cx="0" cy="0"/>
-          <a:chOff x="0" y="0"/>
-          <a:chExt cx="0" cy="0"/>
-        </a:xfrm>
-      </p:grpSpPr>
       <p:graphicFrame>
         <p:nvGraphicFramePr>
           <p:cNvPr id="4" name="Content Placeholder 3"/>
@@ -5662,21 +6113,21 @@
                 <a:gridCol w="725805">
                   <a:extLst>
                     <a:ext uri="{9D8B030D-6E8A-4147-A177-3AD203B41FA5}">
-                      <a16:colId xmlns:a16="http://schemas.microsoft.com/office/drawing/2014/main" xmlns="" val="20000"/>
+                      <a16:colId xmlns:a16="http://schemas.microsoft.com/office/drawing/2014/main" val="20000"/>
                     </a:ext>
                   </a:extLst>
                 </a:gridCol>
                 <a:gridCol w="725805">
                   <a:extLst>
                     <a:ext uri="{9D8B030D-6E8A-4147-A177-3AD203B41FA5}">
-                      <a16:colId xmlns:a16="http://schemas.microsoft.com/office/drawing/2014/main" xmlns="" val="20001"/>
+                      <a16:colId xmlns:a16="http://schemas.microsoft.com/office/drawing/2014/main" val="20001"/>
                     </a:ext>
                   </a:extLst>
                 </a:gridCol>
                 <a:gridCol w="725805">
                   <a:extLst>
                     <a:ext uri="{9D8B030D-6E8A-4147-A177-3AD203B41FA5}">
-                      <a16:colId xmlns:a16="http://schemas.microsoft.com/office/drawing/2014/main" xmlns="" val="20002"/>
+                      <a16:colId xmlns:a16="http://schemas.microsoft.com/office/drawing/2014/main" val="20002"/>
                     </a:ext>
                   </a:extLst>
                 </a:gridCol>
@@ -5757,7 +6208,7 @@
                 </a:tc>
                 <a:extLst>
                   <a:ext uri="{0D108BD9-81ED-4DB2-BD59-A6C34878D82A}">
-                    <a16:rowId xmlns:a16="http://schemas.microsoft.com/office/drawing/2014/main" xmlns="" val="10000"/>
+                    <a16:rowId xmlns:a16="http://schemas.microsoft.com/office/drawing/2014/main" val="10000"/>
                   </a:ext>
                 </a:extLst>
               </a:tr>
@@ -5854,7 +6305,7 @@
                 </a:tc>
                 <a:extLst>
                   <a:ext uri="{0D108BD9-81ED-4DB2-BD59-A6C34878D82A}">
-                    <a16:rowId xmlns:a16="http://schemas.microsoft.com/office/drawing/2014/main" xmlns="" val="10001"/>
+                    <a16:rowId xmlns:a16="http://schemas.microsoft.com/office/drawing/2014/main" val="10001"/>
                   </a:ext>
                 </a:extLst>
               </a:tr>
@@ -5951,7 +6402,7 @@
                 </a:tc>
                 <a:extLst>
                   <a:ext uri="{0D108BD9-81ED-4DB2-BD59-A6C34878D82A}">
-                    <a16:rowId xmlns:a16="http://schemas.microsoft.com/office/drawing/2014/main" xmlns="" val="10002"/>
+                    <a16:rowId xmlns:a16="http://schemas.microsoft.com/office/drawing/2014/main" val="10002"/>
                   </a:ext>
                 </a:extLst>
               </a:tr>
@@ -5992,9 +6443,9 @@
         <p:grpSpPr>
           <a:xfrm>
             <a:off x="4609912" y="5225529"/>
-            <a:ext cx="4281679" cy="360040"/>
+            <a:ext cx="4267251" cy="360040"/>
             <a:chOff x="1033264" y="1509723"/>
-            <a:chExt cx="4281679" cy="360040"/>
+            <a:chExt cx="4267251" cy="360040"/>
           </a:xfrm>
         </p:grpSpPr>
         <p:sp>
@@ -6089,7 +6540,7 @@
           <p:spPr>
             <a:xfrm>
               <a:off x="3419872" y="1533401"/>
-              <a:ext cx="1895071" cy="307777"/>
+              <a:ext cx="1880643" cy="307777"/>
             </a:xfrm>
             <a:prstGeom prst="rect">
               <a:avLst/>
@@ -6104,7 +6555,7 @@
             <a:p>
               <a:r>
                 <a:rPr lang="en-NZ" sz="1400" dirty="0"/>
-                <a:t>All loaded on PIO-0</a:t>
+                <a:t>All loaded on PIO_0</a:t>
               </a:r>
             </a:p>
           </p:txBody>
@@ -6119,9 +6570,9 @@
         <p:grpSpPr>
           <a:xfrm>
             <a:off x="4609911" y="5677012"/>
-            <a:ext cx="4282569" cy="360040"/>
+            <a:ext cx="4268141" cy="360040"/>
             <a:chOff x="1032374" y="1509723"/>
-            <a:chExt cx="4282569" cy="360040"/>
+            <a:chExt cx="4268141" cy="360040"/>
           </a:xfrm>
         </p:grpSpPr>
         <p:sp>
@@ -6216,7 +6667,7 @@
           <p:spPr>
             <a:xfrm>
               <a:off x="3419872" y="1533711"/>
-              <a:ext cx="1895071" cy="307777"/>
+              <a:ext cx="1880643" cy="307777"/>
             </a:xfrm>
             <a:prstGeom prst="rect">
               <a:avLst/>
@@ -6231,7 +6682,7 @@
             <a:p>
               <a:r>
                 <a:rPr lang="en-NZ" sz="1400" dirty="0"/>
-                <a:t>All loaded on PIO-1</a:t>
+                <a:t>All loaded on PIO_1</a:t>
               </a:r>
             </a:p>
           </p:txBody>
@@ -6246,9 +6697,9 @@
         <p:grpSpPr>
           <a:xfrm>
             <a:off x="4609912" y="6121898"/>
-            <a:ext cx="4281679" cy="360040"/>
+            <a:ext cx="4267251" cy="360040"/>
             <a:chOff x="1033264" y="1509723"/>
-            <a:chExt cx="4281679" cy="360040"/>
+            <a:chExt cx="4267251" cy="360040"/>
           </a:xfrm>
         </p:grpSpPr>
         <p:sp>
@@ -6343,7 +6794,7 @@
           <p:spPr>
             <a:xfrm>
               <a:off x="3419872" y="1537040"/>
-              <a:ext cx="1895071" cy="307777"/>
+              <a:ext cx="1880643" cy="307777"/>
             </a:xfrm>
             <a:prstGeom prst="rect">
               <a:avLst/>
@@ -6358,7 +6809,7 @@
             <a:p>
               <a:r>
                 <a:rPr lang="en-NZ" sz="1400" dirty="0"/>
-                <a:t>All loaded on PIO-2</a:t>
+                <a:t>All loaded on PIO_2</a:t>
               </a:r>
             </a:p>
           </p:txBody>
@@ -6465,7 +6916,7 @@
                     <a:sysClr val="windowText" lastClr="000000"/>
                   </a:solidFill>
                 </a:rPr>
-                <a:t>Avalon Bus AXI</a:t>
+                <a:t>Avalon AXI Bus</a:t>
               </a:r>
             </a:p>
           </p:txBody>
@@ -6808,8 +7259,8 @@
           </p:nvSpPr>
           <p:spPr>
             <a:xfrm rot="16200000">
-              <a:off x="3815377" y="2734859"/>
-              <a:ext cx="546945" cy="246221"/>
+              <a:off x="3820186" y="2734859"/>
+              <a:ext cx="537327" cy="246221"/>
             </a:xfrm>
             <a:prstGeom prst="rect">
               <a:avLst/>
@@ -6824,7 +7275,7 @@
             <a:p>
               <a:r>
                 <a:rPr lang="en-NZ" sz="1000" dirty="0"/>
-                <a:t>PIO-0</a:t>
+                <a:t>PIO_0</a:t>
               </a:r>
             </a:p>
           </p:txBody>
@@ -6837,8 +7288,8 @@
           </p:nvSpPr>
           <p:spPr>
             <a:xfrm rot="16200000">
-              <a:off x="4121411" y="2734859"/>
-              <a:ext cx="546945" cy="246221"/>
+              <a:off x="4126220" y="2734859"/>
+              <a:ext cx="537327" cy="246221"/>
             </a:xfrm>
             <a:prstGeom prst="rect">
               <a:avLst/>
@@ -6853,7 +7304,7 @@
             <a:p>
               <a:r>
                 <a:rPr lang="en-NZ" sz="1000" dirty="0"/>
-                <a:t>PIO-1</a:t>
+                <a:t>PIO_1</a:t>
               </a:r>
             </a:p>
           </p:txBody>
@@ -6866,8 +7317,8 @@
           </p:nvSpPr>
           <p:spPr>
             <a:xfrm rot="16200000">
-              <a:off x="4427445" y="2734859"/>
-              <a:ext cx="546945" cy="246221"/>
+              <a:off x="4432254" y="2734859"/>
+              <a:ext cx="537327" cy="246221"/>
             </a:xfrm>
             <a:prstGeom prst="rect">
               <a:avLst/>
@@ -6882,7 +7333,7 @@
             <a:p>
               <a:r>
                 <a:rPr lang="en-NZ" sz="1000" dirty="0"/>
-                <a:t>PIO-2</a:t>
+                <a:t>PIO_2</a:t>
               </a:r>
             </a:p>
           </p:txBody>
@@ -6895,8 +7346,8 @@
           </p:nvSpPr>
           <p:spPr>
             <a:xfrm rot="16200000">
-              <a:off x="4733479" y="2734859"/>
-              <a:ext cx="546945" cy="246221"/>
+              <a:off x="4738288" y="2734859"/>
+              <a:ext cx="537327" cy="246221"/>
             </a:xfrm>
             <a:prstGeom prst="rect">
               <a:avLst/>
@@ -6911,7 +7362,7 @@
             <a:p>
               <a:r>
                 <a:rPr lang="en-NZ" sz="1000" dirty="0"/>
-                <a:t>PIO-3</a:t>
+                <a:t>PIO_3</a:t>
               </a:r>
             </a:p>
           </p:txBody>
@@ -6924,8 +7375,8 @@
           </p:nvSpPr>
           <p:spPr>
             <a:xfrm rot="16200000">
-              <a:off x="5039513" y="2734859"/>
-              <a:ext cx="546945" cy="246221"/>
+              <a:off x="5044322" y="2734859"/>
+              <a:ext cx="537327" cy="246221"/>
             </a:xfrm>
             <a:prstGeom prst="rect">
               <a:avLst/>
@@ -6940,7 +7391,7 @@
             <a:p>
               <a:r>
                 <a:rPr lang="en-NZ" sz="1000" dirty="0"/>
-                <a:t>PIO-4</a:t>
+                <a:t>PIO_4</a:t>
               </a:r>
             </a:p>
           </p:txBody>
@@ -7099,7 +7550,7 @@
           <p:spPr>
             <a:xfrm>
               <a:off x="2795042" y="4465687"/>
-              <a:ext cx="591829" cy="246221"/>
+              <a:ext cx="590226" cy="246221"/>
             </a:xfrm>
             <a:prstGeom prst="rect">
               <a:avLst/>
@@ -7114,12 +7565,145 @@
             <a:p>
               <a:r>
                 <a:rPr lang="en-NZ" sz="1000" dirty="0"/>
-                <a:t>clk_SD</a:t>
+                <a:t>clk_50</a:t>
               </a:r>
             </a:p>
           </p:txBody>
         </p:sp>
       </p:grpSp>
+    </p:spTree>
+  </p:cSld>
+  <p:clrMapOvr>
+    <a:masterClrMapping/>
+  </p:clrMapOvr>
+</p:sld>
+</file>
+
+<file path=ppt/slides/slide8.xml><?xml version="1.0" encoding="utf-8"?>
+<p:sld xmlns:a="http://schemas.openxmlformats.org/drawingml/2006/main" xmlns:r="http://schemas.openxmlformats.org/officeDocument/2006/relationships" xmlns:p="http://schemas.openxmlformats.org/presentationml/2006/main">
+  <p:cSld>
+    <p:spTree>
+      <p:nvGrpSpPr>
+        <p:cNvPr id="1" name=""/>
+        <p:cNvGrpSpPr/>
+        <p:nvPr/>
+      </p:nvGrpSpPr>
+      <p:grpSpPr>
+        <a:xfrm>
+          <a:off x="0" y="0"/>
+          <a:ext cx="0" cy="0"/>
+          <a:chOff x="0" y="0"/>
+          <a:chExt cx="0" cy="0"/>
+        </a:xfrm>
+      </p:grpSpPr>
+      <p:sp>
+        <p:nvSpPr>
+          <p:cNvPr id="2" name="Content Placeholder 1"/>
+          <p:cNvSpPr>
+            <a:spLocks noGrp="1"/>
+          </p:cNvSpPr>
+          <p:nvPr>
+            <p:ph idx="1"/>
+          </p:nvPr>
+        </p:nvSpPr>
+        <p:spPr>
+          <a:xfrm>
+            <a:off x="457200" y="1417638"/>
+            <a:ext cx="8229600" cy="4589653"/>
+          </a:xfrm>
+        </p:spPr>
+        <p:txBody>
+          <a:bodyPr/>
+          <a:lstStyle/>
+          <a:p>
+            <a:r>
+              <a:rPr lang="en-NZ" dirty="0"/>
+              <a:t>21% Improvement</a:t>
+            </a:r>
+          </a:p>
+        </p:txBody>
+      </p:sp>
+      <p:sp>
+        <p:nvSpPr>
+          <p:cNvPr id="3" name="Title 2"/>
+          <p:cNvSpPr>
+            <a:spLocks noGrp="1"/>
+          </p:cNvSpPr>
+          <p:nvPr>
+            <p:ph type="title"/>
+          </p:nvPr>
+        </p:nvSpPr>
+        <p:spPr/>
+        <p:txBody>
+          <a:bodyPr/>
+          <a:lstStyle/>
+          <a:p>
+            <a:r>
+              <a:rPr lang="en-NZ" dirty="0"/>
+              <a:t>Performance Comparison</a:t>
+            </a:r>
+          </a:p>
+        </p:txBody>
+      </p:sp>
+      <p:pic>
+        <p:nvPicPr>
+          <p:cNvPr id="4" name="Picture 3">
+            <a:extLst>
+              <a:ext uri="{FF2B5EF4-FFF2-40B4-BE49-F238E27FC236}">
+                <a16:creationId xmlns:a16="http://schemas.microsoft.com/office/drawing/2014/main" id="{39CFFE48-02F4-4ED1-8037-16658E32E8D3}"/>
+              </a:ext>
+            </a:extLst>
+          </p:cNvPr>
+          <p:cNvPicPr>
+            <a:picLocks noChangeAspect="1"/>
+          </p:cNvPicPr>
+          <p:nvPr/>
+        </p:nvPicPr>
+        <p:blipFill rotWithShape="1">
+          <a:blip r:embed="rId2"/>
+          <a:srcRect l="1246"/>
+          <a:stretch/>
+        </p:blipFill>
+        <p:spPr>
+          <a:xfrm>
+            <a:off x="4544111" y="3835527"/>
+            <a:ext cx="4496850" cy="2730637"/>
+          </a:xfrm>
+          <a:prstGeom prst="rect">
+            <a:avLst/>
+          </a:prstGeom>
+        </p:spPr>
+      </p:pic>
+      <p:pic>
+        <p:nvPicPr>
+          <p:cNvPr id="5" name="Picture 4">
+            <a:extLst>
+              <a:ext uri="{FF2B5EF4-FFF2-40B4-BE49-F238E27FC236}">
+                <a16:creationId xmlns:a16="http://schemas.microsoft.com/office/drawing/2014/main" id="{DB7E5434-8586-451B-A83B-E6D5A4C16F16}"/>
+              </a:ext>
+            </a:extLst>
+          </p:cNvPr>
+          <p:cNvPicPr>
+            <a:picLocks noChangeAspect="1"/>
+          </p:cNvPicPr>
+          <p:nvPr/>
+        </p:nvPicPr>
+        <p:blipFill>
+          <a:blip r:embed="rId3"/>
+          <a:stretch>
+            <a:fillRect/>
+          </a:stretch>
+        </p:blipFill>
+        <p:spPr>
+          <a:xfrm>
+            <a:off x="231864" y="1916832"/>
+            <a:ext cx="4553785" cy="2232248"/>
+          </a:xfrm>
+          <a:prstGeom prst="rect">
+            <a:avLst/>
+          </a:prstGeom>
+        </p:spPr>
+      </p:pic>
     </p:spTree>
   </p:cSld>
   <p:clrMapOvr>
@@ -7150,7 +7734,7 @@
           <p:cNvPr id="2" name="Content Placeholder 1">
             <a:extLst>
               <a:ext uri="{FF2B5EF4-FFF2-40B4-BE49-F238E27FC236}">
-                <a16:creationId xmlns:a16="http://schemas.microsoft.com/office/drawing/2014/main" xmlns="" id="{98B83A58-84CA-4E02-82FA-25670C7FACD1}"/>
+                <a16:creationId xmlns:a16="http://schemas.microsoft.com/office/drawing/2014/main" id="{98B83A58-84CA-4E02-82FA-25670C7FACD1}"/>
               </a:ext>
             </a:extLst>
           </p:cNvPr>
@@ -7168,7 +7752,7 @@
           <a:p>
             <a:r>
               <a:rPr lang="en-NZ" dirty="0"/>
-              <a:t>Filter type will be selectable by C code</a:t>
+              <a:t>Filter type/s will be selectable using ID</a:t>
             </a:r>
           </a:p>
           <a:p>
@@ -7232,7 +7816,7 @@
           <p:cNvPr id="3" name="Title 2">
             <a:extLst>
               <a:ext uri="{FF2B5EF4-FFF2-40B4-BE49-F238E27FC236}">
-                <a16:creationId xmlns:a16="http://schemas.microsoft.com/office/drawing/2014/main" xmlns="" id="{0A443042-959B-43C1-9BDC-92AF808F3459}"/>
+                <a16:creationId xmlns:a16="http://schemas.microsoft.com/office/drawing/2014/main" id="{0A443042-959B-43C1-9BDC-92AF808F3459}"/>
               </a:ext>
             </a:extLst>
           </p:cNvPr>
@@ -7250,7 +7834,7 @@
           <a:p>
             <a:r>
               <a:rPr lang="en-NZ" dirty="0"/>
-              <a:t>Extension</a:t>
+              <a:t>Future Work</a:t>
             </a:r>
           </a:p>
         </p:txBody>
@@ -7258,7 +7842,7 @@
     </p:spTree>
     <p:extLst>
       <p:ext uri="{BB962C8B-B14F-4D97-AF65-F5344CB8AC3E}">
-        <p14:creationId xmlns:p14="http://schemas.microsoft.com/office/powerpoint/2010/main" xmlns="" val="844473139"/>
+        <p14:creationId xmlns:p14="http://schemas.microsoft.com/office/powerpoint/2010/main" val="844473139"/>
       </p:ext>
     </p:extLst>
   </p:cSld>
@@ -7551,4 +8135,299 @@
   <a:objectDefaults/>
   <a:extraClrSchemeLst/>
 </a:theme>
+</file>
+
+<file path=ppt/theme/theme2.xml><?xml version="1.0" encoding="utf-8"?>
+<a:theme xmlns:a="http://schemas.openxmlformats.org/drawingml/2006/main" name="Office Theme">
+  <a:themeElements>
+    <a:clrScheme name="Office">
+      <a:dk1>
+        <a:sysClr val="windowText" lastClr="000000"/>
+      </a:dk1>
+      <a:lt1>
+        <a:sysClr val="window" lastClr="FFFFFF"/>
+      </a:lt1>
+      <a:dk2>
+        <a:srgbClr val="44546A"/>
+      </a:dk2>
+      <a:lt2>
+        <a:srgbClr val="E7E6E6"/>
+      </a:lt2>
+      <a:accent1>
+        <a:srgbClr val="4472C4"/>
+      </a:accent1>
+      <a:accent2>
+        <a:srgbClr val="ED7D31"/>
+      </a:accent2>
+      <a:accent3>
+        <a:srgbClr val="A5A5A5"/>
+      </a:accent3>
+      <a:accent4>
+        <a:srgbClr val="FFC000"/>
+      </a:accent4>
+      <a:accent5>
+        <a:srgbClr val="5B9BD5"/>
+      </a:accent5>
+      <a:accent6>
+        <a:srgbClr val="70AD47"/>
+      </a:accent6>
+      <a:hlink>
+        <a:srgbClr val="0563C1"/>
+      </a:hlink>
+      <a:folHlink>
+        <a:srgbClr val="954F72"/>
+      </a:folHlink>
+    </a:clrScheme>
+    <a:fontScheme name="Office">
+      <a:majorFont>
+        <a:latin typeface="Calibri Light" panose="020F0302020204030204"/>
+        <a:ea typeface=""/>
+        <a:cs typeface=""/>
+        <a:font script="Jpan" typeface="游ゴシック Light"/>
+        <a:font script="Hang" typeface="맑은 고딕"/>
+        <a:font script="Hans" typeface="等线 Light"/>
+        <a:font script="Hant" typeface="新細明體"/>
+        <a:font script="Arab" typeface="Times New Roman"/>
+        <a:font script="Hebr" typeface="Times New Roman"/>
+        <a:font script="Thai" typeface="Angsana New"/>
+        <a:font script="Ethi" typeface="Nyala"/>
+        <a:font script="Beng" typeface="Vrinda"/>
+        <a:font script="Gujr" typeface="Shruti"/>
+        <a:font script="Khmr" typeface="MoolBoran"/>
+        <a:font script="Knda" typeface="Tunga"/>
+        <a:font script="Guru" typeface="Raavi"/>
+        <a:font script="Cans" typeface="Euphemia"/>
+        <a:font script="Cher" typeface="Plantagenet Cherokee"/>
+        <a:font script="Yiii" typeface="Microsoft Yi Baiti"/>
+        <a:font script="Tibt" typeface="Microsoft Himalaya"/>
+        <a:font script="Thaa" typeface="MV Boli"/>
+        <a:font script="Deva" typeface="Mangal"/>
+        <a:font script="Telu" typeface="Gautami"/>
+        <a:font script="Taml" typeface="Latha"/>
+        <a:font script="Syrc" typeface="Estrangelo Edessa"/>
+        <a:font script="Orya" typeface="Kalinga"/>
+        <a:font script="Mlym" typeface="Kartika"/>
+        <a:font script="Laoo" typeface="DokChampa"/>
+        <a:font script="Sinh" typeface="Iskoola Pota"/>
+        <a:font script="Mong" typeface="Mongolian Baiti"/>
+        <a:font script="Viet" typeface="Times New Roman"/>
+        <a:font script="Uigh" typeface="Microsoft Uighur"/>
+        <a:font script="Geor" typeface="Sylfaen"/>
+        <a:font script="Armn" typeface="Arial"/>
+        <a:font script="Bugi" typeface="Leelawadee UI"/>
+        <a:font script="Bopo" typeface="Microsoft JhengHei"/>
+        <a:font script="Java" typeface="Javanese Text"/>
+        <a:font script="Lisu" typeface="Segoe UI"/>
+        <a:font script="Mymr" typeface="Myanmar Text"/>
+        <a:font script="Nkoo" typeface="Ebrima"/>
+        <a:font script="Olck" typeface="Nirmala UI"/>
+        <a:font script="Osma" typeface="Ebrima"/>
+        <a:font script="Phag" typeface="Phagspa"/>
+        <a:font script="Syrn" typeface="Estrangelo Edessa"/>
+        <a:font script="Syrj" typeface="Estrangelo Edessa"/>
+        <a:font script="Syre" typeface="Estrangelo Edessa"/>
+        <a:font script="Sora" typeface="Nirmala UI"/>
+        <a:font script="Tale" typeface="Microsoft Tai Le"/>
+        <a:font script="Talu" typeface="Microsoft New Tai Lue"/>
+        <a:font script="Tfng" typeface="Ebrima"/>
+      </a:majorFont>
+      <a:minorFont>
+        <a:latin typeface="Calibri" panose="020F0502020204030204"/>
+        <a:ea typeface=""/>
+        <a:cs typeface=""/>
+        <a:font script="Jpan" typeface="游ゴシック"/>
+        <a:font script="Hang" typeface="맑은 고딕"/>
+        <a:font script="Hans" typeface="等线"/>
+        <a:font script="Hant" typeface="新細明體"/>
+        <a:font script="Arab" typeface="Arial"/>
+        <a:font script="Hebr" typeface="Arial"/>
+        <a:font script="Thai" typeface="Cordia New"/>
+        <a:font script="Ethi" typeface="Nyala"/>
+        <a:font script="Beng" typeface="Vrinda"/>
+        <a:font script="Gujr" typeface="Shruti"/>
+        <a:font script="Khmr" typeface="DaunPenh"/>
+        <a:font script="Knda" typeface="Tunga"/>
+        <a:font script="Guru" typeface="Raavi"/>
+        <a:font script="Cans" typeface="Euphemia"/>
+        <a:font script="Cher" typeface="Plantagenet Cherokee"/>
+        <a:font script="Yiii" typeface="Microsoft Yi Baiti"/>
+        <a:font script="Tibt" typeface="Microsoft Himalaya"/>
+        <a:font script="Thaa" typeface="MV Boli"/>
+        <a:font script="Deva" typeface="Mangal"/>
+        <a:font script="Telu" typeface="Gautami"/>
+        <a:font script="Taml" typeface="Latha"/>
+        <a:font script="Syrc" typeface="Estrangelo Edessa"/>
+        <a:font script="Orya" typeface="Kalinga"/>
+        <a:font script="Mlym" typeface="Kartika"/>
+        <a:font script="Laoo" typeface="DokChampa"/>
+        <a:font script="Sinh" typeface="Iskoola Pota"/>
+        <a:font script="Mong" typeface="Mongolian Baiti"/>
+        <a:font script="Viet" typeface="Arial"/>
+        <a:font script="Uigh" typeface="Microsoft Uighur"/>
+        <a:font script="Geor" typeface="Sylfaen"/>
+        <a:font script="Armn" typeface="Arial"/>
+        <a:font script="Bugi" typeface="Leelawadee UI"/>
+        <a:font script="Bopo" typeface="Microsoft JhengHei"/>
+        <a:font script="Java" typeface="Javanese Text"/>
+        <a:font script="Lisu" typeface="Segoe UI"/>
+        <a:font script="Mymr" typeface="Myanmar Text"/>
+        <a:font script="Nkoo" typeface="Ebrima"/>
+        <a:font script="Olck" typeface="Nirmala UI"/>
+        <a:font script="Osma" typeface="Ebrima"/>
+        <a:font script="Phag" typeface="Phagspa"/>
+        <a:font script="Syrn" typeface="Estrangelo Edessa"/>
+        <a:font script="Syrj" typeface="Estrangelo Edessa"/>
+        <a:font script="Syre" typeface="Estrangelo Edessa"/>
+        <a:font script="Sora" typeface="Nirmala UI"/>
+        <a:font script="Tale" typeface="Microsoft Tai Le"/>
+        <a:font script="Talu" typeface="Microsoft New Tai Lue"/>
+        <a:font script="Tfng" typeface="Ebrima"/>
+      </a:minorFont>
+    </a:fontScheme>
+    <a:fmtScheme name="Office">
+      <a:fillStyleLst>
+        <a:solidFill>
+          <a:schemeClr val="phClr"/>
+        </a:solidFill>
+        <a:gradFill rotWithShape="1">
+          <a:gsLst>
+            <a:gs pos="0">
+              <a:schemeClr val="phClr">
+                <a:lumMod val="110000"/>
+                <a:satMod val="105000"/>
+                <a:tint val="67000"/>
+              </a:schemeClr>
+            </a:gs>
+            <a:gs pos="50000">
+              <a:schemeClr val="phClr">
+                <a:lumMod val="105000"/>
+                <a:satMod val="103000"/>
+                <a:tint val="73000"/>
+              </a:schemeClr>
+            </a:gs>
+            <a:gs pos="100000">
+              <a:schemeClr val="phClr">
+                <a:lumMod val="105000"/>
+                <a:satMod val="109000"/>
+                <a:tint val="81000"/>
+              </a:schemeClr>
+            </a:gs>
+          </a:gsLst>
+          <a:lin ang="5400000" scaled="0"/>
+        </a:gradFill>
+        <a:gradFill rotWithShape="1">
+          <a:gsLst>
+            <a:gs pos="0">
+              <a:schemeClr val="phClr">
+                <a:satMod val="103000"/>
+                <a:lumMod val="102000"/>
+                <a:tint val="94000"/>
+              </a:schemeClr>
+            </a:gs>
+            <a:gs pos="50000">
+              <a:schemeClr val="phClr">
+                <a:satMod val="110000"/>
+                <a:lumMod val="100000"/>
+                <a:shade val="100000"/>
+              </a:schemeClr>
+            </a:gs>
+            <a:gs pos="100000">
+              <a:schemeClr val="phClr">
+                <a:lumMod val="99000"/>
+                <a:satMod val="120000"/>
+                <a:shade val="78000"/>
+              </a:schemeClr>
+            </a:gs>
+          </a:gsLst>
+          <a:lin ang="5400000" scaled="0"/>
+        </a:gradFill>
+      </a:fillStyleLst>
+      <a:lnStyleLst>
+        <a:ln w="6350" cap="flat" cmpd="sng" algn="ctr">
+          <a:solidFill>
+            <a:schemeClr val="phClr"/>
+          </a:solidFill>
+          <a:prstDash val="solid"/>
+          <a:miter lim="800000"/>
+        </a:ln>
+        <a:ln w="12700" cap="flat" cmpd="sng" algn="ctr">
+          <a:solidFill>
+            <a:schemeClr val="phClr"/>
+          </a:solidFill>
+          <a:prstDash val="solid"/>
+          <a:miter lim="800000"/>
+        </a:ln>
+        <a:ln w="19050" cap="flat" cmpd="sng" algn="ctr">
+          <a:solidFill>
+            <a:schemeClr val="phClr"/>
+          </a:solidFill>
+          <a:prstDash val="solid"/>
+          <a:miter lim="800000"/>
+        </a:ln>
+      </a:lnStyleLst>
+      <a:effectStyleLst>
+        <a:effectStyle>
+          <a:effectLst/>
+        </a:effectStyle>
+        <a:effectStyle>
+          <a:effectLst/>
+        </a:effectStyle>
+        <a:effectStyle>
+          <a:effectLst>
+            <a:outerShdw blurRad="57150" dist="19050" dir="5400000" algn="ctr" rotWithShape="0">
+              <a:srgbClr val="000000">
+                <a:alpha val="63000"/>
+              </a:srgbClr>
+            </a:outerShdw>
+          </a:effectLst>
+        </a:effectStyle>
+      </a:effectStyleLst>
+      <a:bgFillStyleLst>
+        <a:solidFill>
+          <a:schemeClr val="phClr"/>
+        </a:solidFill>
+        <a:solidFill>
+          <a:schemeClr val="phClr">
+            <a:tint val="95000"/>
+            <a:satMod val="170000"/>
+          </a:schemeClr>
+        </a:solidFill>
+        <a:gradFill rotWithShape="1">
+          <a:gsLst>
+            <a:gs pos="0">
+              <a:schemeClr val="phClr">
+                <a:tint val="93000"/>
+                <a:satMod val="150000"/>
+                <a:shade val="98000"/>
+                <a:lumMod val="102000"/>
+              </a:schemeClr>
+            </a:gs>
+            <a:gs pos="50000">
+              <a:schemeClr val="phClr">
+                <a:tint val="98000"/>
+                <a:satMod val="130000"/>
+                <a:shade val="90000"/>
+                <a:lumMod val="103000"/>
+              </a:schemeClr>
+            </a:gs>
+            <a:gs pos="100000">
+              <a:schemeClr val="phClr">
+                <a:shade val="63000"/>
+                <a:satMod val="120000"/>
+              </a:schemeClr>
+            </a:gs>
+          </a:gsLst>
+          <a:lin ang="5400000" scaled="0"/>
+        </a:gradFill>
+      </a:bgFillStyleLst>
+    </a:fmtScheme>
+  </a:themeElements>
+  <a:objectDefaults/>
+  <a:extraClrSchemeLst/>
+  <a:extLst>
+    <a:ext uri="{05A4C25C-085E-4340-85A3-A5531E510DB2}">
+      <thm15:themeFamily xmlns:thm15="http://schemas.microsoft.com/office/thememl/2012/main" name="Office Theme" id="{62F939B6-93AF-4DB8-9C6B-D6C7DFDC589F}" vid="{4A3C46E8-61CC-4603-A589-7422A47A8E4A}"/>
+    </a:ext>
+  </a:extLst>
+</a:theme>
 </file>
--- a/documentation/Phase2.pptx
+++ b/documentation/Phase2.pptx
@@ -117,7 +117,7 @@
   </p:defaultTextStyle>
   <p:extLst>
     <p:ext uri="{EFAFB233-063F-42B5-8137-9DF3F51BA10A}">
-      <p15:sldGuideLst xmlns:p15="http://schemas.microsoft.com/office/powerpoint/2012/main">
+      <p15:sldGuideLst xmlns:p15="http://schemas.microsoft.com/office/powerpoint/2012/main" xmlns="">
         <p15:guide id="1" orient="horz" pos="2160">
           <p15:clr>
             <a:srgbClr val="A4A3A4"/>
@@ -220,7 +220,8 @@
           <a:p>
             <a:fld id="{61CE3006-EDA6-47CF-991F-682241BC2761}" type="datetimeFigureOut">
               <a:rPr lang="en-NZ" smtClean="0"/>
-              <a:t>9/05/2018</a:t>
+              <a:pPr/>
+              <a:t>10/05/2018</a:t>
             </a:fld>
             <a:endParaRPr lang="en-NZ"/>
           </a:p>
@@ -379,6 +380,7 @@
           <a:p>
             <a:fld id="{82762D3C-8831-450F-BB95-DC27521811D1}" type="slidenum">
               <a:rPr lang="en-NZ" smtClean="0"/>
+              <a:pPr/>
               <a:t>‹#›</a:t>
             </a:fld>
             <a:endParaRPr lang="en-NZ"/>
@@ -388,7 +390,7 @@
     </p:spTree>
     <p:extLst>
       <p:ext uri="{BB962C8B-B14F-4D97-AF65-F5344CB8AC3E}">
-        <p14:creationId xmlns:p14="http://schemas.microsoft.com/office/powerpoint/2010/main" val="1702445391"/>
+        <p14:creationId xmlns:p14="http://schemas.microsoft.com/office/powerpoint/2010/main" xmlns="" val="1702445391"/>
       </p:ext>
     </p:extLst>
   </p:cSld>
@@ -553,6 +555,7 @@
           <a:p>
             <a:fld id="{82762D3C-8831-450F-BB95-DC27521811D1}" type="slidenum">
               <a:rPr lang="en-NZ" smtClean="0"/>
+              <a:pPr/>
               <a:t>9</a:t>
             </a:fld>
             <a:endParaRPr lang="en-NZ"/>
@@ -562,7 +565,7 @@
     </p:spTree>
     <p:extLst>
       <p:ext uri="{BB962C8B-B14F-4D97-AF65-F5344CB8AC3E}">
-        <p14:creationId xmlns:p14="http://schemas.microsoft.com/office/powerpoint/2010/main" val="1737993360"/>
+        <p14:creationId xmlns:p14="http://schemas.microsoft.com/office/powerpoint/2010/main" xmlns="" val="1737993360"/>
       </p:ext>
     </p:extLst>
   </p:cSld>
@@ -1188,7 +1191,7 @@
             <a:fld id="{D5B6FE0E-E995-460A-817B-0AD9FDC1D6FC}" type="datetimeFigureOut">
               <a:rPr lang="en-NZ" smtClean="0"/>
               <a:pPr/>
-              <a:t>9/05/2018</a:t>
+              <a:t>10/05/2018</a:t>
             </a:fld>
             <a:endParaRPr lang="en-NZ"/>
           </a:p>
@@ -1379,7 +1382,7 @@
             <a:fld id="{D5B6FE0E-E995-460A-817B-0AD9FDC1D6FC}" type="datetimeFigureOut">
               <a:rPr lang="en-NZ" smtClean="0"/>
               <a:pPr/>
-              <a:t>9/05/2018</a:t>
+              <a:t>10/05/2018</a:t>
             </a:fld>
             <a:endParaRPr lang="en-NZ"/>
           </a:p>
@@ -1555,7 +1558,7 @@
             <a:fld id="{D5B6FE0E-E995-460A-817B-0AD9FDC1D6FC}" type="datetimeFigureOut">
               <a:rPr lang="en-NZ" smtClean="0"/>
               <a:pPr/>
-              <a:t>9/05/2018</a:t>
+              <a:t>10/05/2018</a:t>
             </a:fld>
             <a:endParaRPr lang="en-NZ"/>
           </a:p>
@@ -1699,7 +1702,7 @@
             <a:fld id="{D5B6FE0E-E995-460A-817B-0AD9FDC1D6FC}" type="datetimeFigureOut">
               <a:rPr lang="en-NZ" smtClean="0"/>
               <a:pPr/>
-              <a:t>9/05/2018</a:t>
+              <a:t>10/05/2018</a:t>
             </a:fld>
             <a:endParaRPr lang="en-NZ"/>
           </a:p>
@@ -1946,7 +1949,7 @@
             <a:fld id="{D5B6FE0E-E995-460A-817B-0AD9FDC1D6FC}" type="datetimeFigureOut">
               <a:rPr lang="en-NZ" smtClean="0"/>
               <a:pPr/>
-              <a:t>9/05/2018</a:t>
+              <a:t>10/05/2018</a:t>
             </a:fld>
             <a:endParaRPr lang="en-NZ"/>
           </a:p>
@@ -2347,7 +2350,7 @@
             <a:fld id="{D5B6FE0E-E995-460A-817B-0AD9FDC1D6FC}" type="datetimeFigureOut">
               <a:rPr lang="en-NZ" smtClean="0"/>
               <a:pPr/>
-              <a:t>9/05/2018</a:t>
+              <a:t>10/05/2018</a:t>
             </a:fld>
             <a:endParaRPr lang="en-NZ"/>
           </a:p>
@@ -2785,7 +2788,7 @@
             <a:fld id="{D5B6FE0E-E995-460A-817B-0AD9FDC1D6FC}" type="datetimeFigureOut">
               <a:rPr lang="en-NZ" smtClean="0"/>
               <a:pPr/>
-              <a:t>9/05/2018</a:t>
+              <a:t>10/05/2018</a:t>
             </a:fld>
             <a:endParaRPr lang="en-NZ"/>
           </a:p>
@@ -2882,7 +2885,7 @@
             <a:fld id="{D5B6FE0E-E995-460A-817B-0AD9FDC1D6FC}" type="datetimeFigureOut">
               <a:rPr lang="en-NZ" smtClean="0"/>
               <a:pPr/>
-              <a:t>9/05/2018</a:t>
+              <a:t>10/05/2018</a:t>
             </a:fld>
             <a:endParaRPr lang="en-NZ"/>
           </a:p>
@@ -2996,7 +2999,7 @@
             <a:fld id="{D5B6FE0E-E995-460A-817B-0AD9FDC1D6FC}" type="datetimeFigureOut">
               <a:rPr lang="en-NZ" smtClean="0"/>
               <a:pPr/>
-              <a:t>9/05/2018</a:t>
+              <a:t>10/05/2018</a:t>
             </a:fld>
             <a:endParaRPr lang="en-NZ"/>
           </a:p>
@@ -3265,7 +3268,7 @@
             <a:fld id="{D5B6FE0E-E995-460A-817B-0AD9FDC1D6FC}" type="datetimeFigureOut">
               <a:rPr lang="en-NZ" smtClean="0"/>
               <a:pPr/>
-              <a:t>9/05/2018</a:t>
+              <a:t>10/05/2018</a:t>
             </a:fld>
             <a:endParaRPr lang="en-NZ"/>
           </a:p>
@@ -3468,7 +3471,7 @@
             <a:fld id="{D5B6FE0E-E995-460A-817B-0AD9FDC1D6FC}" type="datetimeFigureOut">
               <a:rPr lang="en-NZ" smtClean="0"/>
               <a:pPr/>
-              <a:t>9/05/2018</a:t>
+              <a:t>10/05/2018</a:t>
             </a:fld>
             <a:endParaRPr lang="en-NZ"/>
           </a:p>
@@ -4556,7 +4559,7 @@
             <a:fld id="{D5B6FE0E-E995-460A-817B-0AD9FDC1D6FC}" type="datetimeFigureOut">
               <a:rPr lang="en-NZ" smtClean="0"/>
               <a:pPr/>
-              <a:t>9/05/2018</a:t>
+              <a:t>10/05/2018</a:t>
             </a:fld>
             <a:endParaRPr lang="en-NZ"/>
           </a:p>
@@ -4948,7 +4951,7 @@
 </file>
 
 <file path=ppt/slides/slide1.xml><?xml version="1.0" encoding="utf-8"?>
-<p:sld xmlns:a="http://schemas.openxmlformats.org/drawingml/2006/main" xmlns:r="http://schemas.openxmlformats.org/officeDocument/2006/relationships" xmlns:p="http://schemas.openxmlformats.org/presentationml/2006/main">
+<p:sld xmlns:a="http://schemas.openxmlformats.org/drawingml/2006/main" xmlns:r="http://schemas.openxmlformats.org/officeDocument/2006/relationships" xmlns:p="http://schemas.openxmlformats.org/presentationml/2006/main" show="0">
   <p:cSld>
     <p:spTree>
       <p:nvGrpSpPr>
@@ -5198,11 +5201,19 @@
   <p:clrMapOvr>
     <a:masterClrMapping/>
   </p:clrMapOvr>
+  <p:transition/>
+  <p:timing>
+    <p:tnLst>
+      <p:par>
+        <p:cTn id="1" dur="indefinite" restart="never" nodeType="tmRoot"/>
+      </p:par>
+    </p:tnLst>
+  </p:timing>
 </p:sld>
 </file>
 
 <file path=ppt/slides/slide2.xml><?xml version="1.0" encoding="utf-8"?>
-<p:sld xmlns:a="http://schemas.openxmlformats.org/drawingml/2006/main" xmlns:r="http://schemas.openxmlformats.org/officeDocument/2006/relationships" xmlns:p="http://schemas.openxmlformats.org/presentationml/2006/main">
+<p:sld xmlns:a="http://schemas.openxmlformats.org/drawingml/2006/main" xmlns:r="http://schemas.openxmlformats.org/officeDocument/2006/relationships" xmlns:p="http://schemas.openxmlformats.org/presentationml/2006/main" show="0">
   <p:cSld>
     <p:spTree>
       <p:nvGrpSpPr>
@@ -5364,6 +5375,14 @@
   <p:clrMapOvr>
     <a:masterClrMapping/>
   </p:clrMapOvr>
+  <p:transition/>
+  <p:timing>
+    <p:tnLst>
+      <p:par>
+        <p:cTn id="1" dur="indefinite" restart="never" nodeType="tmRoot"/>
+      </p:par>
+    </p:tnLst>
+  </p:timing>
 </p:sld>
 </file>
 
@@ -5448,6 +5467,13 @@
   <p:clrMapOvr>
     <a:masterClrMapping/>
   </p:clrMapOvr>
+  <p:timing>
+    <p:tnLst>
+      <p:par>
+        <p:cTn id="1" dur="indefinite" restart="never" nodeType="tmRoot"/>
+      </p:par>
+    </p:tnLst>
+  </p:timing>
 </p:sld>
 </file>
 
@@ -5578,6 +5604,13 @@
   <p:clrMapOvr>
     <a:masterClrMapping/>
   </p:clrMapOvr>
+  <p:timing>
+    <p:tnLst>
+      <p:par>
+        <p:cTn id="1" dur="indefinite" restart="never" nodeType="tmRoot"/>
+      </p:par>
+    </p:tnLst>
+  </p:timing>
 </p:sld>
 </file>
 
@@ -5634,7 +5667,7 @@
           <a:blip r:embed="rId2" cstate="print">
             <a:extLst>
               <a:ext uri="{28A0092B-C50C-407E-A947-70E740481C1C}">
-                <a14:useLocalDpi xmlns:a14="http://schemas.microsoft.com/office/drawing/2010/main" val="0"/>
+                <a14:useLocalDpi xmlns:a14="http://schemas.microsoft.com/office/drawing/2010/main" xmlns="" val="0"/>
               </a:ext>
             </a:extLst>
           </a:blip>
@@ -5661,7 +5694,7 @@
           <a:blip r:embed="rId3" cstate="print">
             <a:extLst>
               <a:ext uri="{28A0092B-C50C-407E-A947-70E740481C1C}">
-                <a14:useLocalDpi xmlns:a14="http://schemas.microsoft.com/office/drawing/2010/main" val="0"/>
+                <a14:useLocalDpi xmlns:a14="http://schemas.microsoft.com/office/drawing/2010/main" xmlns="" val="0"/>
               </a:ext>
             </a:extLst>
           </a:blip>
@@ -5691,7 +5724,7 @@
           <a:blip r:embed="rId4" cstate="print">
             <a:extLst>
               <a:ext uri="{28A0092B-C50C-407E-A947-70E740481C1C}">
-                <a14:useLocalDpi xmlns:a14="http://schemas.microsoft.com/office/drawing/2010/main" val="0"/>
+                <a14:useLocalDpi xmlns:a14="http://schemas.microsoft.com/office/drawing/2010/main" xmlns="" val="0"/>
               </a:ext>
             </a:extLst>
           </a:blip>
@@ -5714,7 +5747,7 @@
           <p:cNvPr id="8" name="Content Placeholder 1">
             <a:extLst>
               <a:ext uri="{FF2B5EF4-FFF2-40B4-BE49-F238E27FC236}">
-                <a16:creationId xmlns:a16="http://schemas.microsoft.com/office/drawing/2014/main" id="{26C63CB9-BBF0-4F24-BCB2-3A37876DFE5E}"/>
+                <a16:creationId xmlns:a16="http://schemas.microsoft.com/office/drawing/2014/main" xmlns="" id="{26C63CB9-BBF0-4F24-BCB2-3A37876DFE5E}"/>
               </a:ext>
             </a:extLst>
           </p:cNvPr>
@@ -5970,6 +6003,13 @@
   <p:clrMapOvr>
     <a:masterClrMapping/>
   </p:clrMapOvr>
+  <p:timing>
+    <p:tnLst>
+      <p:par>
+        <p:cTn id="1" dur="indefinite" restart="never" nodeType="tmRoot"/>
+      </p:par>
+    </p:tnLst>
+  </p:timing>
 </p:sld>
 </file>
 
@@ -6069,6 +6109,13 @@
   <p:clrMapOvr>
     <a:masterClrMapping/>
   </p:clrMapOvr>
+  <p:timing>
+    <p:tnLst>
+      <p:par>
+        <p:cTn id="1" dur="indefinite" restart="never" nodeType="tmRoot"/>
+      </p:par>
+    </p:tnLst>
+  </p:timing>
 </p:sld>
 </file>
 
@@ -6113,21 +6160,21 @@
                 <a:gridCol w="725805">
                   <a:extLst>
                     <a:ext uri="{9D8B030D-6E8A-4147-A177-3AD203B41FA5}">
-                      <a16:colId xmlns:a16="http://schemas.microsoft.com/office/drawing/2014/main" val="20000"/>
+                      <a16:colId xmlns:a16="http://schemas.microsoft.com/office/drawing/2014/main" xmlns="" val="20000"/>
                     </a:ext>
                   </a:extLst>
                 </a:gridCol>
                 <a:gridCol w="725805">
                   <a:extLst>
                     <a:ext uri="{9D8B030D-6E8A-4147-A177-3AD203B41FA5}">
-                      <a16:colId xmlns:a16="http://schemas.microsoft.com/office/drawing/2014/main" val="20001"/>
+                      <a16:colId xmlns:a16="http://schemas.microsoft.com/office/drawing/2014/main" xmlns="" val="20001"/>
                     </a:ext>
                   </a:extLst>
                 </a:gridCol>
                 <a:gridCol w="725805">
                   <a:extLst>
                     <a:ext uri="{9D8B030D-6E8A-4147-A177-3AD203B41FA5}">
-                      <a16:colId xmlns:a16="http://schemas.microsoft.com/office/drawing/2014/main" val="20002"/>
+                      <a16:colId xmlns:a16="http://schemas.microsoft.com/office/drawing/2014/main" xmlns="" val="20002"/>
                     </a:ext>
                   </a:extLst>
                 </a:gridCol>
@@ -6208,7 +6255,7 @@
                 </a:tc>
                 <a:extLst>
                   <a:ext uri="{0D108BD9-81ED-4DB2-BD59-A6C34878D82A}">
-                    <a16:rowId xmlns:a16="http://schemas.microsoft.com/office/drawing/2014/main" val="10000"/>
+                    <a16:rowId xmlns:a16="http://schemas.microsoft.com/office/drawing/2014/main" xmlns="" val="10000"/>
                   </a:ext>
                 </a:extLst>
               </a:tr>
@@ -6305,7 +6352,7 @@
                 </a:tc>
                 <a:extLst>
                   <a:ext uri="{0D108BD9-81ED-4DB2-BD59-A6C34878D82A}">
-                    <a16:rowId xmlns:a16="http://schemas.microsoft.com/office/drawing/2014/main" val="10001"/>
+                    <a16:rowId xmlns:a16="http://schemas.microsoft.com/office/drawing/2014/main" xmlns="" val="10001"/>
                   </a:ext>
                 </a:extLst>
               </a:tr>
@@ -6402,7 +6449,7 @@
                 </a:tc>
                 <a:extLst>
                   <a:ext uri="{0D108BD9-81ED-4DB2-BD59-A6C34878D82A}">
-                    <a16:rowId xmlns:a16="http://schemas.microsoft.com/office/drawing/2014/main" val="10002"/>
+                    <a16:rowId xmlns:a16="http://schemas.microsoft.com/office/drawing/2014/main" xmlns="" val="10002"/>
                   </a:ext>
                 </a:extLst>
               </a:tr>
@@ -7576,6 +7623,171 @@
   <p:clrMapOvr>
     <a:masterClrMapping/>
   </p:clrMapOvr>
+  <p:timing>
+    <p:tnLst>
+      <p:par>
+        <p:cTn id="1" dur="indefinite" restart="never" nodeType="tmRoot">
+          <p:childTnLst>
+            <p:seq concurrent="1" nextAc="seek">
+              <p:cTn id="2" dur="indefinite" nodeType="mainSeq">
+                <p:childTnLst>
+                  <p:par>
+                    <p:cTn id="3" fill="hold">
+                      <p:stCondLst>
+                        <p:cond delay="indefinite"/>
+                      </p:stCondLst>
+                      <p:childTnLst>
+                        <p:par>
+                          <p:cTn id="4" fill="hold">
+                            <p:stCondLst>
+                              <p:cond delay="0"/>
+                            </p:stCondLst>
+                            <p:childTnLst>
+                              <p:par>
+                                <p:cTn id="5" presetID="1" presetClass="entr" presetSubtype="0" fill="hold" nodeType="clickEffect">
+                                  <p:stCondLst>
+                                    <p:cond delay="0"/>
+                                  </p:stCondLst>
+                                  <p:childTnLst>
+                                    <p:set>
+                                      <p:cBhvr>
+                                        <p:cTn id="6" dur="1" fill="hold">
+                                          <p:stCondLst>
+                                            <p:cond delay="0"/>
+                                          </p:stCondLst>
+                                        </p:cTn>
+                                        <p:tgtEl>
+                                          <p:spTgt spid="13"/>
+                                        </p:tgtEl>
+                                        <p:attrNameLst>
+                                          <p:attrName>style.visibility</p:attrName>
+                                        </p:attrNameLst>
+                                      </p:cBhvr>
+                                      <p:to>
+                                        <p:strVal val="visible"/>
+                                      </p:to>
+                                    </p:set>
+                                  </p:childTnLst>
+                                </p:cTn>
+                              </p:par>
+                            </p:childTnLst>
+                          </p:cTn>
+                        </p:par>
+                      </p:childTnLst>
+                    </p:cTn>
+                  </p:par>
+                  <p:par>
+                    <p:cTn id="7" fill="hold">
+                      <p:stCondLst>
+                        <p:cond delay="indefinite"/>
+                      </p:stCondLst>
+                      <p:childTnLst>
+                        <p:par>
+                          <p:cTn id="8" fill="hold">
+                            <p:stCondLst>
+                              <p:cond delay="0"/>
+                            </p:stCondLst>
+                            <p:childTnLst>
+                              <p:par>
+                                <p:cTn id="9" presetID="1" presetClass="entr" presetSubtype="0" fill="hold" nodeType="clickEffect">
+                                  <p:stCondLst>
+                                    <p:cond delay="0"/>
+                                  </p:stCondLst>
+                                  <p:childTnLst>
+                                    <p:set>
+                                      <p:cBhvr>
+                                        <p:cTn id="10" dur="1" fill="hold">
+                                          <p:stCondLst>
+                                            <p:cond delay="0"/>
+                                          </p:stCondLst>
+                                        </p:cTn>
+                                        <p:tgtEl>
+                                          <p:spTgt spid="14"/>
+                                        </p:tgtEl>
+                                        <p:attrNameLst>
+                                          <p:attrName>style.visibility</p:attrName>
+                                        </p:attrNameLst>
+                                      </p:cBhvr>
+                                      <p:to>
+                                        <p:strVal val="visible"/>
+                                      </p:to>
+                                    </p:set>
+                                  </p:childTnLst>
+                                </p:cTn>
+                              </p:par>
+                            </p:childTnLst>
+                          </p:cTn>
+                        </p:par>
+                      </p:childTnLst>
+                    </p:cTn>
+                  </p:par>
+                  <p:par>
+                    <p:cTn id="11" fill="hold">
+                      <p:stCondLst>
+                        <p:cond delay="indefinite"/>
+                      </p:stCondLst>
+                      <p:childTnLst>
+                        <p:par>
+                          <p:cTn id="12" fill="hold">
+                            <p:stCondLst>
+                              <p:cond delay="0"/>
+                            </p:stCondLst>
+                            <p:childTnLst>
+                              <p:par>
+                                <p:cTn id="13" presetID="1" presetClass="entr" presetSubtype="0" fill="hold" nodeType="clickEffect">
+                                  <p:stCondLst>
+                                    <p:cond delay="0"/>
+                                  </p:stCondLst>
+                                  <p:childTnLst>
+                                    <p:set>
+                                      <p:cBhvr>
+                                        <p:cTn id="14" dur="1" fill="hold">
+                                          <p:stCondLst>
+                                            <p:cond delay="0"/>
+                                          </p:stCondLst>
+                                        </p:cTn>
+                                        <p:tgtEl>
+                                          <p:spTgt spid="18"/>
+                                        </p:tgtEl>
+                                        <p:attrNameLst>
+                                          <p:attrName>style.visibility</p:attrName>
+                                        </p:attrNameLst>
+                                      </p:cBhvr>
+                                      <p:to>
+                                        <p:strVal val="visible"/>
+                                      </p:to>
+                                    </p:set>
+                                  </p:childTnLst>
+                                </p:cTn>
+                              </p:par>
+                            </p:childTnLst>
+                          </p:cTn>
+                        </p:par>
+                      </p:childTnLst>
+                    </p:cTn>
+                  </p:par>
+                </p:childTnLst>
+              </p:cTn>
+              <p:prevCondLst>
+                <p:cond evt="onPrev" delay="0">
+                  <p:tgtEl>
+                    <p:sldTgt/>
+                  </p:tgtEl>
+                </p:cond>
+              </p:prevCondLst>
+              <p:nextCondLst>
+                <p:cond evt="onNext" delay="0">
+                  <p:tgtEl>
+                    <p:sldTgt/>
+                  </p:tgtEl>
+                </p:cond>
+              </p:nextCondLst>
+            </p:seq>
+          </p:childTnLst>
+        </p:cTn>
+      </p:par>
+    </p:tnLst>
+  </p:timing>
 </p:sld>
 </file>
 
@@ -7650,7 +7862,7 @@
           <p:cNvPr id="4" name="Picture 3">
             <a:extLst>
               <a:ext uri="{FF2B5EF4-FFF2-40B4-BE49-F238E27FC236}">
-                <a16:creationId xmlns:a16="http://schemas.microsoft.com/office/drawing/2014/main" id="{39CFFE48-02F4-4ED1-8037-16658E32E8D3}"/>
+                <a16:creationId xmlns:a16="http://schemas.microsoft.com/office/drawing/2014/main" xmlns="" id="{39CFFE48-02F4-4ED1-8037-16658E32E8D3}"/>
               </a:ext>
             </a:extLst>
           </p:cNvPr>
@@ -7660,7 +7872,7 @@
           <p:nvPr/>
         </p:nvPicPr>
         <p:blipFill rotWithShape="1">
-          <a:blip r:embed="rId2"/>
+          <a:blip r:embed="rId2" cstate="print"/>
           <a:srcRect l="1246"/>
           <a:stretch/>
         </p:blipFill>
@@ -7679,7 +7891,7 @@
           <p:cNvPr id="5" name="Picture 4">
             <a:extLst>
               <a:ext uri="{FF2B5EF4-FFF2-40B4-BE49-F238E27FC236}">
-                <a16:creationId xmlns:a16="http://schemas.microsoft.com/office/drawing/2014/main" id="{DB7E5434-8586-451B-A83B-E6D5A4C16F16}"/>
+                <a16:creationId xmlns:a16="http://schemas.microsoft.com/office/drawing/2014/main" xmlns="" id="{DB7E5434-8586-451B-A83B-E6D5A4C16F16}"/>
               </a:ext>
             </a:extLst>
           </p:cNvPr>
@@ -7689,7 +7901,7 @@
           <p:nvPr/>
         </p:nvPicPr>
         <p:blipFill>
-          <a:blip r:embed="rId3"/>
+          <a:blip r:embed="rId3" cstate="print"/>
           <a:stretch>
             <a:fillRect/>
           </a:stretch>
@@ -7709,6 +7921,13 @@
   <p:clrMapOvr>
     <a:masterClrMapping/>
   </p:clrMapOvr>
+  <p:timing>
+    <p:tnLst>
+      <p:par>
+        <p:cTn id="1" dur="indefinite" restart="never" nodeType="tmRoot"/>
+      </p:par>
+    </p:tnLst>
+  </p:timing>
 </p:sld>
 </file>
 
@@ -7734,7 +7953,7 @@
           <p:cNvPr id="2" name="Content Placeholder 1">
             <a:extLst>
               <a:ext uri="{FF2B5EF4-FFF2-40B4-BE49-F238E27FC236}">
-                <a16:creationId xmlns:a16="http://schemas.microsoft.com/office/drawing/2014/main" id="{98B83A58-84CA-4E02-82FA-25670C7FACD1}"/>
+                <a16:creationId xmlns:a16="http://schemas.microsoft.com/office/drawing/2014/main" xmlns="" id="{98B83A58-84CA-4E02-82FA-25670C7FACD1}"/>
               </a:ext>
             </a:extLst>
           </p:cNvPr>
@@ -7816,7 +8035,7 @@
           <p:cNvPr id="3" name="Title 2">
             <a:extLst>
               <a:ext uri="{FF2B5EF4-FFF2-40B4-BE49-F238E27FC236}">
-                <a16:creationId xmlns:a16="http://schemas.microsoft.com/office/drawing/2014/main" id="{0A443042-959B-43C1-9BDC-92AF808F3459}"/>
+                <a16:creationId xmlns:a16="http://schemas.microsoft.com/office/drawing/2014/main" xmlns="" id="{0A443042-959B-43C1-9BDC-92AF808F3459}"/>
               </a:ext>
             </a:extLst>
           </p:cNvPr>
@@ -7842,13 +8061,20 @@
     </p:spTree>
     <p:extLst>
       <p:ext uri="{BB962C8B-B14F-4D97-AF65-F5344CB8AC3E}">
-        <p14:creationId xmlns:p14="http://schemas.microsoft.com/office/powerpoint/2010/main" val="844473139"/>
+        <p14:creationId xmlns:p14="http://schemas.microsoft.com/office/powerpoint/2010/main" xmlns="" val="844473139"/>
       </p:ext>
     </p:extLst>
   </p:cSld>
   <p:clrMapOvr>
     <a:masterClrMapping/>
   </p:clrMapOvr>
+  <p:timing>
+    <p:tnLst>
+      <p:par>
+        <p:cTn id="1" dur="indefinite" restart="never" nodeType="tmRoot"/>
+      </p:par>
+    </p:tnLst>
+  </p:timing>
 </p:sld>
 </file>
 
@@ -8180,7 +8406,7 @@
     </a:clrScheme>
     <a:fontScheme name="Office">
       <a:majorFont>
-        <a:latin typeface="Calibri Light" panose="020F0302020204030204"/>
+        <a:latin typeface="Calibri Light"/>
         <a:ea typeface=""/>
         <a:cs typeface=""/>
         <a:font script="Jpan" typeface="游ゴシック Light"/>
@@ -8232,7 +8458,7 @@
         <a:font script="Tfng" typeface="Ebrima"/>
       </a:majorFont>
       <a:minorFont>
-        <a:latin typeface="Calibri" panose="020F0502020204030204"/>
+        <a:latin typeface="Calibri"/>
         <a:ea typeface=""/>
         <a:cs typeface=""/>
         <a:font script="Jpan" typeface="游ゴシック"/>
@@ -8426,7 +8652,7 @@
   <a:extraClrSchemeLst/>
   <a:extLst>
     <a:ext uri="{05A4C25C-085E-4340-85A3-A5531E510DB2}">
-      <thm15:themeFamily xmlns:thm15="http://schemas.microsoft.com/office/thememl/2012/main" name="Office Theme" id="{62F939B6-93AF-4DB8-9C6B-D6C7DFDC589F}" vid="{4A3C46E8-61CC-4603-A589-7422A47A8E4A}"/>
+      <thm15:themeFamily xmlns:thm15="http://schemas.microsoft.com/office/thememl/2012/main" xmlns="" name="Office Theme" id="{62F939B6-93AF-4DB8-9C6B-D6C7DFDC589F}" vid="{4A3C46E8-61CC-4603-A589-7422A47A8E4A}"/>
     </a:ext>
   </a:extLst>
 </a:theme>
